--- a/Presentations/PRCO204 Group Presentation.pptx
+++ b/Presentations/PRCO204 Group Presentation.pptx
@@ -5,17 +5,18 @@
     <p:sldMasterId id="2147483648" r:id="rId1"/>
   </p:sldMasterIdLst>
   <p:notesMasterIdLst>
-    <p:notesMasterId r:id="rId10"/>
+    <p:notesMasterId r:id="rId11"/>
   </p:notesMasterIdLst>
   <p:sldIdLst>
     <p:sldId id="256" r:id="rId2"/>
     <p:sldId id="257" r:id="rId3"/>
-    <p:sldId id="258" r:id="rId4"/>
-    <p:sldId id="259" r:id="rId5"/>
-    <p:sldId id="260" r:id="rId6"/>
-    <p:sldId id="261" r:id="rId7"/>
-    <p:sldId id="262" r:id="rId8"/>
-    <p:sldId id="263" r:id="rId9"/>
+    <p:sldId id="264" r:id="rId4"/>
+    <p:sldId id="265" r:id="rId5"/>
+    <p:sldId id="267" r:id="rId6"/>
+    <p:sldId id="266" r:id="rId7"/>
+    <p:sldId id="261" r:id="rId8"/>
+    <p:sldId id="262" r:id="rId9"/>
+    <p:sldId id="263" r:id="rId10"/>
   </p:sldIdLst>
   <p:sldSz cx="12192000" cy="6858000"/>
   <p:notesSz cx="6858000" cy="9144000"/>
@@ -114,6 +115,11 @@
       </a:defRPr>
     </a:lvl9pPr>
   </p:defaultTextStyle>
+  <p:extLst>
+    <p:ext uri="{EFAFB233-063F-42B5-8137-9DF3F51BA10A}">
+      <p15:sldGuideLst xmlns:p15="http://schemas.microsoft.com/office/powerpoint/2012/main"/>
+    </p:ext>
+  </p:extLst>
 </p:presentation>
 </file>
 
@@ -199,7 +205,7 @@
           <a:p>
             <a:fld id="{3BD742AD-520A-47F7-B2C9-40E93A8FC620}" type="datetimeFigureOut">
               <a:rPr lang="en-GB" smtClean="0"/>
-              <a:t>14/02/2020</a:t>
+              <a:t>19/02/2020</a:t>
             </a:fld>
             <a:endParaRPr lang="en-GB"/>
           </a:p>
@@ -467,217 +473,29 @@
 </p:notesMaster>
 </file>
 
-<file path=ppt/notesSlides/notesSlide1.xml><?xml version="1.0" encoding="utf-8"?>
-<p:notes xmlns:a="http://schemas.openxmlformats.org/drawingml/2006/main" xmlns:r="http://schemas.openxmlformats.org/officeDocument/2006/relationships" xmlns:p="http://schemas.openxmlformats.org/presentationml/2006/main" showMasterSp="0" showMasterPhAnim="0">
-  <p:cSld>
-    <p:spTree>
-      <p:nvGrpSpPr>
-        <p:cNvPr id="1" name="Shape 80"/>
-        <p:cNvGrpSpPr/>
-        <p:nvPr/>
-      </p:nvGrpSpPr>
-      <p:grpSpPr>
-        <a:xfrm>
-          <a:off x="0" y="0"/>
-          <a:ext cx="0" cy="0"/>
-          <a:chOff x="0" y="0"/>
-          <a:chExt cx="0" cy="0"/>
-        </a:xfrm>
-      </p:grpSpPr>
-      <p:sp>
-        <p:nvSpPr>
-          <p:cNvPr id="81" name="Google Shape;81;p1:notes"/>
-          <p:cNvSpPr txBox="1">
-            <a:spLocks noGrp="1"/>
-          </p:cNvSpPr>
-          <p:nvPr>
-            <p:ph type="body" idx="1"/>
-          </p:nvPr>
-        </p:nvSpPr>
-        <p:spPr>
-          <a:xfrm>
-            <a:off x="685800" y="4343400"/>
-            <a:ext cx="5486400" cy="4114800"/>
-          </a:xfrm>
-          <a:prstGeom prst="rect">
-            <a:avLst/>
-          </a:prstGeom>
-        </p:spPr>
-        <p:txBody>
-          <a:bodyPr spcFirstLastPara="1" wrap="square" lIns="91425" tIns="91425" rIns="91425" bIns="91425" anchor="t" anchorCtr="0">
-            <a:noAutofit/>
-          </a:bodyPr>
-          <a:lstStyle/>
-          <a:p>
-            <a:pPr marL="0" lvl="0" indent="0" algn="l" rtl="0">
-              <a:spcBef>
-                <a:spcPts val="0"/>
-              </a:spcBef>
-              <a:spcAft>
-                <a:spcPts val="0"/>
-              </a:spcAft>
-              <a:buNone/>
-            </a:pPr>
-            <a:endParaRPr/>
-          </a:p>
-        </p:txBody>
-      </p:sp>
-      <p:sp>
-        <p:nvSpPr>
-          <p:cNvPr id="82" name="Google Shape;82;p1:notes"/>
-          <p:cNvSpPr>
-            <a:spLocks noGrp="1" noRot="1" noChangeAspect="1"/>
-          </p:cNvSpPr>
-          <p:nvPr>
-            <p:ph type="sldImg" idx="2"/>
-          </p:nvPr>
-        </p:nvSpPr>
-        <p:spPr>
-          <a:xfrm>
-            <a:off x="1143225" y="685800"/>
-            <a:ext cx="4572225" cy="3429000"/>
-          </a:xfrm>
-          <a:custGeom>
-            <a:avLst/>
-            <a:gdLst/>
-            <a:ahLst/>
-            <a:cxnLst/>
-            <a:rect l="l" t="t" r="r" b="b"/>
-            <a:pathLst>
-              <a:path w="120000" h="120000" extrusionOk="0">
-                <a:moveTo>
-                  <a:pt x="0" y="0"/>
-                </a:moveTo>
-                <a:lnTo>
-                  <a:pt x="120000" y="0"/>
-                </a:lnTo>
-                <a:lnTo>
-                  <a:pt x="120000" y="120000"/>
-                </a:lnTo>
-                <a:lnTo>
-                  <a:pt x="0" y="120000"/>
-                </a:lnTo>
-                <a:close/>
-              </a:path>
-            </a:pathLst>
-          </a:custGeom>
-        </p:spPr>
-      </p:sp>
-    </p:spTree>
-  </p:cSld>
-  <p:clrMapOvr>
-    <a:masterClrMapping/>
-  </p:clrMapOvr>
-</p:notes>
-</file>
-
-<file path=ppt/notesSlides/notesSlide2.xml><?xml version="1.0" encoding="utf-8"?>
-<p:notes xmlns:a="http://schemas.openxmlformats.org/drawingml/2006/main" xmlns:r="http://schemas.openxmlformats.org/officeDocument/2006/relationships" xmlns:p="http://schemas.openxmlformats.org/presentationml/2006/main" showMasterSp="0" showMasterPhAnim="0">
-  <p:cSld>
-    <p:spTree>
-      <p:nvGrpSpPr>
-        <p:cNvPr id="1" name="Shape 86"/>
-        <p:cNvGrpSpPr/>
-        <p:nvPr/>
-      </p:nvGrpSpPr>
-      <p:grpSpPr>
-        <a:xfrm>
-          <a:off x="0" y="0"/>
-          <a:ext cx="0" cy="0"/>
-          <a:chOff x="0" y="0"/>
-          <a:chExt cx="0" cy="0"/>
-        </a:xfrm>
-      </p:grpSpPr>
-      <p:sp>
-        <p:nvSpPr>
-          <p:cNvPr id="87" name="Google Shape;87;p2:notes"/>
-          <p:cNvSpPr txBox="1">
-            <a:spLocks noGrp="1"/>
-          </p:cNvSpPr>
-          <p:nvPr>
-            <p:ph type="body" idx="1"/>
-          </p:nvPr>
-        </p:nvSpPr>
-        <p:spPr>
-          <a:xfrm>
-            <a:off x="685800" y="4343400"/>
-            <a:ext cx="5486400" cy="4114800"/>
-          </a:xfrm>
-          <a:prstGeom prst="rect">
-            <a:avLst/>
-          </a:prstGeom>
-        </p:spPr>
-        <p:txBody>
-          <a:bodyPr spcFirstLastPara="1" wrap="square" lIns="91425" tIns="91425" rIns="91425" bIns="91425" anchor="t" anchorCtr="0">
-            <a:noAutofit/>
-          </a:bodyPr>
-          <a:lstStyle/>
-          <a:p>
-            <a:pPr marL="0" lvl="0" indent="0" algn="l" rtl="0">
-              <a:spcBef>
-                <a:spcPts val="0"/>
-              </a:spcBef>
-              <a:spcAft>
-                <a:spcPts val="0"/>
-              </a:spcAft>
-              <a:buNone/>
-            </a:pPr>
-            <a:endParaRPr/>
-          </a:p>
-        </p:txBody>
-      </p:sp>
-      <p:sp>
-        <p:nvSpPr>
-          <p:cNvPr id="88" name="Google Shape;88;p2:notes"/>
-          <p:cNvSpPr>
-            <a:spLocks noGrp="1" noRot="1" noChangeAspect="1"/>
-          </p:cNvSpPr>
-          <p:nvPr>
-            <p:ph type="sldImg" idx="2"/>
-          </p:nvPr>
-        </p:nvSpPr>
-        <p:spPr>
-          <a:xfrm>
-            <a:off x="1143225" y="685800"/>
-            <a:ext cx="4572225" cy="3429000"/>
-          </a:xfrm>
-          <a:custGeom>
-            <a:avLst/>
-            <a:gdLst/>
-            <a:ahLst/>
-            <a:cxnLst/>
-            <a:rect l="l" t="t" r="r" b="b"/>
-            <a:pathLst>
-              <a:path w="120000" h="120000" extrusionOk="0">
-                <a:moveTo>
-                  <a:pt x="0" y="0"/>
-                </a:moveTo>
-                <a:lnTo>
-                  <a:pt x="120000" y="0"/>
-                </a:lnTo>
-                <a:lnTo>
-                  <a:pt x="120000" y="120000"/>
-                </a:lnTo>
-                <a:lnTo>
-                  <a:pt x="0" y="120000"/>
-                </a:lnTo>
-                <a:close/>
-              </a:path>
-            </a:pathLst>
-          </a:custGeom>
-        </p:spPr>
-      </p:sp>
-    </p:spTree>
-  </p:cSld>
-  <p:clrMapOvr>
-    <a:masterClrMapping/>
-  </p:clrMapOvr>
-</p:notes>
-</file>
-
 <file path=ppt/slideLayouts/slideLayout1.xml><?xml version="1.0" encoding="utf-8"?>
 <p:sldLayout xmlns:a="http://schemas.openxmlformats.org/drawingml/2006/main" xmlns:r="http://schemas.openxmlformats.org/officeDocument/2006/relationships" xmlns:p="http://schemas.openxmlformats.org/presentationml/2006/main" type="title" preserve="1">
   <p:cSld name="Title Slide">
+    <p:bg>
+      <p:bgPr>
+        <a:gradFill>
+          <a:gsLst>
+            <a:gs pos="100000">
+              <a:schemeClr val="accent1">
+                <a:lumMod val="75000"/>
+              </a:schemeClr>
+            </a:gs>
+            <a:gs pos="0">
+              <a:schemeClr val="accent5">
+                <a:lumMod val="75000"/>
+              </a:schemeClr>
+            </a:gs>
+          </a:gsLst>
+          <a:lin ang="5400000" scaled="1"/>
+        </a:gradFill>
+        <a:effectLst/>
+      </p:bgPr>
+    </p:bg>
     <p:spTree>
       <p:nvGrpSpPr>
         <p:cNvPr id="1" name=""/>
@@ -718,15 +536,20 @@
           <a:bodyPr anchor="b"/>
           <a:lstStyle>
             <a:lvl1pPr algn="ctr">
-              <a:defRPr sz="6000"/>
+              <a:defRPr sz="6000">
+                <a:solidFill>
+                  <a:schemeClr val="bg1"/>
+                </a:solidFill>
+                <a:latin typeface="Eras Medium ITC" panose="020B0602030504020804" pitchFamily="34" charset="0"/>
+              </a:defRPr>
             </a:lvl1pPr>
           </a:lstStyle>
           <a:p>
             <a:r>
-              <a:rPr lang="en-US"/>
+              <a:rPr lang="en-US" dirty="0"/>
               <a:t>Click to edit Master title style</a:t>
             </a:r>
-            <a:endParaRPr lang="en-GB"/>
+            <a:endParaRPr lang="en-GB" dirty="0"/>
           </a:p>
         </p:txBody>
       </p:sp>
@@ -757,7 +580,12 @@
           <a:lstStyle>
             <a:lvl1pPr marL="0" indent="0" algn="ctr">
               <a:buNone/>
-              <a:defRPr sz="2400"/>
+              <a:defRPr sz="2400">
+                <a:solidFill>
+                  <a:schemeClr val="bg1"/>
+                </a:solidFill>
+                <a:latin typeface="Eras Demi ITC" panose="020B0805030504020804" pitchFamily="34" charset="0"/>
+              </a:defRPr>
             </a:lvl1pPr>
             <a:lvl2pPr marL="457200" indent="0" algn="ctr">
               <a:buNone/>
@@ -794,10 +622,10 @@
           </a:lstStyle>
           <a:p>
             <a:r>
-              <a:rPr lang="en-US"/>
+              <a:rPr lang="en-US" dirty="0"/>
               <a:t>Click to edit Master subtitle style</a:t>
             </a:r>
-            <a:endParaRPr lang="en-GB"/>
+            <a:endParaRPr lang="en-GB" dirty="0"/>
           </a:p>
         </p:txBody>
       </p:sp>
@@ -824,7 +652,7 @@
           <a:p>
             <a:fld id="{C0B17FCB-F812-4DC3-A3DE-7A40917F3657}" type="datetimeFigureOut">
               <a:rPr lang="en-GB" smtClean="0"/>
-              <a:t>14/02/2020</a:t>
+              <a:t>19/02/2020</a:t>
             </a:fld>
             <a:endParaRPr lang="en-GB"/>
           </a:p>
@@ -1024,7 +852,7 @@
           <a:p>
             <a:fld id="{C0B17FCB-F812-4DC3-A3DE-7A40917F3657}" type="datetimeFigureOut">
               <a:rPr lang="en-GB" smtClean="0"/>
-              <a:t>14/02/2020</a:t>
+              <a:t>19/02/2020</a:t>
             </a:fld>
             <a:endParaRPr lang="en-GB"/>
           </a:p>
@@ -1234,7 +1062,7 @@
           <a:p>
             <a:fld id="{C0B17FCB-F812-4DC3-A3DE-7A40917F3657}" type="datetimeFigureOut">
               <a:rPr lang="en-GB" smtClean="0"/>
-              <a:t>14/02/2020</a:t>
+              <a:t>19/02/2020</a:t>
             </a:fld>
             <a:endParaRPr lang="en-GB"/>
           </a:p>
@@ -1310,6 +1138,26 @@
 <file path=ppt/slideLayouts/slideLayout2.xml><?xml version="1.0" encoding="utf-8"?>
 <p:sldLayout xmlns:a="http://schemas.openxmlformats.org/drawingml/2006/main" xmlns:r="http://schemas.openxmlformats.org/officeDocument/2006/relationships" xmlns:p="http://schemas.openxmlformats.org/presentationml/2006/main" type="obj" preserve="1">
   <p:cSld name="Title and Content">
+    <p:bg>
+      <p:bgPr>
+        <a:gradFill>
+          <a:gsLst>
+            <a:gs pos="100000">
+              <a:schemeClr val="accent1">
+                <a:lumMod val="75000"/>
+              </a:schemeClr>
+            </a:gs>
+            <a:gs pos="0">
+              <a:schemeClr val="accent5">
+                <a:lumMod val="75000"/>
+              </a:schemeClr>
+            </a:gs>
+          </a:gsLst>
+          <a:lin ang="5400000" scaled="1"/>
+        </a:gradFill>
+        <a:effectLst/>
+      </p:bgPr>
+    </p:bg>
     <p:spTree>
       <p:nvGrpSpPr>
         <p:cNvPr id="1" name=""/>
@@ -1326,6 +1174,67 @@
       </p:grpSpPr>
       <p:sp>
         <p:nvSpPr>
+          <p:cNvPr id="7" name="Rectangle 6">
+            <a:extLst>
+              <a:ext uri="{FF2B5EF4-FFF2-40B4-BE49-F238E27FC236}">
+                <a16:creationId xmlns:a16="http://schemas.microsoft.com/office/drawing/2014/main" id="{6D78E781-0A40-4B6D-87CE-9AE933CDA741}"/>
+              </a:ext>
+            </a:extLst>
+          </p:cNvPr>
+          <p:cNvSpPr/>
+          <p:nvPr userDrawn="1"/>
+        </p:nvSpPr>
+        <p:spPr>
+          <a:xfrm>
+            <a:off x="0" y="0"/>
+            <a:ext cx="12192000" cy="942392"/>
+          </a:xfrm>
+          <a:prstGeom prst="rect">
+            <a:avLst/>
+          </a:prstGeom>
+          <a:gradFill>
+            <a:gsLst>
+              <a:gs pos="100000">
+                <a:schemeClr val="accent1">
+                  <a:lumMod val="75000"/>
+                </a:schemeClr>
+              </a:gs>
+              <a:gs pos="0">
+                <a:schemeClr val="accent5">
+                  <a:lumMod val="75000"/>
+                </a:schemeClr>
+              </a:gs>
+            </a:gsLst>
+            <a:lin ang="0" scaled="0"/>
+          </a:gradFill>
+        </p:spPr>
+        <p:style>
+          <a:lnRef idx="2">
+            <a:schemeClr val="accent1">
+              <a:shade val="50000"/>
+            </a:schemeClr>
+          </a:lnRef>
+          <a:fillRef idx="1">
+            <a:schemeClr val="accent1"/>
+          </a:fillRef>
+          <a:effectRef idx="0">
+            <a:schemeClr val="accent1"/>
+          </a:effectRef>
+          <a:fontRef idx="minor">
+            <a:schemeClr val="lt1"/>
+          </a:fontRef>
+        </p:style>
+        <p:txBody>
+          <a:bodyPr rtlCol="0" anchor="ctr"/>
+          <a:lstStyle/>
+          <a:p>
+            <a:pPr algn="ctr"/>
+            <a:endParaRPr lang="en-GB"/>
+          </a:p>
+        </p:txBody>
+      </p:sp>
+      <p:sp>
+        <p:nvSpPr>
           <p:cNvPr id="2" name="Title 1">
             <a:extLst>
               <a:ext uri="{FF2B5EF4-FFF2-40B4-BE49-F238E27FC236}">
@@ -1340,16 +1249,29 @@
             <p:ph type="title"/>
           </p:nvPr>
         </p:nvSpPr>
-        <p:spPr/>
+        <p:spPr>
+          <a:xfrm>
+            <a:off x="539620" y="-166721"/>
+            <a:ext cx="10515600" cy="1325563"/>
+          </a:xfrm>
+        </p:spPr>
         <p:txBody>
           <a:bodyPr/>
-          <a:lstStyle/>
-          <a:p>
-            <a:r>
-              <a:rPr lang="en-US"/>
+          <a:lstStyle>
+            <a:lvl1pPr>
+              <a:defRPr>
+                <a:solidFill>
+                  <a:schemeClr val="bg1"/>
+                </a:solidFill>
+              </a:defRPr>
+            </a:lvl1pPr>
+          </a:lstStyle>
+          <a:p>
+            <a:r>
+              <a:rPr lang="en-US" dirty="0"/>
               <a:t>Click to edit Master title style</a:t>
             </a:r>
-            <a:endParaRPr lang="en-GB"/>
+            <a:endParaRPr lang="en-GB" dirty="0"/>
           </a:p>
         </p:txBody>
       </p:sp>
@@ -1369,45 +1291,86 @@
             <p:ph idx="1"/>
           </p:nvPr>
         </p:nvSpPr>
-        <p:spPr/>
+        <p:spPr>
+          <a:xfrm>
+            <a:off x="838200" y="1825625"/>
+            <a:ext cx="10515600" cy="4351338"/>
+          </a:xfrm>
+        </p:spPr>
         <p:txBody>
           <a:bodyPr/>
-          <a:lstStyle/>
+          <a:lstStyle>
+            <a:lvl1pPr>
+              <a:defRPr>
+                <a:solidFill>
+                  <a:schemeClr val="bg1"/>
+                </a:solidFill>
+              </a:defRPr>
+            </a:lvl1pPr>
+            <a:lvl2pPr>
+              <a:defRPr>
+                <a:solidFill>
+                  <a:schemeClr val="bg1"/>
+                </a:solidFill>
+              </a:defRPr>
+            </a:lvl2pPr>
+            <a:lvl3pPr>
+              <a:defRPr>
+                <a:solidFill>
+                  <a:schemeClr val="bg1"/>
+                </a:solidFill>
+              </a:defRPr>
+            </a:lvl3pPr>
+            <a:lvl4pPr>
+              <a:defRPr>
+                <a:solidFill>
+                  <a:schemeClr val="bg1"/>
+                </a:solidFill>
+              </a:defRPr>
+            </a:lvl4pPr>
+            <a:lvl5pPr>
+              <a:defRPr>
+                <a:solidFill>
+                  <a:schemeClr val="bg1"/>
+                </a:solidFill>
+              </a:defRPr>
+            </a:lvl5pPr>
+          </a:lstStyle>
           <a:p>
             <a:pPr lvl="0"/>
             <a:r>
-              <a:rPr lang="en-US"/>
+              <a:rPr lang="en-US" dirty="0"/>
               <a:t>Click to edit Master text styles</a:t>
             </a:r>
           </a:p>
           <a:p>
             <a:pPr lvl="1"/>
             <a:r>
-              <a:rPr lang="en-US"/>
+              <a:rPr lang="en-US" dirty="0"/>
               <a:t>Second level</a:t>
             </a:r>
           </a:p>
           <a:p>
             <a:pPr lvl="2"/>
             <a:r>
-              <a:rPr lang="en-US"/>
+              <a:rPr lang="en-US" dirty="0"/>
               <a:t>Third level</a:t>
             </a:r>
           </a:p>
           <a:p>
             <a:pPr lvl="3"/>
             <a:r>
-              <a:rPr lang="en-US"/>
+              <a:rPr lang="en-US" dirty="0"/>
               <a:t>Fourth level</a:t>
             </a:r>
           </a:p>
           <a:p>
             <a:pPr lvl="4"/>
             <a:r>
-              <a:rPr lang="en-US"/>
+              <a:rPr lang="en-US" dirty="0"/>
               <a:t>Fifth level</a:t>
             </a:r>
-            <a:endParaRPr lang="en-GB"/>
+            <a:endParaRPr lang="en-GB" dirty="0"/>
           </a:p>
         </p:txBody>
       </p:sp>
@@ -1434,7 +1397,7 @@
           <a:p>
             <a:fld id="{C0B17FCB-F812-4DC3-A3DE-7A40917F3657}" type="datetimeFigureOut">
               <a:rPr lang="en-GB" smtClean="0"/>
-              <a:t>14/02/2020</a:t>
+              <a:t>19/02/2020</a:t>
             </a:fld>
             <a:endParaRPr lang="en-GB"/>
           </a:p>
@@ -1494,6 +1457,73 @@
           </a:p>
         </p:txBody>
       </p:sp>
+      <p:cxnSp>
+        <p:nvCxnSpPr>
+          <p:cNvPr id="9" name="Straight Connector 8">
+            <a:extLst>
+              <a:ext uri="{FF2B5EF4-FFF2-40B4-BE49-F238E27FC236}">
+                <a16:creationId xmlns:a16="http://schemas.microsoft.com/office/drawing/2014/main" id="{EF3CCC03-A51D-4420-8DB5-BAAC9EA9475A}"/>
+              </a:ext>
+            </a:extLst>
+          </p:cNvPr>
+          <p:cNvCxnSpPr/>
+          <p:nvPr userDrawn="1"/>
+        </p:nvCxnSpPr>
+        <p:spPr>
+          <a:xfrm>
+            <a:off x="0" y="942392"/>
+            <a:ext cx="12192000" cy="0"/>
+          </a:xfrm>
+          <a:prstGeom prst="line">
+            <a:avLst/>
+          </a:prstGeom>
+          <a:ln w="50800">
+            <a:gradFill>
+              <a:gsLst>
+                <a:gs pos="0">
+                  <a:schemeClr val="accent1">
+                    <a:lumMod val="5000"/>
+                    <a:lumOff val="95000"/>
+                  </a:schemeClr>
+                </a:gs>
+                <a:gs pos="74000">
+                  <a:schemeClr val="accent1">
+                    <a:lumMod val="45000"/>
+                    <a:lumOff val="55000"/>
+                  </a:schemeClr>
+                </a:gs>
+                <a:gs pos="83000">
+                  <a:schemeClr val="accent1">
+                    <a:lumMod val="45000"/>
+                    <a:lumOff val="55000"/>
+                  </a:schemeClr>
+                </a:gs>
+                <a:gs pos="100000">
+                  <a:schemeClr val="accent1">
+                    <a:lumMod val="30000"/>
+                    <a:lumOff val="70000"/>
+                  </a:schemeClr>
+                </a:gs>
+              </a:gsLst>
+              <a:lin ang="5400000" scaled="1"/>
+            </a:gradFill>
+          </a:ln>
+        </p:spPr>
+        <p:style>
+          <a:lnRef idx="1">
+            <a:schemeClr val="accent1"/>
+          </a:lnRef>
+          <a:fillRef idx="0">
+            <a:schemeClr val="accent1"/>
+          </a:fillRef>
+          <a:effectRef idx="0">
+            <a:schemeClr val="accent1"/>
+          </a:effectRef>
+          <a:fontRef idx="minor">
+            <a:schemeClr val="tx1"/>
+          </a:fontRef>
+        </p:style>
+      </p:cxnSp>
     </p:spTree>
     <p:extLst>
       <p:ext uri="{BB962C8B-B14F-4D97-AF65-F5344CB8AC3E}">
@@ -1710,7 +1740,7 @@
           <a:p>
             <a:fld id="{C0B17FCB-F812-4DC3-A3DE-7A40917F3657}" type="datetimeFigureOut">
               <a:rPr lang="en-GB" smtClean="0"/>
-              <a:t>14/02/2020</a:t>
+              <a:t>19/02/2020</a:t>
             </a:fld>
             <a:endParaRPr lang="en-GB"/>
           </a:p>
@@ -1978,7 +2008,7 @@
           <a:p>
             <a:fld id="{C0B17FCB-F812-4DC3-A3DE-7A40917F3657}" type="datetimeFigureOut">
               <a:rPr lang="en-GB" smtClean="0"/>
-              <a:t>14/02/2020</a:t>
+              <a:t>19/02/2020</a:t>
             </a:fld>
             <a:endParaRPr lang="en-GB"/>
           </a:p>
@@ -2393,7 +2423,7 @@
           <a:p>
             <a:fld id="{C0B17FCB-F812-4DC3-A3DE-7A40917F3657}" type="datetimeFigureOut">
               <a:rPr lang="en-GB" smtClean="0"/>
-              <a:t>14/02/2020</a:t>
+              <a:t>19/02/2020</a:t>
             </a:fld>
             <a:endParaRPr lang="en-GB"/>
           </a:p>
@@ -2535,7 +2565,7 @@
           <a:p>
             <a:fld id="{C0B17FCB-F812-4DC3-A3DE-7A40917F3657}" type="datetimeFigureOut">
               <a:rPr lang="en-GB" smtClean="0"/>
-              <a:t>14/02/2020</a:t>
+              <a:t>19/02/2020</a:t>
             </a:fld>
             <a:endParaRPr lang="en-GB"/>
           </a:p>
@@ -2648,7 +2678,7 @@
           <a:p>
             <a:fld id="{C0B17FCB-F812-4DC3-A3DE-7A40917F3657}" type="datetimeFigureOut">
               <a:rPr lang="en-GB" smtClean="0"/>
-              <a:t>14/02/2020</a:t>
+              <a:t>19/02/2020</a:t>
             </a:fld>
             <a:endParaRPr lang="en-GB"/>
           </a:p>
@@ -2961,7 +2991,7 @@
           <a:p>
             <a:fld id="{C0B17FCB-F812-4DC3-A3DE-7A40917F3657}" type="datetimeFigureOut">
               <a:rPr lang="en-GB" smtClean="0"/>
-              <a:t>14/02/2020</a:t>
+              <a:t>19/02/2020</a:t>
             </a:fld>
             <a:endParaRPr lang="en-GB"/>
           </a:p>
@@ -3250,7 +3280,7 @@
           <a:p>
             <a:fld id="{C0B17FCB-F812-4DC3-A3DE-7A40917F3657}" type="datetimeFigureOut">
               <a:rPr lang="en-GB" smtClean="0"/>
-              <a:t>14/02/2020</a:t>
+              <a:t>19/02/2020</a:t>
             </a:fld>
             <a:endParaRPr lang="en-GB"/>
           </a:p>
@@ -3327,9 +3357,24 @@
 <p:sldMaster xmlns:a="http://schemas.openxmlformats.org/drawingml/2006/main" xmlns:r="http://schemas.openxmlformats.org/officeDocument/2006/relationships" xmlns:p="http://schemas.openxmlformats.org/presentationml/2006/main">
   <p:cSld>
     <p:bg>
-      <p:bgRef idx="1001">
-        <a:schemeClr val="bg1"/>
-      </p:bgRef>
+      <p:bgPr>
+        <a:gradFill>
+          <a:gsLst>
+            <a:gs pos="100000">
+              <a:schemeClr val="accent1">
+                <a:lumMod val="75000"/>
+              </a:schemeClr>
+            </a:gs>
+            <a:gs pos="0">
+              <a:schemeClr val="accent5">
+                <a:lumMod val="75000"/>
+              </a:schemeClr>
+            </a:gs>
+          </a:gsLst>
+          <a:lin ang="5400000" scaled="1"/>
+        </a:gradFill>
+        <a:effectLst/>
+      </p:bgPr>
     </p:bg>
     <p:spTree>
       <p:nvGrpSpPr>
@@ -3377,10 +3422,10 @@
           <a:lstStyle/>
           <a:p>
             <a:r>
-              <a:rPr lang="en-US"/>
+              <a:rPr lang="en-US" dirty="0"/>
               <a:t>Click to edit Master title style</a:t>
             </a:r>
-            <a:endParaRPr lang="en-GB"/>
+            <a:endParaRPr lang="en-GB" dirty="0"/>
           </a:p>
         </p:txBody>
       </p:sp>
@@ -3408,6 +3453,7 @@
           <a:prstGeom prst="rect">
             <a:avLst/>
           </a:prstGeom>
+          <a:noFill/>
         </p:spPr>
         <p:txBody>
           <a:bodyPr vert="horz" lIns="91440" tIns="45720" rIns="91440" bIns="45720" rtlCol="0">
@@ -3417,38 +3463,38 @@
           <a:p>
             <a:pPr lvl="0"/>
             <a:r>
-              <a:rPr lang="en-US"/>
+              <a:rPr lang="en-US" dirty="0"/>
               <a:t>Click to edit Master text styles</a:t>
             </a:r>
           </a:p>
           <a:p>
             <a:pPr lvl="1"/>
             <a:r>
-              <a:rPr lang="en-US"/>
+              <a:rPr lang="en-US" dirty="0"/>
               <a:t>Second level</a:t>
             </a:r>
           </a:p>
           <a:p>
             <a:pPr lvl="2"/>
             <a:r>
-              <a:rPr lang="en-US"/>
+              <a:rPr lang="en-US" dirty="0"/>
               <a:t>Third level</a:t>
             </a:r>
           </a:p>
           <a:p>
             <a:pPr lvl="3"/>
             <a:r>
-              <a:rPr lang="en-US"/>
+              <a:rPr lang="en-US" dirty="0"/>
               <a:t>Fourth level</a:t>
             </a:r>
           </a:p>
           <a:p>
             <a:pPr lvl="4"/>
             <a:r>
-              <a:rPr lang="en-US"/>
+              <a:rPr lang="en-US" dirty="0"/>
               <a:t>Fifth level</a:t>
             </a:r>
-            <a:endParaRPr lang="en-GB"/>
+            <a:endParaRPr lang="en-GB" dirty="0"/>
           </a:p>
         </p:txBody>
       </p:sp>
@@ -3493,7 +3539,7 @@
           <a:p>
             <a:fld id="{C0B17FCB-F812-4DC3-A3DE-7A40917F3657}" type="datetimeFigureOut">
               <a:rPr lang="en-GB" smtClean="0"/>
-              <a:t>14/02/2020</a:t>
+              <a:t>19/02/2020</a:t>
             </a:fld>
             <a:endParaRPr lang="en-GB"/>
           </a:p>
@@ -3622,7 +3668,7 @@
         <a:buNone/>
         <a:defRPr sz="4400" kern="1200">
           <a:solidFill>
-            <a:schemeClr val="tx1"/>
+            <a:schemeClr val="bg1"/>
           </a:solidFill>
           <a:latin typeface="+mj-lt"/>
           <a:ea typeface="+mj-ea"/>
@@ -3642,7 +3688,7 @@
         <a:buChar char="•"/>
         <a:defRPr sz="2800" kern="1200">
           <a:solidFill>
-            <a:schemeClr val="tx1"/>
+            <a:schemeClr val="bg1"/>
           </a:solidFill>
           <a:latin typeface="+mn-lt"/>
           <a:ea typeface="+mn-ea"/>
@@ -3660,7 +3706,7 @@
         <a:buChar char="•"/>
         <a:defRPr sz="2400" kern="1200">
           <a:solidFill>
-            <a:schemeClr val="tx1"/>
+            <a:schemeClr val="bg1"/>
           </a:solidFill>
           <a:latin typeface="+mn-lt"/>
           <a:ea typeface="+mn-ea"/>
@@ -3678,7 +3724,7 @@
         <a:buChar char="•"/>
         <a:defRPr sz="2000" kern="1200">
           <a:solidFill>
-            <a:schemeClr val="tx1"/>
+            <a:schemeClr val="bg1"/>
           </a:solidFill>
           <a:latin typeface="+mn-lt"/>
           <a:ea typeface="+mn-ea"/>
@@ -3696,7 +3742,7 @@
         <a:buChar char="•"/>
         <a:defRPr sz="1800" kern="1200">
           <a:solidFill>
-            <a:schemeClr val="tx1"/>
+            <a:schemeClr val="bg1"/>
           </a:solidFill>
           <a:latin typeface="+mn-lt"/>
           <a:ea typeface="+mn-ea"/>
@@ -3714,7 +3760,7 @@
         <a:buChar char="•"/>
         <a:defRPr sz="1800" kern="1200">
           <a:solidFill>
-            <a:schemeClr val="tx1"/>
+            <a:schemeClr val="bg1"/>
           </a:solidFill>
           <a:latin typeface="+mn-lt"/>
           <a:ea typeface="+mn-ea"/>
@@ -4090,46 +4136,25 @@
       </p:grpSpPr>
       <p:sp>
         <p:nvSpPr>
-          <p:cNvPr id="7" name="Rectangle: Rounded Corners 6">
-            <a:extLst>
-              <a:ext uri="{FF2B5EF4-FFF2-40B4-BE49-F238E27FC236}">
-                <a16:creationId xmlns:a16="http://schemas.microsoft.com/office/drawing/2014/main" id="{1F122C99-EB90-41FC-8FD4-97EA585D8ECB}"/>
-              </a:ext>
-            </a:extLst>
-          </p:cNvPr>
-          <p:cNvSpPr/>
-          <p:nvPr/>
-        </p:nvSpPr>
-        <p:spPr>
-          <a:xfrm>
-            <a:off x="4367868" y="232795"/>
-            <a:ext cx="2402048" cy="914400"/>
-          </a:xfrm>
-          <a:prstGeom prst="roundRect">
-            <a:avLst/>
-          </a:prstGeom>
-        </p:spPr>
-        <p:style>
-          <a:lnRef idx="2">
-            <a:schemeClr val="accent1">
-              <a:shade val="50000"/>
-            </a:schemeClr>
-          </a:lnRef>
-          <a:fillRef idx="1">
-            <a:schemeClr val="accent1"/>
-          </a:fillRef>
-          <a:effectRef idx="0">
-            <a:schemeClr val="accent1"/>
-          </a:effectRef>
-          <a:fontRef idx="minor">
-            <a:schemeClr val="lt1"/>
-          </a:fontRef>
-        </p:style>
-        <p:txBody>
-          <a:bodyPr rtlCol="0" anchor="ctr"/>
+          <p:cNvPr id="2" name="Title 1">
+            <a:extLst>
+              <a:ext uri="{FF2B5EF4-FFF2-40B4-BE49-F238E27FC236}">
+                <a16:creationId xmlns:a16="http://schemas.microsoft.com/office/drawing/2014/main" id="{2DE6455C-2B87-49DD-B8AB-6F74061EEC7E}"/>
+              </a:ext>
+            </a:extLst>
+          </p:cNvPr>
+          <p:cNvSpPr>
+            <a:spLocks noGrp="1"/>
+          </p:cNvSpPr>
+          <p:nvPr>
+            <p:ph type="title"/>
+          </p:nvPr>
+        </p:nvSpPr>
+        <p:spPr/>
+        <p:txBody>
+          <a:bodyPr/>
           <a:lstStyle/>
           <a:p>
-            <a:pPr algn="ctr"/>
             <a:r>
               <a:rPr lang="en-GB" dirty="0"/>
               <a:t>Story Map</a:t>
@@ -4139,10 +4164,10 @@
       </p:sp>
       <p:sp>
         <p:nvSpPr>
-          <p:cNvPr id="8" name="TextBox 7">
-            <a:extLst>
-              <a:ext uri="{FF2B5EF4-FFF2-40B4-BE49-F238E27FC236}">
-                <a16:creationId xmlns:a16="http://schemas.microsoft.com/office/drawing/2014/main" id="{A38C1B19-23CB-403A-972C-9692068FD741}"/>
+          <p:cNvPr id="4" name="TextBox 3">
+            <a:extLst>
+              <a:ext uri="{FF2B5EF4-FFF2-40B4-BE49-F238E27FC236}">
+                <a16:creationId xmlns:a16="http://schemas.microsoft.com/office/drawing/2014/main" id="{4C45B761-431C-4F74-8EAA-32576AA4A03D}"/>
               </a:ext>
             </a:extLst>
           </p:cNvPr>
@@ -4166,63 +4191,119 @@
           <a:lstStyle/>
           <a:p>
             <a:r>
-              <a:rPr lang="en-GB" dirty="0"/>
+              <a:rPr lang="en-GB" dirty="0">
+                <a:solidFill>
+                  <a:schemeClr val="bg1"/>
+                </a:solidFill>
+              </a:rPr>
               <a:t>User activities</a:t>
             </a:r>
           </a:p>
           <a:p>
-            <a:endParaRPr lang="en-GB" dirty="0"/>
-          </a:p>
-          <a:p>
-            <a:r>
-              <a:rPr lang="en-GB" dirty="0"/>
+            <a:endParaRPr lang="en-GB" dirty="0">
+              <a:solidFill>
+                <a:schemeClr val="bg1"/>
+              </a:solidFill>
+            </a:endParaRPr>
+          </a:p>
+          <a:p>
+            <a:r>
+              <a:rPr lang="en-GB" dirty="0">
+                <a:solidFill>
+                  <a:schemeClr val="bg1"/>
+                </a:solidFill>
+              </a:rPr>
               <a:t>User tasks</a:t>
             </a:r>
           </a:p>
           <a:p>
-            <a:endParaRPr lang="en-GB" dirty="0"/>
-          </a:p>
-          <a:p>
-            <a:endParaRPr lang="en-GB" dirty="0"/>
-          </a:p>
-          <a:p>
-            <a:r>
-              <a:rPr lang="en-GB" dirty="0"/>
+            <a:endParaRPr lang="en-GB" dirty="0">
+              <a:solidFill>
+                <a:schemeClr val="bg1"/>
+              </a:solidFill>
+            </a:endParaRPr>
+          </a:p>
+          <a:p>
+            <a:endParaRPr lang="en-GB" dirty="0">
+              <a:solidFill>
+                <a:schemeClr val="bg1"/>
+              </a:solidFill>
+            </a:endParaRPr>
+          </a:p>
+          <a:p>
+            <a:r>
+              <a:rPr lang="en-GB" dirty="0">
+                <a:solidFill>
+                  <a:schemeClr val="bg1"/>
+                </a:solidFill>
+              </a:rPr>
               <a:t>User stories</a:t>
             </a:r>
           </a:p>
           <a:p>
-            <a:endParaRPr lang="en-GB" dirty="0"/>
-          </a:p>
-          <a:p>
-            <a:endParaRPr lang="en-GB" dirty="0"/>
-          </a:p>
-          <a:p>
-            <a:endParaRPr lang="en-GB" dirty="0"/>
-          </a:p>
-          <a:p>
-            <a:endParaRPr lang="en-GB" dirty="0"/>
-          </a:p>
-          <a:p>
-            <a:endParaRPr lang="en-GB" dirty="0"/>
-          </a:p>
-          <a:p>
-            <a:endParaRPr lang="en-GB" dirty="0"/>
-          </a:p>
-          <a:p>
-            <a:endParaRPr lang="en-GB" dirty="0"/>
-          </a:p>
-          <a:p>
-            <a:endParaRPr lang="en-GB" dirty="0"/>
-          </a:p>
-        </p:txBody>
-      </p:sp>
-      <p:sp>
-        <p:nvSpPr>
-          <p:cNvPr id="9" name="TextBox 8">
-            <a:extLst>
-              <a:ext uri="{FF2B5EF4-FFF2-40B4-BE49-F238E27FC236}">
-                <a16:creationId xmlns:a16="http://schemas.microsoft.com/office/drawing/2014/main" id="{D080FC99-E0F6-4361-AB61-A5B916B47628}"/>
+            <a:endParaRPr lang="en-GB" dirty="0">
+              <a:solidFill>
+                <a:schemeClr val="bg1"/>
+              </a:solidFill>
+            </a:endParaRPr>
+          </a:p>
+          <a:p>
+            <a:endParaRPr lang="en-GB" dirty="0">
+              <a:solidFill>
+                <a:schemeClr val="bg1"/>
+              </a:solidFill>
+            </a:endParaRPr>
+          </a:p>
+          <a:p>
+            <a:endParaRPr lang="en-GB" dirty="0">
+              <a:solidFill>
+                <a:schemeClr val="bg1"/>
+              </a:solidFill>
+            </a:endParaRPr>
+          </a:p>
+          <a:p>
+            <a:endParaRPr lang="en-GB" dirty="0">
+              <a:solidFill>
+                <a:schemeClr val="bg1"/>
+              </a:solidFill>
+            </a:endParaRPr>
+          </a:p>
+          <a:p>
+            <a:endParaRPr lang="en-GB" dirty="0">
+              <a:solidFill>
+                <a:schemeClr val="bg1"/>
+              </a:solidFill>
+            </a:endParaRPr>
+          </a:p>
+          <a:p>
+            <a:endParaRPr lang="en-GB" dirty="0">
+              <a:solidFill>
+                <a:schemeClr val="bg1"/>
+              </a:solidFill>
+            </a:endParaRPr>
+          </a:p>
+          <a:p>
+            <a:endParaRPr lang="en-GB" dirty="0">
+              <a:solidFill>
+                <a:schemeClr val="bg1"/>
+              </a:solidFill>
+            </a:endParaRPr>
+          </a:p>
+          <a:p>
+            <a:endParaRPr lang="en-GB" dirty="0">
+              <a:solidFill>
+                <a:schemeClr val="bg1"/>
+              </a:solidFill>
+            </a:endParaRPr>
+          </a:p>
+        </p:txBody>
+      </p:sp>
+      <p:sp>
+        <p:nvSpPr>
+          <p:cNvPr id="5" name="TextBox 4">
+            <a:extLst>
+              <a:ext uri="{FF2B5EF4-FFF2-40B4-BE49-F238E27FC236}">
+                <a16:creationId xmlns:a16="http://schemas.microsoft.com/office/drawing/2014/main" id="{027AD365-E1A6-4BF7-9373-D2F79EB38F9B}"/>
               </a:ext>
             </a:extLst>
           </p:cNvPr>
@@ -4246,7 +4327,11 @@
           <a:lstStyle/>
           <a:p>
             <a:r>
-              <a:rPr lang="en-GB" dirty="0"/>
+              <a:rPr lang="en-GB" dirty="0">
+                <a:solidFill>
+                  <a:schemeClr val="bg1"/>
+                </a:solidFill>
+              </a:rPr>
               <a:t>Flight management</a:t>
             </a:r>
           </a:p>
@@ -4254,10 +4339,10 @@
       </p:sp>
       <p:sp>
         <p:nvSpPr>
-          <p:cNvPr id="10" name="TextBox 9">
-            <a:extLst>
-              <a:ext uri="{FF2B5EF4-FFF2-40B4-BE49-F238E27FC236}">
-                <a16:creationId xmlns:a16="http://schemas.microsoft.com/office/drawing/2014/main" id="{382EB437-85A5-4D38-A523-D1FB809DA53C}"/>
+          <p:cNvPr id="6" name="TextBox 5">
+            <a:extLst>
+              <a:ext uri="{FF2B5EF4-FFF2-40B4-BE49-F238E27FC236}">
+                <a16:creationId xmlns:a16="http://schemas.microsoft.com/office/drawing/2014/main" id="{71038A87-02C1-44AB-8398-20852E0371E1}"/>
               </a:ext>
             </a:extLst>
           </p:cNvPr>
@@ -4281,7 +4366,11 @@
           <a:lstStyle/>
           <a:p>
             <a:r>
-              <a:rPr lang="en-GB" sz="1400" dirty="0"/>
+              <a:rPr lang="en-GB" sz="1400" dirty="0">
+                <a:solidFill>
+                  <a:schemeClr val="bg1"/>
+                </a:solidFill>
+              </a:rPr>
               <a:t>Search / Book / Cancel / Pay for a flight</a:t>
             </a:r>
           </a:p>
@@ -4289,10 +4378,10 @@
       </p:sp>
       <p:sp>
         <p:nvSpPr>
-          <p:cNvPr id="15" name="TextBox 14">
-            <a:extLst>
-              <a:ext uri="{FF2B5EF4-FFF2-40B4-BE49-F238E27FC236}">
-                <a16:creationId xmlns:a16="http://schemas.microsoft.com/office/drawing/2014/main" id="{6F010792-6079-4D7C-9D98-F25CC6A0B30E}"/>
+          <p:cNvPr id="7" name="TextBox 6">
+            <a:extLst>
+              <a:ext uri="{FF2B5EF4-FFF2-40B4-BE49-F238E27FC236}">
+                <a16:creationId xmlns:a16="http://schemas.microsoft.com/office/drawing/2014/main" id="{E1C6D520-951B-4A8F-89F0-645DBB997D02}"/>
               </a:ext>
             </a:extLst>
           </p:cNvPr>
@@ -4316,7 +4405,11 @@
           <a:lstStyle/>
           <a:p>
             <a:r>
-              <a:rPr lang="en-GB" dirty="0"/>
+              <a:rPr lang="en-GB" dirty="0">
+                <a:solidFill>
+                  <a:schemeClr val="bg1"/>
+                </a:solidFill>
+              </a:rPr>
               <a:t>Account management</a:t>
             </a:r>
           </a:p>
@@ -4324,10 +4417,10 @@
       </p:sp>
       <p:sp>
         <p:nvSpPr>
-          <p:cNvPr id="16" name="TextBox 15">
-            <a:extLst>
-              <a:ext uri="{FF2B5EF4-FFF2-40B4-BE49-F238E27FC236}">
-                <a16:creationId xmlns:a16="http://schemas.microsoft.com/office/drawing/2014/main" id="{B34CD236-03DB-4753-95F7-1FE4519BAC08}"/>
+          <p:cNvPr id="8" name="TextBox 7">
+            <a:extLst>
+              <a:ext uri="{FF2B5EF4-FFF2-40B4-BE49-F238E27FC236}">
+                <a16:creationId xmlns:a16="http://schemas.microsoft.com/office/drawing/2014/main" id="{E579A0CC-ADC6-42CE-9875-6227F50BC3D5}"/>
               </a:ext>
             </a:extLst>
           </p:cNvPr>
@@ -4351,7 +4444,11 @@
           <a:lstStyle/>
           <a:p>
             <a:r>
-              <a:rPr lang="en-GB" sz="1400" dirty="0"/>
+              <a:rPr lang="en-GB" sz="1400" dirty="0">
+                <a:solidFill>
+                  <a:schemeClr val="bg1"/>
+                </a:solidFill>
+              </a:rPr>
               <a:t>Create / Delete account</a:t>
             </a:r>
           </a:p>
@@ -4359,10 +4456,10 @@
       </p:sp>
       <p:sp>
         <p:nvSpPr>
-          <p:cNvPr id="18" name="TextBox 17">
-            <a:extLst>
-              <a:ext uri="{FF2B5EF4-FFF2-40B4-BE49-F238E27FC236}">
-                <a16:creationId xmlns:a16="http://schemas.microsoft.com/office/drawing/2014/main" id="{FFB83FF0-564F-4FC1-8D7F-15FCAB275B6F}"/>
+          <p:cNvPr id="9" name="TextBox 8">
+            <a:extLst>
+              <a:ext uri="{FF2B5EF4-FFF2-40B4-BE49-F238E27FC236}">
+                <a16:creationId xmlns:a16="http://schemas.microsoft.com/office/drawing/2014/main" id="{1C51A210-5C88-44B5-A146-5D35065C9FCC}"/>
               </a:ext>
             </a:extLst>
           </p:cNvPr>
@@ -4386,7 +4483,11 @@
           <a:lstStyle/>
           <a:p>
             <a:r>
-              <a:rPr lang="en-GB" dirty="0"/>
+              <a:rPr lang="en-GB" dirty="0">
+                <a:solidFill>
+                  <a:schemeClr val="bg1"/>
+                </a:solidFill>
+              </a:rPr>
               <a:t>Admin</a:t>
             </a:r>
           </a:p>
@@ -4394,10 +4495,10 @@
       </p:sp>
       <p:sp>
         <p:nvSpPr>
-          <p:cNvPr id="19" name="TextBox 18">
-            <a:extLst>
-              <a:ext uri="{FF2B5EF4-FFF2-40B4-BE49-F238E27FC236}">
-                <a16:creationId xmlns:a16="http://schemas.microsoft.com/office/drawing/2014/main" id="{A7EB462A-3341-4B13-AFB0-5446A14AB02C}"/>
+          <p:cNvPr id="10" name="TextBox 9">
+            <a:extLst>
+              <a:ext uri="{FF2B5EF4-FFF2-40B4-BE49-F238E27FC236}">
+                <a16:creationId xmlns:a16="http://schemas.microsoft.com/office/drawing/2014/main" id="{EA7C2083-BDDC-48A5-923D-3CAF404B512C}"/>
               </a:ext>
             </a:extLst>
           </p:cNvPr>
@@ -4421,7 +4522,11 @@
           <a:lstStyle/>
           <a:p>
             <a:r>
-              <a:rPr lang="en-GB" sz="1400" dirty="0"/>
+              <a:rPr lang="en-GB" sz="1400" dirty="0">
+                <a:solidFill>
+                  <a:schemeClr val="bg1"/>
+                </a:solidFill>
+              </a:rPr>
               <a:t>Add/remove/check flights</a:t>
             </a:r>
           </a:p>
@@ -4429,10 +4534,10 @@
       </p:sp>
       <p:sp>
         <p:nvSpPr>
-          <p:cNvPr id="22" name="TextBox 21">
-            <a:extLst>
-              <a:ext uri="{FF2B5EF4-FFF2-40B4-BE49-F238E27FC236}">
-                <a16:creationId xmlns:a16="http://schemas.microsoft.com/office/drawing/2014/main" id="{09AF1055-BEE0-4BCD-AF65-3C9B72DE672E}"/>
+          <p:cNvPr id="11" name="TextBox 10">
+            <a:extLst>
+              <a:ext uri="{FF2B5EF4-FFF2-40B4-BE49-F238E27FC236}">
+                <a16:creationId xmlns:a16="http://schemas.microsoft.com/office/drawing/2014/main" id="{A682DCBD-5B74-4FF6-BD91-1CC17BC4F182}"/>
               </a:ext>
             </a:extLst>
           </p:cNvPr>
@@ -4456,7 +4561,11 @@
           <a:lstStyle/>
           <a:p>
             <a:r>
-              <a:rPr lang="en-GB" sz="1400" dirty="0"/>
+              <a:rPr lang="en-GB" sz="1400" dirty="0">
+                <a:solidFill>
+                  <a:schemeClr val="bg1"/>
+                </a:solidFill>
+              </a:rPr>
               <a:t>View audit logs / send a secure message</a:t>
             </a:r>
           </a:p>
@@ -4464,10 +4573,10 @@
       </p:sp>
       <p:sp>
         <p:nvSpPr>
-          <p:cNvPr id="23" name="TextBox 22">
-            <a:extLst>
-              <a:ext uri="{FF2B5EF4-FFF2-40B4-BE49-F238E27FC236}">
-                <a16:creationId xmlns:a16="http://schemas.microsoft.com/office/drawing/2014/main" id="{F9EE3EA8-4F86-481A-9A6C-E308CBA7E7AD}"/>
+          <p:cNvPr id="12" name="TextBox 11">
+            <a:extLst>
+              <a:ext uri="{FF2B5EF4-FFF2-40B4-BE49-F238E27FC236}">
+                <a16:creationId xmlns:a16="http://schemas.microsoft.com/office/drawing/2014/main" id="{E4AA30FE-4DFD-4E9E-A597-F6272722C2A7}"/>
               </a:ext>
             </a:extLst>
           </p:cNvPr>
@@ -4491,7 +4600,11 @@
           <a:lstStyle/>
           <a:p>
             <a:r>
-              <a:rPr lang="en-GB" sz="1200" dirty="0"/>
+              <a:rPr lang="en-GB" sz="1200" dirty="0">
+                <a:solidFill>
+                  <a:schemeClr val="bg1"/>
+                </a:solidFill>
+              </a:rPr>
               <a:t>Customer logs in, searches for an then books a flight</a:t>
             </a:r>
           </a:p>
@@ -4499,10 +4612,10 @@
       </p:sp>
       <p:sp>
         <p:nvSpPr>
-          <p:cNvPr id="24" name="TextBox 23">
-            <a:extLst>
-              <a:ext uri="{FF2B5EF4-FFF2-40B4-BE49-F238E27FC236}">
-                <a16:creationId xmlns:a16="http://schemas.microsoft.com/office/drawing/2014/main" id="{9AD7CF68-70B2-4F34-A9F2-C33BF4D92E09}"/>
+          <p:cNvPr id="13" name="TextBox 12">
+            <a:extLst>
+              <a:ext uri="{FF2B5EF4-FFF2-40B4-BE49-F238E27FC236}">
+                <a16:creationId xmlns:a16="http://schemas.microsoft.com/office/drawing/2014/main" id="{77E39B55-6F7C-4725-8F61-82CA3021F724}"/>
               </a:ext>
             </a:extLst>
           </p:cNvPr>
@@ -4526,7 +4639,11 @@
           <a:lstStyle/>
           <a:p>
             <a:r>
-              <a:rPr lang="en-GB" sz="1200" dirty="0"/>
+              <a:rPr lang="en-GB" sz="1200" dirty="0">
+                <a:solidFill>
+                  <a:schemeClr val="bg1"/>
+                </a:solidFill>
+              </a:rPr>
               <a:t>Administrator adds/removes a flight</a:t>
             </a:r>
           </a:p>
@@ -4534,10 +4651,10 @@
       </p:sp>
       <p:sp>
         <p:nvSpPr>
-          <p:cNvPr id="25" name="TextBox 24">
-            <a:extLst>
-              <a:ext uri="{FF2B5EF4-FFF2-40B4-BE49-F238E27FC236}">
-                <a16:creationId xmlns:a16="http://schemas.microsoft.com/office/drawing/2014/main" id="{D26D47AA-9C4B-4695-BBDD-D210CB500AC9}"/>
+          <p:cNvPr id="14" name="TextBox 13">
+            <a:extLst>
+              <a:ext uri="{FF2B5EF4-FFF2-40B4-BE49-F238E27FC236}">
+                <a16:creationId xmlns:a16="http://schemas.microsoft.com/office/drawing/2014/main" id="{9F9F61B0-F24F-4B0F-ADF1-2217B1D931F3}"/>
               </a:ext>
             </a:extLst>
           </p:cNvPr>
@@ -4561,7 +4678,11 @@
           <a:lstStyle/>
           <a:p>
             <a:r>
-              <a:rPr lang="en-GB" sz="1200" dirty="0"/>
+              <a:rPr lang="en-GB" sz="1200" dirty="0">
+                <a:solidFill>
+                  <a:schemeClr val="bg1"/>
+                </a:solidFill>
+              </a:rPr>
               <a:t>Customer pays for a flight</a:t>
             </a:r>
           </a:p>
@@ -4569,10 +4690,10 @@
       </p:sp>
       <p:sp>
         <p:nvSpPr>
-          <p:cNvPr id="26" name="TextBox 25">
-            <a:extLst>
-              <a:ext uri="{FF2B5EF4-FFF2-40B4-BE49-F238E27FC236}">
-                <a16:creationId xmlns:a16="http://schemas.microsoft.com/office/drawing/2014/main" id="{0C288878-8DFC-47AE-BAC8-1413DF815BF5}"/>
+          <p:cNvPr id="15" name="TextBox 14">
+            <a:extLst>
+              <a:ext uri="{FF2B5EF4-FFF2-40B4-BE49-F238E27FC236}">
+                <a16:creationId xmlns:a16="http://schemas.microsoft.com/office/drawing/2014/main" id="{7AF453B2-F118-4DE9-BFF9-6B9BCD77234D}"/>
               </a:ext>
             </a:extLst>
           </p:cNvPr>
@@ -4596,7 +4717,11 @@
           <a:lstStyle/>
           <a:p>
             <a:r>
-              <a:rPr lang="en-GB" sz="1200" dirty="0"/>
+              <a:rPr lang="en-GB" sz="1200" dirty="0">
+                <a:solidFill>
+                  <a:schemeClr val="bg1"/>
+                </a:solidFill>
+              </a:rPr>
               <a:t>Customer cancels a flight</a:t>
             </a:r>
           </a:p>
@@ -4604,10 +4729,10 @@
       </p:sp>
       <p:sp>
         <p:nvSpPr>
-          <p:cNvPr id="27" name="TextBox 26">
-            <a:extLst>
-              <a:ext uri="{FF2B5EF4-FFF2-40B4-BE49-F238E27FC236}">
-                <a16:creationId xmlns:a16="http://schemas.microsoft.com/office/drawing/2014/main" id="{E65382A4-7CD6-45C1-AAF1-4CA1A3B4CF0C}"/>
+          <p:cNvPr id="16" name="TextBox 15">
+            <a:extLst>
+              <a:ext uri="{FF2B5EF4-FFF2-40B4-BE49-F238E27FC236}">
+                <a16:creationId xmlns:a16="http://schemas.microsoft.com/office/drawing/2014/main" id="{2897D201-5E2B-4ED2-8B35-DF24BD986E7B}"/>
               </a:ext>
             </a:extLst>
           </p:cNvPr>
@@ -4631,7 +4756,11 @@
           <a:lstStyle/>
           <a:p>
             <a:r>
-              <a:rPr lang="en-GB" sz="1200" dirty="0"/>
+              <a:rPr lang="en-GB" sz="1200" dirty="0">
+                <a:solidFill>
+                  <a:schemeClr val="bg1"/>
+                </a:solidFill>
+              </a:rPr>
               <a:t>Customer creates an account</a:t>
             </a:r>
           </a:p>
@@ -4639,10 +4768,10 @@
       </p:sp>
       <p:sp>
         <p:nvSpPr>
-          <p:cNvPr id="30" name="TextBox 29">
-            <a:extLst>
-              <a:ext uri="{FF2B5EF4-FFF2-40B4-BE49-F238E27FC236}">
-                <a16:creationId xmlns:a16="http://schemas.microsoft.com/office/drawing/2014/main" id="{A1927E72-E148-4126-9081-8D6C0205B3FE}"/>
+          <p:cNvPr id="17" name="TextBox 16">
+            <a:extLst>
+              <a:ext uri="{FF2B5EF4-FFF2-40B4-BE49-F238E27FC236}">
+                <a16:creationId xmlns:a16="http://schemas.microsoft.com/office/drawing/2014/main" id="{125E644A-7456-47E0-9464-829972F47F9B}"/>
               </a:ext>
             </a:extLst>
           </p:cNvPr>
@@ -4666,7 +4795,11 @@
           <a:lstStyle/>
           <a:p>
             <a:r>
-              <a:rPr lang="en-GB" sz="1200" dirty="0"/>
+              <a:rPr lang="en-GB" sz="1200" dirty="0">
+                <a:solidFill>
+                  <a:schemeClr val="bg1"/>
+                </a:solidFill>
+              </a:rPr>
               <a:t>Administrator sends a secure message to a customer</a:t>
             </a:r>
           </a:p>
@@ -4674,10 +4807,10 @@
       </p:sp>
       <p:sp>
         <p:nvSpPr>
-          <p:cNvPr id="32" name="TextBox 31">
-            <a:extLst>
-              <a:ext uri="{FF2B5EF4-FFF2-40B4-BE49-F238E27FC236}">
-                <a16:creationId xmlns:a16="http://schemas.microsoft.com/office/drawing/2014/main" id="{17D26B90-8ED9-4BE7-B641-60F2A92D3F28}"/>
+          <p:cNvPr id="18" name="TextBox 17">
+            <a:extLst>
+              <a:ext uri="{FF2B5EF4-FFF2-40B4-BE49-F238E27FC236}">
+                <a16:creationId xmlns:a16="http://schemas.microsoft.com/office/drawing/2014/main" id="{FC1A53E5-A29E-49BE-81C7-2397562AF4EE}"/>
               </a:ext>
             </a:extLst>
           </p:cNvPr>
@@ -4701,7 +4834,11 @@
           <a:lstStyle/>
           <a:p>
             <a:r>
-              <a:rPr lang="en-GB" sz="1200" dirty="0"/>
+              <a:rPr lang="en-GB" sz="1200" dirty="0">
+                <a:solidFill>
+                  <a:schemeClr val="bg1"/>
+                </a:solidFill>
+              </a:rPr>
               <a:t>Administrator looks at security logs</a:t>
             </a:r>
           </a:p>
@@ -4709,10 +4846,10 @@
       </p:sp>
       <p:sp>
         <p:nvSpPr>
-          <p:cNvPr id="34" name="TextBox 33">
-            <a:extLst>
-              <a:ext uri="{FF2B5EF4-FFF2-40B4-BE49-F238E27FC236}">
-                <a16:creationId xmlns:a16="http://schemas.microsoft.com/office/drawing/2014/main" id="{D9EB9AB5-B983-4D1C-88E2-380987EB779C}"/>
+          <p:cNvPr id="19" name="TextBox 18">
+            <a:extLst>
+              <a:ext uri="{FF2B5EF4-FFF2-40B4-BE49-F238E27FC236}">
+                <a16:creationId xmlns:a16="http://schemas.microsoft.com/office/drawing/2014/main" id="{0FDEF6CF-D8EB-4A86-A91D-45E883DCD6F9}"/>
               </a:ext>
             </a:extLst>
           </p:cNvPr>
@@ -4736,7 +4873,11 @@
           <a:lstStyle/>
           <a:p>
             <a:r>
-              <a:rPr lang="en-GB" sz="1200" dirty="0"/>
+              <a:rPr lang="en-GB" sz="1200" dirty="0">
+                <a:solidFill>
+                  <a:schemeClr val="bg1"/>
+                </a:solidFill>
+              </a:rPr>
               <a:t>Customer deletes account</a:t>
             </a:r>
           </a:p>
@@ -4744,10 +4885,10 @@
       </p:sp>
       <p:sp>
         <p:nvSpPr>
-          <p:cNvPr id="36" name="TextBox 35">
-            <a:extLst>
-              <a:ext uri="{FF2B5EF4-FFF2-40B4-BE49-F238E27FC236}">
-                <a16:creationId xmlns:a16="http://schemas.microsoft.com/office/drawing/2014/main" id="{23A0B306-AEFB-435D-A32C-15935D0001DB}"/>
+          <p:cNvPr id="20" name="TextBox 19">
+            <a:extLst>
+              <a:ext uri="{FF2B5EF4-FFF2-40B4-BE49-F238E27FC236}">
+                <a16:creationId xmlns:a16="http://schemas.microsoft.com/office/drawing/2014/main" id="{66E0164A-6D8E-4A81-8847-9B6F6B925DE6}"/>
               </a:ext>
             </a:extLst>
           </p:cNvPr>
@@ -4771,7 +4912,11 @@
           <a:lstStyle/>
           <a:p>
             <a:r>
-              <a:rPr lang="en-GB" sz="1200" dirty="0"/>
+              <a:rPr lang="en-GB" sz="1200" dirty="0">
+                <a:solidFill>
+                  <a:schemeClr val="bg1"/>
+                </a:solidFill>
+              </a:rPr>
               <a:t>Administrator looks at stats</a:t>
             </a:r>
           </a:p>
@@ -4779,10 +4924,10 @@
       </p:sp>
       <p:sp>
         <p:nvSpPr>
-          <p:cNvPr id="38" name="TextBox 37">
-            <a:extLst>
-              <a:ext uri="{FF2B5EF4-FFF2-40B4-BE49-F238E27FC236}">
-                <a16:creationId xmlns:a16="http://schemas.microsoft.com/office/drawing/2014/main" id="{E6E78BCA-E636-4378-83F4-FD5740D7B385}"/>
+          <p:cNvPr id="21" name="TextBox 20">
+            <a:extLst>
+              <a:ext uri="{FF2B5EF4-FFF2-40B4-BE49-F238E27FC236}">
+                <a16:creationId xmlns:a16="http://schemas.microsoft.com/office/drawing/2014/main" id="{FDBF4D74-B481-4183-8084-0F6557F5EAA5}"/>
               </a:ext>
             </a:extLst>
           </p:cNvPr>
@@ -4806,7 +4951,11 @@
           <a:lstStyle/>
           <a:p>
             <a:r>
-              <a:rPr lang="en-GB" dirty="0"/>
+              <a:rPr lang="en-GB" dirty="0">
+                <a:solidFill>
+                  <a:schemeClr val="bg1"/>
+                </a:solidFill>
+              </a:rPr>
               <a:t>Stage 1</a:t>
             </a:r>
           </a:p>
@@ -4814,10 +4963,10 @@
       </p:sp>
       <p:sp>
         <p:nvSpPr>
-          <p:cNvPr id="39" name="TextBox 38">
-            <a:extLst>
-              <a:ext uri="{FF2B5EF4-FFF2-40B4-BE49-F238E27FC236}">
-                <a16:creationId xmlns:a16="http://schemas.microsoft.com/office/drawing/2014/main" id="{955BB698-9879-46E0-A6F5-222A3C869863}"/>
+          <p:cNvPr id="22" name="TextBox 21">
+            <a:extLst>
+              <a:ext uri="{FF2B5EF4-FFF2-40B4-BE49-F238E27FC236}">
+                <a16:creationId xmlns:a16="http://schemas.microsoft.com/office/drawing/2014/main" id="{942FFCE0-02FB-4F64-B78F-34CD4F8CDAC1}"/>
               </a:ext>
             </a:extLst>
           </p:cNvPr>
@@ -4841,7 +4990,11 @@
           <a:lstStyle/>
           <a:p>
             <a:r>
-              <a:rPr lang="en-GB" dirty="0"/>
+              <a:rPr lang="en-GB" dirty="0">
+                <a:solidFill>
+                  <a:schemeClr val="bg1"/>
+                </a:solidFill>
+              </a:rPr>
               <a:t>Stage 2</a:t>
             </a:r>
           </a:p>
@@ -4849,10 +5002,10 @@
       </p:sp>
       <p:sp>
         <p:nvSpPr>
-          <p:cNvPr id="40" name="TextBox 39">
-            <a:extLst>
-              <a:ext uri="{FF2B5EF4-FFF2-40B4-BE49-F238E27FC236}">
-                <a16:creationId xmlns:a16="http://schemas.microsoft.com/office/drawing/2014/main" id="{A84A907D-7913-44F0-8532-687AF19EB69C}"/>
+          <p:cNvPr id="23" name="TextBox 22">
+            <a:extLst>
+              <a:ext uri="{FF2B5EF4-FFF2-40B4-BE49-F238E27FC236}">
+                <a16:creationId xmlns:a16="http://schemas.microsoft.com/office/drawing/2014/main" id="{E738C715-7B4B-411B-8F75-E2EB17DE4074}"/>
               </a:ext>
             </a:extLst>
           </p:cNvPr>
@@ -4876,7 +5029,11 @@
           <a:lstStyle/>
           <a:p>
             <a:r>
-              <a:rPr lang="en-GB" dirty="0"/>
+              <a:rPr lang="en-GB" dirty="0">
+                <a:solidFill>
+                  <a:schemeClr val="bg1"/>
+                </a:solidFill>
+              </a:rPr>
               <a:t>Stage 3</a:t>
             </a:r>
           </a:p>
@@ -4884,10 +5041,10 @@
       </p:sp>
       <p:sp>
         <p:nvSpPr>
-          <p:cNvPr id="42" name="TextBox 41">
-            <a:extLst>
-              <a:ext uri="{FF2B5EF4-FFF2-40B4-BE49-F238E27FC236}">
-                <a16:creationId xmlns:a16="http://schemas.microsoft.com/office/drawing/2014/main" id="{15B9EBD7-76AC-4542-91D8-1E5A1B269FF2}"/>
+          <p:cNvPr id="24" name="TextBox 23">
+            <a:extLst>
+              <a:ext uri="{FF2B5EF4-FFF2-40B4-BE49-F238E27FC236}">
+                <a16:creationId xmlns:a16="http://schemas.microsoft.com/office/drawing/2014/main" id="{5B276DD6-6306-480C-928E-BB445C59C8F5}"/>
               </a:ext>
             </a:extLst>
           </p:cNvPr>
@@ -4911,16 +5068,1142 @@
           <a:lstStyle/>
           <a:p>
             <a:r>
-              <a:rPr lang="en-GB" dirty="0"/>
+              <a:rPr lang="en-GB" dirty="0">
+                <a:solidFill>
+                  <a:schemeClr val="bg1"/>
+                </a:solidFill>
+              </a:rPr>
               <a:t>Stage 4</a:t>
             </a:r>
           </a:p>
         </p:txBody>
       </p:sp>
+      <p:graphicFrame>
+        <p:nvGraphicFramePr>
+          <p:cNvPr id="25" name="Table 24">
+            <a:extLst>
+              <a:ext uri="{FF2B5EF4-FFF2-40B4-BE49-F238E27FC236}">
+                <a16:creationId xmlns:a16="http://schemas.microsoft.com/office/drawing/2014/main" id="{27194723-880C-4381-9F61-9978B945905E}"/>
+              </a:ext>
+            </a:extLst>
+          </p:cNvPr>
+          <p:cNvGraphicFramePr>
+            <a:graphicFrameLocks noGrp="1"/>
+          </p:cNvGraphicFramePr>
+          <p:nvPr>
+            <p:extLst>
+              <p:ext uri="{D42A27DB-BD31-4B8C-83A1-F6EECF244321}">
+                <p14:modId xmlns:p14="http://schemas.microsoft.com/office/powerpoint/2010/main" val="1057114476"/>
+              </p:ext>
+            </p:extLst>
+          </p:nvPr>
+        </p:nvGraphicFramePr>
+        <p:xfrm>
+          <a:off x="370979" y="1316600"/>
+          <a:ext cx="11282960" cy="5348168"/>
+        </p:xfrm>
+        <a:graphic>
+          <a:graphicData uri="http://schemas.openxmlformats.org/drawingml/2006/table">
+            <a:tbl>
+              <a:tblPr firstRow="1" bandRow="1">
+                <a:tableStyleId>{5C22544A-7EE6-4342-B048-85BDC9FD1C3A}</a:tableStyleId>
+              </a:tblPr>
+              <a:tblGrid>
+                <a:gridCol w="1410370">
+                  <a:extLst>
+                    <a:ext uri="{9D8B030D-6E8A-4147-A177-3AD203B41FA5}">
+                      <a16:colId xmlns:a16="http://schemas.microsoft.com/office/drawing/2014/main" val="3522361726"/>
+                    </a:ext>
+                  </a:extLst>
+                </a:gridCol>
+                <a:gridCol w="1410370">
+                  <a:extLst>
+                    <a:ext uri="{9D8B030D-6E8A-4147-A177-3AD203B41FA5}">
+                      <a16:colId xmlns:a16="http://schemas.microsoft.com/office/drawing/2014/main" val="2649101685"/>
+                    </a:ext>
+                  </a:extLst>
+                </a:gridCol>
+                <a:gridCol w="1410370">
+                  <a:extLst>
+                    <a:ext uri="{9D8B030D-6E8A-4147-A177-3AD203B41FA5}">
+                      <a16:colId xmlns:a16="http://schemas.microsoft.com/office/drawing/2014/main" val="4010539922"/>
+                    </a:ext>
+                  </a:extLst>
+                </a:gridCol>
+                <a:gridCol w="1410370">
+                  <a:extLst>
+                    <a:ext uri="{9D8B030D-6E8A-4147-A177-3AD203B41FA5}">
+                      <a16:colId xmlns:a16="http://schemas.microsoft.com/office/drawing/2014/main" val="3026048281"/>
+                    </a:ext>
+                  </a:extLst>
+                </a:gridCol>
+                <a:gridCol w="1410370">
+                  <a:extLst>
+                    <a:ext uri="{9D8B030D-6E8A-4147-A177-3AD203B41FA5}">
+                      <a16:colId xmlns:a16="http://schemas.microsoft.com/office/drawing/2014/main" val="542624690"/>
+                    </a:ext>
+                  </a:extLst>
+                </a:gridCol>
+                <a:gridCol w="1410370">
+                  <a:extLst>
+                    <a:ext uri="{9D8B030D-6E8A-4147-A177-3AD203B41FA5}">
+                      <a16:colId xmlns:a16="http://schemas.microsoft.com/office/drawing/2014/main" val="953653494"/>
+                    </a:ext>
+                  </a:extLst>
+                </a:gridCol>
+                <a:gridCol w="1410370">
+                  <a:extLst>
+                    <a:ext uri="{9D8B030D-6E8A-4147-A177-3AD203B41FA5}">
+                      <a16:colId xmlns:a16="http://schemas.microsoft.com/office/drawing/2014/main" val="2101812557"/>
+                    </a:ext>
+                  </a:extLst>
+                </a:gridCol>
+                <a:gridCol w="1410370">
+                  <a:extLst>
+                    <a:ext uri="{9D8B030D-6E8A-4147-A177-3AD203B41FA5}">
+                      <a16:colId xmlns:a16="http://schemas.microsoft.com/office/drawing/2014/main" val="3297678315"/>
+                    </a:ext>
+                  </a:extLst>
+                </a:gridCol>
+              </a:tblGrid>
+              <a:tr h="787230">
+                <a:tc gridSpan="2">
+                  <a:txBody>
+                    <a:bodyPr/>
+                    <a:lstStyle/>
+                    <a:p>
+                      <a:r>
+                        <a:rPr lang="en-GB" sz="1400" dirty="0"/>
+                        <a:t>User Activities</a:t>
+                      </a:r>
+                    </a:p>
+                  </a:txBody>
+                  <a:tcPr>
+                    <a:solidFill>
+                      <a:schemeClr val="accent1">
+                        <a:lumMod val="75000"/>
+                      </a:schemeClr>
+                    </a:solidFill>
+                  </a:tcPr>
+                </a:tc>
+                <a:tc hMerge="1">
+                  <a:txBody>
+                    <a:bodyPr/>
+                    <a:lstStyle/>
+                    <a:p>
+                      <a:endParaRPr lang="en-GB" dirty="0"/>
+                    </a:p>
+                  </a:txBody>
+                  <a:tcPr/>
+                </a:tc>
+                <a:tc gridSpan="2">
+                  <a:txBody>
+                    <a:bodyPr/>
+                    <a:lstStyle/>
+                    <a:p>
+                      <a:r>
+                        <a:rPr lang="en-GB" dirty="0">
+                          <a:solidFill>
+                            <a:schemeClr val="bg1"/>
+                          </a:solidFill>
+                        </a:rPr>
+                        <a:t>Flight Management</a:t>
+                      </a:r>
+                    </a:p>
+                  </a:txBody>
+                  <a:tcPr>
+                    <a:solidFill>
+                      <a:schemeClr val="accent1">
+                        <a:lumMod val="75000"/>
+                      </a:schemeClr>
+                    </a:solidFill>
+                  </a:tcPr>
+                </a:tc>
+                <a:tc hMerge="1">
+                  <a:txBody>
+                    <a:bodyPr/>
+                    <a:lstStyle/>
+                    <a:p>
+                      <a:endParaRPr lang="en-GB" dirty="0"/>
+                    </a:p>
+                  </a:txBody>
+                  <a:tcPr/>
+                </a:tc>
+                <a:tc gridSpan="2">
+                  <a:txBody>
+                    <a:bodyPr/>
+                    <a:lstStyle/>
+                    <a:p>
+                      <a:r>
+                        <a:rPr lang="en-GB" dirty="0"/>
+                        <a:t>Account Management</a:t>
+                      </a:r>
+                    </a:p>
+                  </a:txBody>
+                  <a:tcPr>
+                    <a:solidFill>
+                      <a:schemeClr val="accent1">
+                        <a:lumMod val="75000"/>
+                      </a:schemeClr>
+                    </a:solidFill>
+                  </a:tcPr>
+                </a:tc>
+                <a:tc hMerge="1">
+                  <a:txBody>
+                    <a:bodyPr/>
+                    <a:lstStyle/>
+                    <a:p>
+                      <a:endParaRPr lang="en-GB" dirty="0"/>
+                    </a:p>
+                  </a:txBody>
+                  <a:tcPr/>
+                </a:tc>
+                <a:tc gridSpan="2">
+                  <a:txBody>
+                    <a:bodyPr/>
+                    <a:lstStyle/>
+                    <a:p>
+                      <a:r>
+                        <a:rPr lang="en-GB" dirty="0"/>
+                        <a:t>Admin</a:t>
+                      </a:r>
+                    </a:p>
+                  </a:txBody>
+                  <a:tcPr>
+                    <a:solidFill>
+                      <a:schemeClr val="accent1">
+                        <a:lumMod val="75000"/>
+                      </a:schemeClr>
+                    </a:solidFill>
+                  </a:tcPr>
+                </a:tc>
+                <a:tc hMerge="1">
+                  <a:txBody>
+                    <a:bodyPr/>
+                    <a:lstStyle/>
+                    <a:p>
+                      <a:endParaRPr lang="en-GB" dirty="0"/>
+                    </a:p>
+                  </a:txBody>
+                  <a:tcPr/>
+                </a:tc>
+                <a:extLst>
+                  <a:ext uri="{0D108BD9-81ED-4DB2-BD59-A6C34878D82A}">
+                    <a16:rowId xmlns:a16="http://schemas.microsoft.com/office/drawing/2014/main" val="1471754712"/>
+                  </a:ext>
+                </a:extLst>
+              </a:tr>
+              <a:tr h="899692">
+                <a:tc>
+                  <a:txBody>
+                    <a:bodyPr/>
+                    <a:lstStyle/>
+                    <a:p>
+                      <a:r>
+                        <a:rPr lang="en-GB" sz="1400" dirty="0"/>
+                        <a:t>User Tasks</a:t>
+                      </a:r>
+                    </a:p>
+                  </a:txBody>
+                  <a:tcPr>
+                    <a:solidFill>
+                      <a:schemeClr val="accent1">
+                        <a:lumMod val="60000"/>
+                        <a:lumOff val="40000"/>
+                      </a:schemeClr>
+                    </a:solidFill>
+                  </a:tcPr>
+                </a:tc>
+                <a:tc>
+                  <a:txBody>
+                    <a:bodyPr/>
+                    <a:lstStyle/>
+                    <a:p>
+                      <a:endParaRPr lang="en-GB" dirty="0"/>
+                    </a:p>
+                  </a:txBody>
+                  <a:tcPr>
+                    <a:solidFill>
+                      <a:schemeClr val="accent1">
+                        <a:lumMod val="60000"/>
+                        <a:lumOff val="40000"/>
+                      </a:schemeClr>
+                    </a:solidFill>
+                  </a:tcPr>
+                </a:tc>
+                <a:tc gridSpan="2">
+                  <a:txBody>
+                    <a:bodyPr/>
+                    <a:lstStyle/>
+                    <a:p>
+                      <a:r>
+                        <a:rPr lang="en-GB" sz="1050" dirty="0">
+                          <a:solidFill>
+                            <a:schemeClr val="tx1"/>
+                          </a:solidFill>
+                        </a:rPr>
+                        <a:t>Search/Book/Cancel/Pay for a flight</a:t>
+                      </a:r>
+                    </a:p>
+                  </a:txBody>
+                  <a:tcPr>
+                    <a:solidFill>
+                      <a:schemeClr val="accent5">
+                        <a:lumMod val="60000"/>
+                        <a:lumOff val="40000"/>
+                      </a:schemeClr>
+                    </a:solidFill>
+                  </a:tcPr>
+                </a:tc>
+                <a:tc hMerge="1">
+                  <a:txBody>
+                    <a:bodyPr/>
+                    <a:lstStyle/>
+                    <a:p>
+                      <a:endParaRPr lang="en-GB" sz="1050" dirty="0"/>
+                    </a:p>
+                  </a:txBody>
+                  <a:tcPr/>
+                </a:tc>
+                <a:tc gridSpan="2">
+                  <a:txBody>
+                    <a:bodyPr/>
+                    <a:lstStyle/>
+                    <a:p>
+                      <a:r>
+                        <a:rPr lang="en-GB" sz="1050" dirty="0"/>
+                        <a:t>Create/Delete Account</a:t>
+                      </a:r>
+                    </a:p>
+                  </a:txBody>
+                  <a:tcPr>
+                    <a:solidFill>
+                      <a:schemeClr val="accent5">
+                        <a:lumMod val="60000"/>
+                        <a:lumOff val="40000"/>
+                      </a:schemeClr>
+                    </a:solidFill>
+                  </a:tcPr>
+                </a:tc>
+                <a:tc hMerge="1">
+                  <a:txBody>
+                    <a:bodyPr/>
+                    <a:lstStyle/>
+                    <a:p>
+                      <a:endParaRPr lang="en-GB" sz="1050" dirty="0"/>
+                    </a:p>
+                  </a:txBody>
+                  <a:tcPr/>
+                </a:tc>
+                <a:tc>
+                  <a:txBody>
+                    <a:bodyPr/>
+                    <a:lstStyle/>
+                    <a:p>
+                      <a:r>
+                        <a:rPr lang="en-GB" sz="1050" dirty="0"/>
+                        <a:t>Add/Remove/Check Flight</a:t>
+                      </a:r>
+                    </a:p>
+                  </a:txBody>
+                  <a:tcPr>
+                    <a:solidFill>
+                      <a:schemeClr val="accent5">
+                        <a:lumMod val="60000"/>
+                        <a:lumOff val="40000"/>
+                      </a:schemeClr>
+                    </a:solidFill>
+                  </a:tcPr>
+                </a:tc>
+                <a:tc>
+                  <a:txBody>
+                    <a:bodyPr/>
+                    <a:lstStyle/>
+                    <a:p>
+                      <a:r>
+                        <a:rPr lang="en-GB" sz="1050" dirty="0"/>
+                        <a:t>View audit logs/send a secure message</a:t>
+                      </a:r>
+                    </a:p>
+                  </a:txBody>
+                  <a:tcPr>
+                    <a:solidFill>
+                      <a:schemeClr val="accent5">
+                        <a:lumMod val="60000"/>
+                        <a:lumOff val="40000"/>
+                      </a:schemeClr>
+                    </a:solidFill>
+                  </a:tcPr>
+                </a:tc>
+                <a:extLst>
+                  <a:ext uri="{0D108BD9-81ED-4DB2-BD59-A6C34878D82A}">
+                    <a16:rowId xmlns:a16="http://schemas.microsoft.com/office/drawing/2014/main" val="4224929834"/>
+                  </a:ext>
+                </a:extLst>
+              </a:tr>
+              <a:tr h="899692">
+                <a:tc>
+                  <a:txBody>
+                    <a:bodyPr/>
+                    <a:lstStyle/>
+                    <a:p>
+                      <a:r>
+                        <a:rPr lang="en-GB" sz="1400" dirty="0"/>
+                        <a:t>User Stories</a:t>
+                      </a:r>
+                    </a:p>
+                  </a:txBody>
+                  <a:tcPr>
+                    <a:solidFill>
+                      <a:schemeClr val="accent1">
+                        <a:lumMod val="40000"/>
+                        <a:lumOff val="60000"/>
+                      </a:schemeClr>
+                    </a:solidFill>
+                  </a:tcPr>
+                </a:tc>
+                <a:tc>
+                  <a:txBody>
+                    <a:bodyPr/>
+                    <a:lstStyle/>
+                    <a:p>
+                      <a:r>
+                        <a:rPr lang="en-GB" sz="1200" dirty="0"/>
+                        <a:t>Stage 1</a:t>
+                      </a:r>
+                    </a:p>
+                  </a:txBody>
+                  <a:tcPr/>
+                </a:tc>
+                <a:tc>
+                  <a:txBody>
+                    <a:bodyPr/>
+                    <a:lstStyle/>
+                    <a:p>
+                      <a:r>
+                        <a:rPr lang="en-GB" sz="1050" dirty="0">
+                          <a:solidFill>
+                            <a:schemeClr val="tx1"/>
+                          </a:solidFill>
+                        </a:rPr>
+                        <a:t>Customer logs in, searches for an then books a flight</a:t>
+                      </a:r>
+                    </a:p>
+                  </a:txBody>
+                  <a:tcPr>
+                    <a:solidFill>
+                      <a:schemeClr val="bg1">
+                        <a:lumMod val="85000"/>
+                      </a:schemeClr>
+                    </a:solidFill>
+                  </a:tcPr>
+                </a:tc>
+                <a:tc>
+                  <a:txBody>
+                    <a:bodyPr/>
+                    <a:lstStyle/>
+                    <a:p>
+                      <a:endParaRPr lang="en-GB" sz="1050" dirty="0"/>
+                    </a:p>
+                  </a:txBody>
+                  <a:tcPr>
+                    <a:solidFill>
+                      <a:schemeClr val="bg1">
+                        <a:lumMod val="85000"/>
+                      </a:schemeClr>
+                    </a:solidFill>
+                  </a:tcPr>
+                </a:tc>
+                <a:tc>
+                  <a:txBody>
+                    <a:bodyPr/>
+                    <a:lstStyle/>
+                    <a:p>
+                      <a:r>
+                        <a:rPr lang="en-GB" sz="1050" dirty="0"/>
+                        <a:t>Customer Creates an Account</a:t>
+                      </a:r>
+                    </a:p>
+                  </a:txBody>
+                  <a:tcPr>
+                    <a:solidFill>
+                      <a:schemeClr val="bg1">
+                        <a:lumMod val="95000"/>
+                      </a:schemeClr>
+                    </a:solidFill>
+                  </a:tcPr>
+                </a:tc>
+                <a:tc>
+                  <a:txBody>
+                    <a:bodyPr/>
+                    <a:lstStyle/>
+                    <a:p>
+                      <a:endParaRPr lang="en-GB" sz="1050" dirty="0"/>
+                    </a:p>
+                  </a:txBody>
+                  <a:tcPr>
+                    <a:solidFill>
+                      <a:schemeClr val="bg1">
+                        <a:lumMod val="95000"/>
+                      </a:schemeClr>
+                    </a:solidFill>
+                  </a:tcPr>
+                </a:tc>
+                <a:tc>
+                  <a:txBody>
+                    <a:bodyPr/>
+                    <a:lstStyle/>
+                    <a:p>
+                      <a:endParaRPr lang="en-GB" sz="1050" dirty="0"/>
+                    </a:p>
+                  </a:txBody>
+                  <a:tcPr>
+                    <a:solidFill>
+                      <a:schemeClr val="bg1">
+                        <a:lumMod val="85000"/>
+                      </a:schemeClr>
+                    </a:solidFill>
+                  </a:tcPr>
+                </a:tc>
+                <a:tc>
+                  <a:txBody>
+                    <a:bodyPr/>
+                    <a:lstStyle/>
+                    <a:p>
+                      <a:endParaRPr lang="en-GB" sz="1050" dirty="0"/>
+                    </a:p>
+                  </a:txBody>
+                  <a:tcPr>
+                    <a:solidFill>
+                      <a:schemeClr val="bg1">
+                        <a:lumMod val="85000"/>
+                      </a:schemeClr>
+                    </a:solidFill>
+                  </a:tcPr>
+                </a:tc>
+                <a:extLst>
+                  <a:ext uri="{0D108BD9-81ED-4DB2-BD59-A6C34878D82A}">
+                    <a16:rowId xmlns:a16="http://schemas.microsoft.com/office/drawing/2014/main" val="1834526525"/>
+                  </a:ext>
+                </a:extLst>
+              </a:tr>
+              <a:tr h="899692">
+                <a:tc>
+                  <a:txBody>
+                    <a:bodyPr/>
+                    <a:lstStyle/>
+                    <a:p>
+                      <a:endParaRPr lang="en-GB" dirty="0"/>
+                    </a:p>
+                  </a:txBody>
+                  <a:tcPr>
+                    <a:solidFill>
+                      <a:schemeClr val="accent1">
+                        <a:lumMod val="40000"/>
+                        <a:lumOff val="60000"/>
+                      </a:schemeClr>
+                    </a:solidFill>
+                  </a:tcPr>
+                </a:tc>
+                <a:tc>
+                  <a:txBody>
+                    <a:bodyPr/>
+                    <a:lstStyle/>
+                    <a:p>
+                      <a:r>
+                        <a:rPr lang="en-GB" sz="1200" dirty="0"/>
+                        <a:t>Stage 2</a:t>
+                      </a:r>
+                    </a:p>
+                  </a:txBody>
+                  <a:tcPr/>
+                </a:tc>
+                <a:tc>
+                  <a:txBody>
+                    <a:bodyPr/>
+                    <a:lstStyle/>
+                    <a:p>
+                      <a:pPr marL="0" marR="0" lvl="0" indent="0" algn="l" defTabSz="914400" rtl="0" eaLnBrk="1" fontAlgn="auto" latinLnBrk="0" hangingPunct="1">
+                        <a:lnSpc>
+                          <a:spcPct val="100000"/>
+                        </a:lnSpc>
+                        <a:spcBef>
+                          <a:spcPts val="0"/>
+                        </a:spcBef>
+                        <a:spcAft>
+                          <a:spcPts val="0"/>
+                        </a:spcAft>
+                        <a:buClrTx/>
+                        <a:buSzTx/>
+                        <a:buFontTx/>
+                        <a:buNone/>
+                        <a:tabLst/>
+                        <a:defRPr/>
+                      </a:pPr>
+                      <a:r>
+                        <a:rPr lang="en-GB" sz="1050" dirty="0">
+                          <a:solidFill>
+                            <a:schemeClr val="tx1"/>
+                          </a:solidFill>
+                        </a:rPr>
+                        <a:t>Customer pays for a flight</a:t>
+                      </a:r>
+                    </a:p>
+                    <a:p>
+                      <a:endParaRPr lang="en-GB" sz="1050" dirty="0">
+                        <a:solidFill>
+                          <a:schemeClr val="tx1"/>
+                        </a:solidFill>
+                      </a:endParaRPr>
+                    </a:p>
+                  </a:txBody>
+                  <a:tcPr>
+                    <a:solidFill>
+                      <a:schemeClr val="bg1">
+                        <a:lumMod val="75000"/>
+                      </a:schemeClr>
+                    </a:solidFill>
+                  </a:tcPr>
+                </a:tc>
+                <a:tc>
+                  <a:txBody>
+                    <a:bodyPr/>
+                    <a:lstStyle/>
+                    <a:p>
+                      <a:pPr marL="0" marR="0" lvl="0" indent="0" algn="l" defTabSz="914400" rtl="0" eaLnBrk="1" fontAlgn="auto" latinLnBrk="0" hangingPunct="1">
+                        <a:lnSpc>
+                          <a:spcPct val="100000"/>
+                        </a:lnSpc>
+                        <a:spcBef>
+                          <a:spcPts val="0"/>
+                        </a:spcBef>
+                        <a:spcAft>
+                          <a:spcPts val="0"/>
+                        </a:spcAft>
+                        <a:buClrTx/>
+                        <a:buSzTx/>
+                        <a:buFontTx/>
+                        <a:buNone/>
+                        <a:tabLst/>
+                        <a:defRPr/>
+                      </a:pPr>
+                      <a:r>
+                        <a:rPr lang="en-GB" sz="1050" dirty="0">
+                          <a:solidFill>
+                            <a:schemeClr val="tx1"/>
+                          </a:solidFill>
+                        </a:rPr>
+                        <a:t>Customer cancels a flight</a:t>
+                      </a:r>
+                    </a:p>
+                    <a:p>
+                      <a:endParaRPr lang="en-GB" sz="1050" dirty="0">
+                        <a:solidFill>
+                          <a:schemeClr val="tx1"/>
+                        </a:solidFill>
+                      </a:endParaRPr>
+                    </a:p>
+                  </a:txBody>
+                  <a:tcPr>
+                    <a:solidFill>
+                      <a:schemeClr val="bg1">
+                        <a:lumMod val="75000"/>
+                      </a:schemeClr>
+                    </a:solidFill>
+                  </a:tcPr>
+                </a:tc>
+                <a:tc>
+                  <a:txBody>
+                    <a:bodyPr/>
+                    <a:lstStyle/>
+                    <a:p>
+                      <a:endParaRPr lang="en-GB" sz="1050"/>
+                    </a:p>
+                  </a:txBody>
+                  <a:tcPr>
+                    <a:solidFill>
+                      <a:schemeClr val="bg1">
+                        <a:lumMod val="85000"/>
+                      </a:schemeClr>
+                    </a:solidFill>
+                  </a:tcPr>
+                </a:tc>
+                <a:tc>
+                  <a:txBody>
+                    <a:bodyPr/>
+                    <a:lstStyle/>
+                    <a:p>
+                      <a:endParaRPr lang="en-GB" sz="1050" dirty="0"/>
+                    </a:p>
+                  </a:txBody>
+                  <a:tcPr>
+                    <a:solidFill>
+                      <a:schemeClr val="bg1">
+                        <a:lumMod val="85000"/>
+                      </a:schemeClr>
+                    </a:solidFill>
+                  </a:tcPr>
+                </a:tc>
+                <a:tc>
+                  <a:txBody>
+                    <a:bodyPr/>
+                    <a:lstStyle/>
+                    <a:p>
+                      <a:r>
+                        <a:rPr lang="en-GB" sz="1050" dirty="0"/>
+                        <a:t>Administrator add/removes a flight</a:t>
+                      </a:r>
+                    </a:p>
+                  </a:txBody>
+                  <a:tcPr>
+                    <a:solidFill>
+                      <a:schemeClr val="bg1">
+                        <a:lumMod val="75000"/>
+                      </a:schemeClr>
+                    </a:solidFill>
+                  </a:tcPr>
+                </a:tc>
+                <a:tc>
+                  <a:txBody>
+                    <a:bodyPr/>
+                    <a:lstStyle/>
+                    <a:p>
+                      <a:r>
+                        <a:rPr lang="en-GB" sz="1050" dirty="0"/>
+                        <a:t>Administrator sends a secure message to a customer</a:t>
+                      </a:r>
+                    </a:p>
+                  </a:txBody>
+                  <a:tcPr>
+                    <a:solidFill>
+                      <a:schemeClr val="bg1">
+                        <a:lumMod val="75000"/>
+                      </a:schemeClr>
+                    </a:solidFill>
+                  </a:tcPr>
+                </a:tc>
+                <a:extLst>
+                  <a:ext uri="{0D108BD9-81ED-4DB2-BD59-A6C34878D82A}">
+                    <a16:rowId xmlns:a16="http://schemas.microsoft.com/office/drawing/2014/main" val="4095816685"/>
+                  </a:ext>
+                </a:extLst>
+              </a:tr>
+              <a:tr h="702884">
+                <a:tc>
+                  <a:txBody>
+                    <a:bodyPr/>
+                    <a:lstStyle/>
+                    <a:p>
+                      <a:endParaRPr lang="en-GB" dirty="0"/>
+                    </a:p>
+                  </a:txBody>
+                  <a:tcPr>
+                    <a:solidFill>
+                      <a:schemeClr val="accent1">
+                        <a:lumMod val="40000"/>
+                        <a:lumOff val="60000"/>
+                      </a:schemeClr>
+                    </a:solidFill>
+                  </a:tcPr>
+                </a:tc>
+                <a:tc>
+                  <a:txBody>
+                    <a:bodyPr/>
+                    <a:lstStyle/>
+                    <a:p>
+                      <a:r>
+                        <a:rPr lang="en-GB" sz="1200" dirty="0"/>
+                        <a:t>Stage 3</a:t>
+                      </a:r>
+                    </a:p>
+                  </a:txBody>
+                  <a:tcPr/>
+                </a:tc>
+                <a:tc>
+                  <a:txBody>
+                    <a:bodyPr/>
+                    <a:lstStyle/>
+                    <a:p>
+                      <a:endParaRPr lang="en-GB" sz="1050"/>
+                    </a:p>
+                  </a:txBody>
+                  <a:tcPr>
+                    <a:solidFill>
+                      <a:schemeClr val="bg1">
+                        <a:lumMod val="85000"/>
+                      </a:schemeClr>
+                    </a:solidFill>
+                  </a:tcPr>
+                </a:tc>
+                <a:tc>
+                  <a:txBody>
+                    <a:bodyPr/>
+                    <a:lstStyle/>
+                    <a:p>
+                      <a:endParaRPr lang="en-GB" sz="1050" dirty="0"/>
+                    </a:p>
+                  </a:txBody>
+                  <a:tcPr>
+                    <a:solidFill>
+                      <a:schemeClr val="bg1">
+                        <a:lumMod val="85000"/>
+                      </a:schemeClr>
+                    </a:solidFill>
+                  </a:tcPr>
+                </a:tc>
+                <a:tc>
+                  <a:txBody>
+                    <a:bodyPr/>
+                    <a:lstStyle/>
+                    <a:p>
+                      <a:endParaRPr lang="en-GB" sz="1050" dirty="0"/>
+                    </a:p>
+                  </a:txBody>
+                  <a:tcPr>
+                    <a:solidFill>
+                      <a:schemeClr val="bg1">
+                        <a:lumMod val="95000"/>
+                      </a:schemeClr>
+                    </a:solidFill>
+                  </a:tcPr>
+                </a:tc>
+                <a:tc>
+                  <a:txBody>
+                    <a:bodyPr/>
+                    <a:lstStyle/>
+                    <a:p>
+                      <a:r>
+                        <a:rPr lang="en-GB" sz="1050" dirty="0"/>
+                        <a:t>Customer deletes account</a:t>
+                      </a:r>
+                    </a:p>
+                  </a:txBody>
+                  <a:tcPr>
+                    <a:solidFill>
+                      <a:schemeClr val="bg1">
+                        <a:lumMod val="95000"/>
+                      </a:schemeClr>
+                    </a:solidFill>
+                  </a:tcPr>
+                </a:tc>
+                <a:tc>
+                  <a:txBody>
+                    <a:bodyPr/>
+                    <a:lstStyle/>
+                    <a:p>
+                      <a:endParaRPr lang="en-GB" sz="1050"/>
+                    </a:p>
+                  </a:txBody>
+                  <a:tcPr>
+                    <a:solidFill>
+                      <a:schemeClr val="bg1">
+                        <a:lumMod val="85000"/>
+                      </a:schemeClr>
+                    </a:solidFill>
+                  </a:tcPr>
+                </a:tc>
+                <a:tc>
+                  <a:txBody>
+                    <a:bodyPr/>
+                    <a:lstStyle/>
+                    <a:p>
+                      <a:r>
+                        <a:rPr lang="en-GB" sz="1050" dirty="0"/>
+                        <a:t>Administrator looks at stats</a:t>
+                      </a:r>
+                    </a:p>
+                  </a:txBody>
+                  <a:tcPr>
+                    <a:solidFill>
+                      <a:schemeClr val="bg1">
+                        <a:lumMod val="85000"/>
+                      </a:schemeClr>
+                    </a:solidFill>
+                  </a:tcPr>
+                </a:tc>
+                <a:extLst>
+                  <a:ext uri="{0D108BD9-81ED-4DB2-BD59-A6C34878D82A}">
+                    <a16:rowId xmlns:a16="http://schemas.microsoft.com/office/drawing/2014/main" val="2903656229"/>
+                  </a:ext>
+                </a:extLst>
+              </a:tr>
+              <a:tr h="702884">
+                <a:tc>
+                  <a:txBody>
+                    <a:bodyPr/>
+                    <a:lstStyle/>
+                    <a:p>
+                      <a:endParaRPr lang="en-GB"/>
+                    </a:p>
+                  </a:txBody>
+                  <a:tcPr>
+                    <a:solidFill>
+                      <a:schemeClr val="accent1">
+                        <a:lumMod val="40000"/>
+                        <a:lumOff val="60000"/>
+                      </a:schemeClr>
+                    </a:solidFill>
+                  </a:tcPr>
+                </a:tc>
+                <a:tc>
+                  <a:txBody>
+                    <a:bodyPr/>
+                    <a:lstStyle/>
+                    <a:p>
+                      <a:r>
+                        <a:rPr lang="en-GB" sz="1200" dirty="0"/>
+                        <a:t>Stage 4</a:t>
+                      </a:r>
+                    </a:p>
+                  </a:txBody>
+                  <a:tcPr/>
+                </a:tc>
+                <a:tc>
+                  <a:txBody>
+                    <a:bodyPr/>
+                    <a:lstStyle/>
+                    <a:p>
+                      <a:endParaRPr lang="en-GB" sz="1050"/>
+                    </a:p>
+                  </a:txBody>
+                  <a:tcPr>
+                    <a:solidFill>
+                      <a:schemeClr val="bg1">
+                        <a:lumMod val="75000"/>
+                      </a:schemeClr>
+                    </a:solidFill>
+                  </a:tcPr>
+                </a:tc>
+                <a:tc>
+                  <a:txBody>
+                    <a:bodyPr/>
+                    <a:lstStyle/>
+                    <a:p>
+                      <a:endParaRPr lang="en-GB" sz="1050" dirty="0"/>
+                    </a:p>
+                  </a:txBody>
+                  <a:tcPr>
+                    <a:solidFill>
+                      <a:schemeClr val="bg1">
+                        <a:lumMod val="75000"/>
+                      </a:schemeClr>
+                    </a:solidFill>
+                  </a:tcPr>
+                </a:tc>
+                <a:tc>
+                  <a:txBody>
+                    <a:bodyPr/>
+                    <a:lstStyle/>
+                    <a:p>
+                      <a:endParaRPr lang="en-GB" sz="1050" dirty="0"/>
+                    </a:p>
+                  </a:txBody>
+                  <a:tcPr>
+                    <a:solidFill>
+                      <a:schemeClr val="bg1">
+                        <a:lumMod val="85000"/>
+                      </a:schemeClr>
+                    </a:solidFill>
+                  </a:tcPr>
+                </a:tc>
+                <a:tc>
+                  <a:txBody>
+                    <a:bodyPr/>
+                    <a:lstStyle/>
+                    <a:p>
+                      <a:endParaRPr lang="en-GB" sz="1050" dirty="0"/>
+                    </a:p>
+                  </a:txBody>
+                  <a:tcPr>
+                    <a:solidFill>
+                      <a:schemeClr val="bg1">
+                        <a:lumMod val="85000"/>
+                      </a:schemeClr>
+                    </a:solidFill>
+                  </a:tcPr>
+                </a:tc>
+                <a:tc>
+                  <a:txBody>
+                    <a:bodyPr/>
+                    <a:lstStyle/>
+                    <a:p>
+                      <a:endParaRPr lang="en-GB" sz="1050" dirty="0"/>
+                    </a:p>
+                  </a:txBody>
+                  <a:tcPr>
+                    <a:solidFill>
+                      <a:schemeClr val="bg1">
+                        <a:lumMod val="75000"/>
+                      </a:schemeClr>
+                    </a:solidFill>
+                  </a:tcPr>
+                </a:tc>
+                <a:tc>
+                  <a:txBody>
+                    <a:bodyPr/>
+                    <a:lstStyle/>
+                    <a:p>
+                      <a:r>
+                        <a:rPr lang="en-GB" sz="1050" dirty="0"/>
+                        <a:t>Administrator looks at security logs</a:t>
+                      </a:r>
+                    </a:p>
+                  </a:txBody>
+                  <a:tcPr>
+                    <a:solidFill>
+                      <a:schemeClr val="bg1">
+                        <a:lumMod val="75000"/>
+                      </a:schemeClr>
+                    </a:solidFill>
+                  </a:tcPr>
+                </a:tc>
+                <a:extLst>
+                  <a:ext uri="{0D108BD9-81ED-4DB2-BD59-A6C34878D82A}">
+                    <a16:rowId xmlns:a16="http://schemas.microsoft.com/office/drawing/2014/main" val="1589611599"/>
+                  </a:ext>
+                </a:extLst>
+              </a:tr>
+              <a:tr h="456094">
+                <a:tc>
+                  <a:txBody>
+                    <a:bodyPr/>
+                    <a:lstStyle/>
+                    <a:p>
+                      <a:endParaRPr lang="en-GB" dirty="0"/>
+                    </a:p>
+                  </a:txBody>
+                  <a:tcPr>
+                    <a:solidFill>
+                      <a:schemeClr val="accent1">
+                        <a:lumMod val="40000"/>
+                        <a:lumOff val="60000"/>
+                      </a:schemeClr>
+                    </a:solidFill>
+                  </a:tcPr>
+                </a:tc>
+                <a:tc>
+                  <a:txBody>
+                    <a:bodyPr/>
+                    <a:lstStyle/>
+                    <a:p>
+                      <a:r>
+                        <a:rPr lang="en-GB" sz="1200" dirty="0"/>
+                        <a:t>Stage 5</a:t>
+                      </a:r>
+                    </a:p>
+                  </a:txBody>
+                  <a:tcPr/>
+                </a:tc>
+                <a:tc>
+                  <a:txBody>
+                    <a:bodyPr/>
+                    <a:lstStyle/>
+                    <a:p>
+                      <a:endParaRPr lang="en-GB" sz="1050" dirty="0"/>
+                    </a:p>
+                  </a:txBody>
+                  <a:tcPr>
+                    <a:solidFill>
+                      <a:schemeClr val="bg1">
+                        <a:lumMod val="85000"/>
+                      </a:schemeClr>
+                    </a:solidFill>
+                  </a:tcPr>
+                </a:tc>
+                <a:tc>
+                  <a:txBody>
+                    <a:bodyPr/>
+                    <a:lstStyle/>
+                    <a:p>
+                      <a:endParaRPr lang="en-GB" sz="1050" dirty="0"/>
+                    </a:p>
+                  </a:txBody>
+                  <a:tcPr>
+                    <a:solidFill>
+                      <a:schemeClr val="bg1">
+                        <a:lumMod val="85000"/>
+                      </a:schemeClr>
+                    </a:solidFill>
+                  </a:tcPr>
+                </a:tc>
+                <a:tc>
+                  <a:txBody>
+                    <a:bodyPr/>
+                    <a:lstStyle/>
+                    <a:p>
+                      <a:endParaRPr lang="en-GB" sz="1050"/>
+                    </a:p>
+                  </a:txBody>
+                  <a:tcPr>
+                    <a:solidFill>
+                      <a:schemeClr val="bg1">
+                        <a:lumMod val="95000"/>
+                      </a:schemeClr>
+                    </a:solidFill>
+                  </a:tcPr>
+                </a:tc>
+                <a:tc>
+                  <a:txBody>
+                    <a:bodyPr/>
+                    <a:lstStyle/>
+                    <a:p>
+                      <a:endParaRPr lang="en-GB" sz="1050" dirty="0"/>
+                    </a:p>
+                  </a:txBody>
+                  <a:tcPr>
+                    <a:solidFill>
+                      <a:schemeClr val="bg1">
+                        <a:lumMod val="95000"/>
+                      </a:schemeClr>
+                    </a:solidFill>
+                  </a:tcPr>
+                </a:tc>
+                <a:tc>
+                  <a:txBody>
+                    <a:bodyPr/>
+                    <a:lstStyle/>
+                    <a:p>
+                      <a:endParaRPr lang="en-GB" sz="1050" dirty="0"/>
+                    </a:p>
+                  </a:txBody>
+                  <a:tcPr>
+                    <a:solidFill>
+                      <a:schemeClr val="bg1">
+                        <a:lumMod val="85000"/>
+                      </a:schemeClr>
+                    </a:solidFill>
+                  </a:tcPr>
+                </a:tc>
+                <a:tc>
+                  <a:txBody>
+                    <a:bodyPr/>
+                    <a:lstStyle/>
+                    <a:p>
+                      <a:endParaRPr lang="en-GB" sz="1050" dirty="0"/>
+                    </a:p>
+                  </a:txBody>
+                  <a:tcPr>
+                    <a:solidFill>
+                      <a:schemeClr val="bg1">
+                        <a:lumMod val="85000"/>
+                      </a:schemeClr>
+                    </a:solidFill>
+                  </a:tcPr>
+                </a:tc>
+                <a:extLst>
+                  <a:ext uri="{0D108BD9-81ED-4DB2-BD59-A6C34878D82A}">
+                    <a16:rowId xmlns:a16="http://schemas.microsoft.com/office/drawing/2014/main" val="3766482558"/>
+                  </a:ext>
+                </a:extLst>
+              </a:tr>
+            </a:tbl>
+          </a:graphicData>
+        </a:graphic>
+      </p:graphicFrame>
     </p:spTree>
     <p:extLst>
       <p:ext uri="{BB962C8B-B14F-4D97-AF65-F5344CB8AC3E}">
-        <p14:creationId xmlns:p14="http://schemas.microsoft.com/office/powerpoint/2010/main" val="3138986731"/>
+        <p14:creationId xmlns:p14="http://schemas.microsoft.com/office/powerpoint/2010/main" val="882131135"/>
       </p:ext>
     </p:extLst>
   </p:cSld>
@@ -4935,7 +6218,7 @@
   <p:cSld>
     <p:spTree>
       <p:nvGrpSpPr>
-        <p:cNvPr id="1" name="Shape 83"/>
+        <p:cNvPr id="1" name=""/>
         <p:cNvGrpSpPr/>
         <p:nvPr/>
       </p:nvGrpSpPr>
@@ -4947,1194 +6230,956 @@
           <a:chExt cx="0" cy="0"/>
         </a:xfrm>
       </p:grpSpPr>
-      <p:graphicFrame>
-        <p:nvGraphicFramePr>
-          <p:cNvPr id="84" name="Google Shape;84;p1"/>
-          <p:cNvGraphicFramePr/>
-          <p:nvPr/>
-        </p:nvGraphicFramePr>
-        <p:xfrm>
-          <a:off x="376387" y="900832"/>
-          <a:ext cx="11692725" cy="6004650"/>
-        </p:xfrm>
-        <a:graphic>
-          <a:graphicData uri="http://schemas.openxmlformats.org/drawingml/2006/table">
-            <a:tbl>
-              <a:tblPr firstRow="1" bandRow="1">
-                <a:noFill/>
-              </a:tblPr>
-              <a:tblGrid>
-                <a:gridCol w="4655200">
-                  <a:extLst>
-                    <a:ext uri="{9D8B030D-6E8A-4147-A177-3AD203B41FA5}">
-                      <a16:colId xmlns:a16="http://schemas.microsoft.com/office/drawing/2014/main" val="20000"/>
-                    </a:ext>
-                  </a:extLst>
-                </a:gridCol>
-                <a:gridCol w="1191175">
-                  <a:extLst>
-                    <a:ext uri="{9D8B030D-6E8A-4147-A177-3AD203B41FA5}">
-                      <a16:colId xmlns:a16="http://schemas.microsoft.com/office/drawing/2014/main" val="20001"/>
-                    </a:ext>
-                  </a:extLst>
-                </a:gridCol>
-                <a:gridCol w="1394950">
-                  <a:extLst>
-                    <a:ext uri="{9D8B030D-6E8A-4147-A177-3AD203B41FA5}">
-                      <a16:colId xmlns:a16="http://schemas.microsoft.com/office/drawing/2014/main" val="20002"/>
-                    </a:ext>
-                  </a:extLst>
-                </a:gridCol>
-                <a:gridCol w="4451400">
-                  <a:extLst>
-                    <a:ext uri="{9D8B030D-6E8A-4147-A177-3AD203B41FA5}">
-                      <a16:colId xmlns:a16="http://schemas.microsoft.com/office/drawing/2014/main" val="20003"/>
-                    </a:ext>
-                  </a:extLst>
-                </a:gridCol>
-              </a:tblGrid>
-              <a:tr h="370850">
-                <a:tc>
-                  <a:txBody>
-                    <a:bodyPr/>
-                    <a:lstStyle/>
-                    <a:p>
-                      <a:pPr marL="0" marR="0" lvl="0" indent="0" algn="l" rtl="0">
-                        <a:spcBef>
-                          <a:spcPts val="0"/>
-                        </a:spcBef>
-                        <a:spcAft>
-                          <a:spcPts val="0"/>
-                        </a:spcAft>
-                        <a:buNone/>
-                      </a:pPr>
-                      <a:r>
-                        <a:rPr lang="en-GB" sz="1400" u="none" strike="noStrike" cap="none"/>
-                        <a:t>Risk</a:t>
-                      </a:r>
-                      <a:endParaRPr/>
-                    </a:p>
-                  </a:txBody>
-                  <a:tcPr marL="91450" marR="91450" marT="45725" marB="45725"/>
-                </a:tc>
-                <a:tc>
-                  <a:txBody>
-                    <a:bodyPr/>
-                    <a:lstStyle/>
-                    <a:p>
-                      <a:pPr marL="0" marR="0" lvl="0" indent="0" algn="l" rtl="0">
-                        <a:spcBef>
-                          <a:spcPts val="0"/>
-                        </a:spcBef>
-                        <a:spcAft>
-                          <a:spcPts val="0"/>
-                        </a:spcAft>
-                        <a:buNone/>
-                      </a:pPr>
-                      <a:r>
-                        <a:rPr lang="en-GB"/>
-                        <a:t>Current Risk Chance</a:t>
-                      </a:r>
-                      <a:endParaRPr sz="1400" u="none" strike="noStrike" cap="none"/>
-                    </a:p>
-                  </a:txBody>
-                  <a:tcPr marL="91450" marR="91450" marT="45725" marB="45725"/>
-                </a:tc>
-                <a:tc>
-                  <a:txBody>
-                    <a:bodyPr/>
-                    <a:lstStyle/>
-                    <a:p>
-                      <a:pPr marL="0" marR="0" lvl="0" indent="0" algn="l" rtl="0">
-                        <a:spcBef>
-                          <a:spcPts val="0"/>
-                        </a:spcBef>
-                        <a:spcAft>
-                          <a:spcPts val="0"/>
-                        </a:spcAft>
-                        <a:buNone/>
-                      </a:pPr>
-                      <a:r>
-                        <a:rPr lang="en-GB"/>
-                        <a:t>Risk Effect</a:t>
-                      </a:r>
-                      <a:endParaRPr sz="1400" u="none" strike="noStrike" cap="none"/>
-                    </a:p>
-                  </a:txBody>
-                  <a:tcPr marL="91450" marR="91450" marT="45725" marB="45725"/>
-                </a:tc>
-                <a:tc>
-                  <a:txBody>
-                    <a:bodyPr/>
-                    <a:lstStyle/>
-                    <a:p>
-                      <a:pPr marL="0" marR="0" lvl="0" indent="0" algn="l" rtl="0">
-                        <a:spcBef>
-                          <a:spcPts val="0"/>
-                        </a:spcBef>
-                        <a:spcAft>
-                          <a:spcPts val="0"/>
-                        </a:spcAft>
-                        <a:buNone/>
-                      </a:pPr>
-                      <a:r>
-                        <a:rPr lang="en-GB" sz="1400"/>
-                        <a:t>Mitigation</a:t>
-                      </a:r>
-                      <a:endParaRPr/>
-                    </a:p>
-                  </a:txBody>
-                  <a:tcPr marL="91450" marR="91450" marT="45725" marB="45725"/>
-                </a:tc>
-                <a:extLst>
-                  <a:ext uri="{0D108BD9-81ED-4DB2-BD59-A6C34878D82A}">
-                    <a16:rowId xmlns:a16="http://schemas.microsoft.com/office/drawing/2014/main" val="10000"/>
-                  </a:ext>
-                </a:extLst>
-              </a:tr>
-              <a:tr h="370850">
-                <a:tc>
-                  <a:txBody>
-                    <a:bodyPr/>
-                    <a:lstStyle/>
-                    <a:p>
-                      <a:pPr marL="0" marR="0" lvl="0" indent="0" algn="l" rtl="0">
-                        <a:lnSpc>
-                          <a:spcPct val="100000"/>
-                        </a:lnSpc>
-                        <a:spcBef>
-                          <a:spcPts val="0"/>
-                        </a:spcBef>
-                        <a:spcAft>
-                          <a:spcPts val="0"/>
-                        </a:spcAft>
-                        <a:buClr>
-                          <a:schemeClr val="dk1"/>
-                        </a:buClr>
-                        <a:buSzPts val="1400"/>
-                        <a:buFont typeface="Calibri"/>
-                        <a:buNone/>
-                      </a:pPr>
-                      <a:r>
-                        <a:rPr lang="en-GB" sz="1100"/>
-                        <a:t>not enough time to complete the project</a:t>
-                      </a:r>
-                      <a:endParaRPr sz="1100"/>
-                    </a:p>
-                  </a:txBody>
-                  <a:tcPr marL="91450" marR="91450" marT="45725" marB="45725"/>
-                </a:tc>
-                <a:tc>
-                  <a:txBody>
-                    <a:bodyPr/>
-                    <a:lstStyle/>
-                    <a:p>
-                      <a:pPr marL="0" marR="0" lvl="0" indent="0" algn="l" rtl="0">
-                        <a:lnSpc>
-                          <a:spcPct val="100000"/>
-                        </a:lnSpc>
-                        <a:spcBef>
-                          <a:spcPts val="0"/>
-                        </a:spcBef>
-                        <a:spcAft>
-                          <a:spcPts val="0"/>
-                        </a:spcAft>
-                        <a:buNone/>
-                      </a:pPr>
-                      <a:r>
-                        <a:rPr lang="en-GB" sz="1100"/>
-                        <a:t>Medium-Low</a:t>
-                      </a:r>
-                      <a:endParaRPr sz="1100"/>
-                    </a:p>
-                  </a:txBody>
-                  <a:tcPr marL="91450" marR="91450" marT="45725" marB="45725">
-                    <a:solidFill>
-                      <a:srgbClr val="6AA84F"/>
-                    </a:solidFill>
-                  </a:tcPr>
-                </a:tc>
-                <a:tc>
-                  <a:txBody>
-                    <a:bodyPr/>
-                    <a:lstStyle/>
-                    <a:p>
-                      <a:pPr marL="0" marR="0" lvl="0" indent="0" algn="l" rtl="0">
-                        <a:lnSpc>
-                          <a:spcPct val="100000"/>
-                        </a:lnSpc>
-                        <a:spcBef>
-                          <a:spcPts val="0"/>
-                        </a:spcBef>
-                        <a:spcAft>
-                          <a:spcPts val="0"/>
-                        </a:spcAft>
-                        <a:buNone/>
-                      </a:pPr>
-                      <a:r>
-                        <a:rPr lang="en-GB" sz="1100"/>
-                        <a:t>Low Quality End Product</a:t>
-                      </a:r>
-                      <a:endParaRPr sz="1100"/>
-                    </a:p>
-                  </a:txBody>
-                  <a:tcPr marL="91450" marR="91450" marT="45725" marB="45725"/>
-                </a:tc>
-                <a:tc>
-                  <a:txBody>
-                    <a:bodyPr/>
-                    <a:lstStyle/>
-                    <a:p>
-                      <a:pPr marL="0" marR="0" lvl="0" indent="0" algn="l" rtl="0">
-                        <a:spcBef>
-                          <a:spcPts val="0"/>
-                        </a:spcBef>
-                        <a:spcAft>
-                          <a:spcPts val="0"/>
-                        </a:spcAft>
-                        <a:buNone/>
-                      </a:pPr>
-                      <a:r>
-                        <a:rPr lang="en-GB" sz="1100"/>
-                        <a:t>stick to MVP, only add extra features if time allows, allow extra time for unseen problems</a:t>
-                      </a:r>
-                      <a:endParaRPr sz="1100"/>
-                    </a:p>
-                  </a:txBody>
-                  <a:tcPr marL="91450" marR="91450" marT="45725" marB="45725"/>
-                </a:tc>
-                <a:extLst>
-                  <a:ext uri="{0D108BD9-81ED-4DB2-BD59-A6C34878D82A}">
-                    <a16:rowId xmlns:a16="http://schemas.microsoft.com/office/drawing/2014/main" val="10001"/>
-                  </a:ext>
-                </a:extLst>
-              </a:tr>
-              <a:tr h="370850">
-                <a:tc>
-                  <a:txBody>
-                    <a:bodyPr/>
-                    <a:lstStyle/>
-                    <a:p>
-                      <a:pPr marL="0" marR="0" lvl="0" indent="0" algn="l" rtl="0">
-                        <a:spcBef>
-                          <a:spcPts val="0"/>
-                        </a:spcBef>
-                        <a:spcAft>
-                          <a:spcPts val="0"/>
-                        </a:spcAft>
-                        <a:buNone/>
-                      </a:pPr>
-                      <a:r>
-                        <a:rPr lang="en-GB" sz="1100"/>
-                        <a:t>team members unwell or personal crisis</a:t>
-                      </a:r>
-                      <a:endParaRPr sz="1100"/>
-                    </a:p>
-                  </a:txBody>
-                  <a:tcPr marL="91450" marR="91450" marT="45725" marB="45725"/>
-                </a:tc>
-                <a:tc>
-                  <a:txBody>
-                    <a:bodyPr/>
-                    <a:lstStyle/>
-                    <a:p>
-                      <a:pPr marL="0" marR="0" lvl="0" indent="0" algn="l" rtl="0">
-                        <a:spcBef>
-                          <a:spcPts val="0"/>
-                        </a:spcBef>
-                        <a:spcAft>
-                          <a:spcPts val="0"/>
-                        </a:spcAft>
-                        <a:buNone/>
-                      </a:pPr>
-                      <a:r>
-                        <a:rPr lang="en-GB" sz="1100"/>
-                        <a:t>Medium-High</a:t>
-                      </a:r>
-                      <a:endParaRPr sz="1100"/>
-                    </a:p>
-                  </a:txBody>
-                  <a:tcPr marL="91450" marR="91450" marT="45725" marB="45725">
-                    <a:solidFill>
-                      <a:srgbClr val="E69138"/>
-                    </a:solidFill>
-                  </a:tcPr>
-                </a:tc>
-                <a:tc>
-                  <a:txBody>
-                    <a:bodyPr/>
-                    <a:lstStyle/>
-                    <a:p>
-                      <a:pPr marL="0" marR="0" lvl="0" indent="0" algn="l" rtl="0">
-                        <a:spcBef>
-                          <a:spcPts val="0"/>
-                        </a:spcBef>
-                        <a:spcAft>
-                          <a:spcPts val="0"/>
-                        </a:spcAft>
-                        <a:buNone/>
-                      </a:pPr>
-                      <a:r>
-                        <a:rPr lang="en-GB" sz="1100"/>
-                        <a:t>Delay</a:t>
-                      </a:r>
-                      <a:endParaRPr sz="1100"/>
-                    </a:p>
-                  </a:txBody>
-                  <a:tcPr marL="91450" marR="91450" marT="45725" marB="45725"/>
-                </a:tc>
-                <a:tc>
-                  <a:txBody>
-                    <a:bodyPr/>
-                    <a:lstStyle/>
-                    <a:p>
-                      <a:pPr marL="0" marR="0" lvl="0" indent="0" algn="l" rtl="0">
-                        <a:spcBef>
-                          <a:spcPts val="0"/>
-                        </a:spcBef>
-                        <a:spcAft>
-                          <a:spcPts val="0"/>
-                        </a:spcAft>
-                        <a:buNone/>
-                      </a:pPr>
-                      <a:r>
-                        <a:rPr lang="en-GB" sz="1100"/>
-                        <a:t>keep in touch with unwell/absent members via boards and allocate work if appropriate</a:t>
-                      </a:r>
-                      <a:endParaRPr sz="1100"/>
-                    </a:p>
-                    <a:p>
-                      <a:pPr marL="0" marR="0" lvl="0" indent="0" algn="l" rtl="0">
-                        <a:spcBef>
-                          <a:spcPts val="0"/>
-                        </a:spcBef>
-                        <a:spcAft>
-                          <a:spcPts val="0"/>
-                        </a:spcAft>
-                        <a:buNone/>
-                      </a:pPr>
-                      <a:endParaRPr sz="1100"/>
-                    </a:p>
-                    <a:p>
-                      <a:pPr marL="0" lvl="0" indent="0" algn="l" rtl="0">
-                        <a:spcBef>
-                          <a:spcPts val="0"/>
-                        </a:spcBef>
-                        <a:spcAft>
-                          <a:spcPts val="0"/>
-                        </a:spcAft>
-                        <a:buClr>
-                          <a:schemeClr val="dk1"/>
-                        </a:buClr>
-                        <a:buFont typeface="Arial"/>
-                        <a:buNone/>
-                      </a:pPr>
-                      <a:r>
-                        <a:rPr lang="en-GB" sz="1100"/>
-                        <a:t>Regular (near daily)  Sprint Communication</a:t>
-                      </a:r>
-                      <a:endParaRPr sz="1100"/>
-                    </a:p>
-                  </a:txBody>
-                  <a:tcPr marL="91450" marR="91450" marT="45725" marB="45725"/>
-                </a:tc>
-                <a:extLst>
-                  <a:ext uri="{0D108BD9-81ED-4DB2-BD59-A6C34878D82A}">
-                    <a16:rowId xmlns:a16="http://schemas.microsoft.com/office/drawing/2014/main" val="10002"/>
-                  </a:ext>
-                </a:extLst>
-              </a:tr>
-              <a:tr h="370850">
-                <a:tc>
-                  <a:txBody>
-                    <a:bodyPr/>
-                    <a:lstStyle/>
-                    <a:p>
-                      <a:pPr marL="0" marR="0" lvl="0" indent="0" algn="l" rtl="0">
-                        <a:lnSpc>
-                          <a:spcPct val="100000"/>
-                        </a:lnSpc>
-                        <a:spcBef>
-                          <a:spcPts val="0"/>
-                        </a:spcBef>
-                        <a:spcAft>
-                          <a:spcPts val="0"/>
-                        </a:spcAft>
-                        <a:buClr>
-                          <a:schemeClr val="dk1"/>
-                        </a:buClr>
-                        <a:buSzPts val="1400"/>
-                        <a:buFont typeface="Calibri"/>
-                        <a:buNone/>
-                      </a:pPr>
-                      <a:r>
-                        <a:rPr lang="en-GB" sz="1100"/>
-                        <a:t>disagreement on the way forward</a:t>
-                      </a:r>
-                      <a:endParaRPr sz="1100"/>
-                    </a:p>
-                  </a:txBody>
-                  <a:tcPr marL="91450" marR="91450" marT="45725" marB="45725"/>
-                </a:tc>
-                <a:tc>
-                  <a:txBody>
-                    <a:bodyPr/>
-                    <a:lstStyle/>
-                    <a:p>
-                      <a:pPr marL="0" marR="0" lvl="0" indent="0" algn="l" rtl="0">
-                        <a:lnSpc>
-                          <a:spcPct val="100000"/>
-                        </a:lnSpc>
-                        <a:spcBef>
-                          <a:spcPts val="0"/>
-                        </a:spcBef>
-                        <a:spcAft>
-                          <a:spcPts val="0"/>
-                        </a:spcAft>
-                        <a:buNone/>
-                      </a:pPr>
-                      <a:r>
-                        <a:rPr lang="en-GB" sz="1100"/>
-                        <a:t>Medium-Low</a:t>
-                      </a:r>
-                      <a:endParaRPr sz="1100"/>
-                    </a:p>
-                  </a:txBody>
-                  <a:tcPr marL="91450" marR="91450" marT="45725" marB="45725">
-                    <a:solidFill>
-                      <a:srgbClr val="6AA84F"/>
-                    </a:solidFill>
-                  </a:tcPr>
-                </a:tc>
-                <a:tc>
-                  <a:txBody>
-                    <a:bodyPr/>
-                    <a:lstStyle/>
-                    <a:p>
-                      <a:pPr marL="0" lvl="0" indent="0" algn="l" rtl="0">
-                        <a:spcBef>
-                          <a:spcPts val="0"/>
-                        </a:spcBef>
-                        <a:spcAft>
-                          <a:spcPts val="0"/>
-                        </a:spcAft>
-                        <a:buClr>
-                          <a:schemeClr val="dk1"/>
-                        </a:buClr>
-                        <a:buSzPts val="1100"/>
-                        <a:buFont typeface="Arial"/>
-                        <a:buNone/>
-                      </a:pPr>
-                      <a:r>
-                        <a:rPr lang="en-GB" sz="1100"/>
-                        <a:t>Low Quality End Product/Delay/ Inter personal conflicts</a:t>
-                      </a:r>
-                      <a:endParaRPr sz="1100"/>
-                    </a:p>
-                  </a:txBody>
-                  <a:tcPr marL="91450" marR="91450" marT="45725" marB="45725"/>
-                </a:tc>
-                <a:tc>
-                  <a:txBody>
-                    <a:bodyPr/>
-                    <a:lstStyle/>
-                    <a:p>
-                      <a:pPr marL="0" marR="0" lvl="0" indent="0" algn="l" rtl="0">
-                        <a:spcBef>
-                          <a:spcPts val="0"/>
-                        </a:spcBef>
-                        <a:spcAft>
-                          <a:spcPts val="0"/>
-                        </a:spcAft>
-                        <a:buNone/>
-                      </a:pPr>
-                      <a:r>
-                        <a:rPr lang="en-GB" sz="1100"/>
-                        <a:t>in the case of a disagreement, try reach compromise, otherwise vote or refer to module leader</a:t>
-                      </a:r>
-                      <a:endParaRPr sz="1100"/>
-                    </a:p>
-                  </a:txBody>
-                  <a:tcPr marL="91450" marR="91450" marT="45725" marB="45725"/>
-                </a:tc>
-                <a:extLst>
-                  <a:ext uri="{0D108BD9-81ED-4DB2-BD59-A6C34878D82A}">
-                    <a16:rowId xmlns:a16="http://schemas.microsoft.com/office/drawing/2014/main" val="10003"/>
-                  </a:ext>
-                </a:extLst>
-              </a:tr>
-              <a:tr h="370850">
-                <a:tc>
-                  <a:txBody>
-                    <a:bodyPr/>
-                    <a:lstStyle/>
-                    <a:p>
-                      <a:pPr marL="0" marR="0" lvl="0" indent="0" algn="l" rtl="0">
-                        <a:spcBef>
-                          <a:spcPts val="0"/>
-                        </a:spcBef>
-                        <a:spcAft>
-                          <a:spcPts val="0"/>
-                        </a:spcAft>
-                        <a:buNone/>
-                      </a:pPr>
-                      <a:r>
-                        <a:rPr lang="en-GB" sz="1100"/>
-                        <a:t>over or under estimating work that can be achieved in a sprint</a:t>
-                      </a:r>
-                      <a:endParaRPr sz="1100"/>
-                    </a:p>
-                  </a:txBody>
-                  <a:tcPr marL="91450" marR="91450" marT="45725" marB="45725"/>
-                </a:tc>
-                <a:tc>
-                  <a:txBody>
-                    <a:bodyPr/>
-                    <a:lstStyle/>
-                    <a:p>
-                      <a:pPr marL="0" marR="0" lvl="0" indent="0" algn="l" rtl="0">
-                        <a:spcBef>
-                          <a:spcPts val="0"/>
-                        </a:spcBef>
-                        <a:spcAft>
-                          <a:spcPts val="0"/>
-                        </a:spcAft>
-                        <a:buNone/>
-                      </a:pPr>
-                      <a:r>
-                        <a:rPr lang="en-GB" sz="1100"/>
-                        <a:t>Medium-High</a:t>
-                      </a:r>
-                      <a:endParaRPr sz="1100"/>
-                    </a:p>
-                  </a:txBody>
-                  <a:tcPr marL="91450" marR="91450" marT="45725" marB="45725">
-                    <a:solidFill>
-                      <a:srgbClr val="E69138"/>
-                    </a:solidFill>
-                  </a:tcPr>
-                </a:tc>
-                <a:tc>
-                  <a:txBody>
-                    <a:bodyPr/>
-                    <a:lstStyle/>
-                    <a:p>
-                      <a:pPr marL="0" marR="0" lvl="0" indent="0" algn="l" rtl="0">
-                        <a:spcBef>
-                          <a:spcPts val="0"/>
-                        </a:spcBef>
-                        <a:spcAft>
-                          <a:spcPts val="0"/>
-                        </a:spcAft>
-                        <a:buNone/>
-                      </a:pPr>
-                      <a:r>
-                        <a:rPr lang="en-GB" sz="1100"/>
-                        <a:t>Delay/Unbalanced workload (being near idle one week and overly busy the next)</a:t>
-                      </a:r>
-                      <a:endParaRPr sz="1100"/>
-                    </a:p>
-                  </a:txBody>
-                  <a:tcPr marL="91450" marR="91450" marT="45725" marB="45725"/>
-                </a:tc>
-                <a:tc>
-                  <a:txBody>
-                    <a:bodyPr/>
-                    <a:lstStyle/>
-                    <a:p>
-                      <a:pPr marL="0" marR="0" lvl="0" indent="0" algn="l" rtl="0">
-                        <a:spcBef>
-                          <a:spcPts val="0"/>
-                        </a:spcBef>
-                        <a:spcAft>
-                          <a:spcPts val="0"/>
-                        </a:spcAft>
-                        <a:buNone/>
-                      </a:pPr>
-                      <a:r>
-                        <a:rPr lang="en-GB" sz="1100"/>
-                        <a:t>allocate points for each functional task, each person can say how many points that can achieve in 2 weeks, then can use that to estimate right amount of work for future sprints</a:t>
-                      </a:r>
-                      <a:endParaRPr sz="1100"/>
-                    </a:p>
-                    <a:p>
-                      <a:pPr marL="0" marR="0" lvl="0" indent="0" algn="l" rtl="0">
-                        <a:spcBef>
-                          <a:spcPts val="0"/>
-                        </a:spcBef>
-                        <a:spcAft>
-                          <a:spcPts val="0"/>
-                        </a:spcAft>
-                        <a:buNone/>
-                      </a:pPr>
-                      <a:endParaRPr sz="1100"/>
-                    </a:p>
-                    <a:p>
-                      <a:pPr marL="0" marR="0" lvl="0" indent="0" algn="l" rtl="0">
-                        <a:spcBef>
-                          <a:spcPts val="0"/>
-                        </a:spcBef>
-                        <a:spcAft>
-                          <a:spcPts val="0"/>
-                        </a:spcAft>
-                        <a:buNone/>
-                      </a:pPr>
-                      <a:r>
-                        <a:rPr lang="en-GB" sz="1100"/>
-                        <a:t>Regular (near daily)  Sprint Communication</a:t>
-                      </a:r>
-                      <a:endParaRPr sz="1100"/>
-                    </a:p>
-                  </a:txBody>
-                  <a:tcPr marL="91450" marR="91450" marT="45725" marB="45725"/>
-                </a:tc>
-                <a:extLst>
-                  <a:ext uri="{0D108BD9-81ED-4DB2-BD59-A6C34878D82A}">
-                    <a16:rowId xmlns:a16="http://schemas.microsoft.com/office/drawing/2014/main" val="10004"/>
-                  </a:ext>
-                </a:extLst>
-              </a:tr>
-              <a:tr h="370850">
-                <a:tc>
-                  <a:txBody>
-                    <a:bodyPr/>
-                    <a:lstStyle/>
-                    <a:p>
-                      <a:pPr marL="0" marR="0" lvl="0" indent="0" algn="l" rtl="0">
-                        <a:spcBef>
-                          <a:spcPts val="0"/>
-                        </a:spcBef>
-                        <a:spcAft>
-                          <a:spcPts val="0"/>
-                        </a:spcAft>
-                        <a:buNone/>
-                      </a:pPr>
-                      <a:r>
-                        <a:rPr lang="en-GB" sz="1100"/>
-                        <a:t>project does not work, lots of bugs</a:t>
-                      </a:r>
-                      <a:endParaRPr sz="1100"/>
-                    </a:p>
-                  </a:txBody>
-                  <a:tcPr marL="91450" marR="91450" marT="45725" marB="45725"/>
-                </a:tc>
-                <a:tc>
-                  <a:txBody>
-                    <a:bodyPr/>
-                    <a:lstStyle/>
-                    <a:p>
-                      <a:pPr marL="0" marR="0" lvl="0" indent="0" algn="l" rtl="0">
-                        <a:spcBef>
-                          <a:spcPts val="0"/>
-                        </a:spcBef>
-                        <a:spcAft>
-                          <a:spcPts val="0"/>
-                        </a:spcAft>
-                        <a:buNone/>
-                      </a:pPr>
-                      <a:r>
-                        <a:rPr lang="en-GB" sz="1100"/>
-                        <a:t>Low</a:t>
-                      </a:r>
-                      <a:endParaRPr sz="1100"/>
-                    </a:p>
-                  </a:txBody>
-                  <a:tcPr marL="91450" marR="91450" marT="45725" marB="45725">
-                    <a:solidFill>
-                      <a:srgbClr val="1155CC"/>
-                    </a:solidFill>
-                  </a:tcPr>
-                </a:tc>
-                <a:tc>
-                  <a:txBody>
-                    <a:bodyPr/>
-                    <a:lstStyle/>
-                    <a:p>
-                      <a:pPr marL="0" lvl="0" indent="0" algn="l" rtl="0">
-                        <a:spcBef>
-                          <a:spcPts val="0"/>
-                        </a:spcBef>
-                        <a:spcAft>
-                          <a:spcPts val="0"/>
-                        </a:spcAft>
-                        <a:buClr>
-                          <a:schemeClr val="dk1"/>
-                        </a:buClr>
-                        <a:buSzPts val="1100"/>
-                        <a:buFont typeface="Arial"/>
-                        <a:buNone/>
-                      </a:pPr>
-                      <a:r>
-                        <a:rPr lang="en-GB" sz="1100"/>
-                        <a:t>Low Quality End Product</a:t>
-                      </a:r>
-                      <a:endParaRPr sz="1100"/>
-                    </a:p>
-                  </a:txBody>
-                  <a:tcPr marL="91450" marR="91450" marT="45725" marB="45725"/>
-                </a:tc>
-                <a:tc>
-                  <a:txBody>
-                    <a:bodyPr/>
-                    <a:lstStyle/>
-                    <a:p>
-                      <a:pPr marL="0" marR="0" lvl="0" indent="0" algn="l" rtl="0">
-                        <a:spcBef>
-                          <a:spcPts val="0"/>
-                        </a:spcBef>
-                        <a:spcAft>
-                          <a:spcPts val="0"/>
-                        </a:spcAft>
-                        <a:buNone/>
-                      </a:pPr>
-                      <a:r>
-                        <a:rPr lang="en-GB" sz="1100"/>
-                        <a:t>create unit tests at the same time or before creating code</a:t>
-                      </a:r>
-                      <a:endParaRPr sz="1100"/>
-                    </a:p>
-                  </a:txBody>
-                  <a:tcPr marL="91450" marR="91450" marT="45725" marB="45725"/>
-                </a:tc>
-                <a:extLst>
-                  <a:ext uri="{0D108BD9-81ED-4DB2-BD59-A6C34878D82A}">
-                    <a16:rowId xmlns:a16="http://schemas.microsoft.com/office/drawing/2014/main" val="10005"/>
-                  </a:ext>
-                </a:extLst>
-              </a:tr>
-              <a:tr h="370850">
-                <a:tc>
-                  <a:txBody>
-                    <a:bodyPr/>
-                    <a:lstStyle/>
-                    <a:p>
-                      <a:pPr marL="0" marR="0" lvl="0" indent="0" algn="l" rtl="0">
-                        <a:spcBef>
-                          <a:spcPts val="0"/>
-                        </a:spcBef>
-                        <a:spcAft>
-                          <a:spcPts val="0"/>
-                        </a:spcAft>
-                        <a:buNone/>
-                      </a:pPr>
-                      <a:r>
-                        <a:rPr lang="en-GB" sz="1100"/>
-                        <a:t>spending too much time on one task</a:t>
-                      </a:r>
-                      <a:endParaRPr sz="1100"/>
-                    </a:p>
-                  </a:txBody>
-                  <a:tcPr marL="91450" marR="91450" marT="45725" marB="45725"/>
-                </a:tc>
-                <a:tc>
-                  <a:txBody>
-                    <a:bodyPr/>
-                    <a:lstStyle/>
-                    <a:p>
-                      <a:pPr marL="0" marR="0" lvl="0" indent="0" algn="l" rtl="0">
-                        <a:spcBef>
-                          <a:spcPts val="0"/>
-                        </a:spcBef>
-                        <a:spcAft>
-                          <a:spcPts val="0"/>
-                        </a:spcAft>
-                        <a:buNone/>
-                      </a:pPr>
-                      <a:r>
-                        <a:rPr lang="en-GB" sz="1100"/>
-                        <a:t>Medium-Low</a:t>
-                      </a:r>
-                      <a:endParaRPr sz="1100"/>
-                    </a:p>
-                  </a:txBody>
-                  <a:tcPr marL="91450" marR="91450" marT="45725" marB="45725">
-                    <a:solidFill>
-                      <a:srgbClr val="6AA84F"/>
-                    </a:solidFill>
-                  </a:tcPr>
-                </a:tc>
-                <a:tc>
-                  <a:txBody>
-                    <a:bodyPr/>
-                    <a:lstStyle/>
-                    <a:p>
-                      <a:pPr marL="0" lvl="0" indent="0" algn="l" rtl="0">
-                        <a:spcBef>
-                          <a:spcPts val="0"/>
-                        </a:spcBef>
-                        <a:spcAft>
-                          <a:spcPts val="0"/>
-                        </a:spcAft>
-                        <a:buClr>
-                          <a:schemeClr val="dk1"/>
-                        </a:buClr>
-                        <a:buSzPts val="1100"/>
-                        <a:buFont typeface="Arial"/>
-                        <a:buNone/>
-                      </a:pPr>
-                      <a:r>
-                        <a:rPr lang="en-GB" sz="1100"/>
-                        <a:t>Low Quality End Product/Delay</a:t>
-                      </a:r>
-                      <a:endParaRPr sz="1100"/>
-                    </a:p>
-                  </a:txBody>
-                  <a:tcPr marL="91450" marR="91450" marT="45725" marB="45725"/>
-                </a:tc>
-                <a:tc>
-                  <a:txBody>
-                    <a:bodyPr/>
-                    <a:lstStyle/>
-                    <a:p>
-                      <a:pPr marL="0" marR="0" lvl="0" indent="0" algn="l" rtl="0">
-                        <a:spcBef>
-                          <a:spcPts val="0"/>
-                        </a:spcBef>
-                        <a:spcAft>
-                          <a:spcPts val="0"/>
-                        </a:spcAft>
-                        <a:buNone/>
-                      </a:pPr>
-                      <a:r>
-                        <a:rPr lang="en-GB" sz="1100"/>
-                        <a:t>break down tasks into smaller units</a:t>
-                      </a:r>
-                      <a:endParaRPr sz="1100"/>
-                    </a:p>
-                  </a:txBody>
-                  <a:tcPr marL="91450" marR="91450" marT="45725" marB="45725"/>
-                </a:tc>
-                <a:extLst>
-                  <a:ext uri="{0D108BD9-81ED-4DB2-BD59-A6C34878D82A}">
-                    <a16:rowId xmlns:a16="http://schemas.microsoft.com/office/drawing/2014/main" val="10006"/>
-                  </a:ext>
-                </a:extLst>
-              </a:tr>
-              <a:tr h="370850">
-                <a:tc>
-                  <a:txBody>
-                    <a:bodyPr/>
-                    <a:lstStyle/>
-                    <a:p>
-                      <a:pPr marL="0" marR="0" lvl="0" indent="0" algn="l" rtl="0">
-                        <a:spcBef>
-                          <a:spcPts val="0"/>
-                        </a:spcBef>
-                        <a:spcAft>
-                          <a:spcPts val="0"/>
-                        </a:spcAft>
-                        <a:buNone/>
-                      </a:pPr>
-                      <a:r>
-                        <a:rPr lang="en-GB" sz="1100"/>
-                        <a:t>client unhappy with the result</a:t>
-                      </a:r>
-                      <a:endParaRPr sz="1100"/>
-                    </a:p>
-                  </a:txBody>
-                  <a:tcPr marL="91450" marR="91450" marT="45725" marB="45725"/>
-                </a:tc>
-                <a:tc>
-                  <a:txBody>
-                    <a:bodyPr/>
-                    <a:lstStyle/>
-                    <a:p>
-                      <a:pPr marL="0" marR="0" lvl="0" indent="0" algn="l" rtl="0">
-                        <a:spcBef>
-                          <a:spcPts val="0"/>
-                        </a:spcBef>
-                        <a:spcAft>
-                          <a:spcPts val="0"/>
-                        </a:spcAft>
-                        <a:buNone/>
-                      </a:pPr>
-                      <a:r>
-                        <a:rPr lang="en-GB" sz="1100"/>
-                        <a:t>Low</a:t>
-                      </a:r>
-                      <a:endParaRPr sz="1100"/>
-                    </a:p>
-                  </a:txBody>
-                  <a:tcPr marL="91450" marR="91450" marT="45725" marB="45725">
-                    <a:solidFill>
-                      <a:srgbClr val="1155CC"/>
-                    </a:solidFill>
-                  </a:tcPr>
-                </a:tc>
-                <a:tc>
-                  <a:txBody>
-                    <a:bodyPr/>
-                    <a:lstStyle/>
-                    <a:p>
-                      <a:pPr marL="0" lvl="0" indent="0" algn="l" rtl="0">
-                        <a:spcBef>
-                          <a:spcPts val="0"/>
-                        </a:spcBef>
-                        <a:spcAft>
-                          <a:spcPts val="0"/>
-                        </a:spcAft>
-                        <a:buClr>
-                          <a:schemeClr val="dk1"/>
-                        </a:buClr>
-                        <a:buSzPts val="1100"/>
-                        <a:buFont typeface="Arial"/>
-                        <a:buNone/>
-                      </a:pPr>
-                      <a:r>
-                        <a:rPr lang="en-GB" sz="1100"/>
-                        <a:t>Low Quality End Product</a:t>
-                      </a:r>
-                      <a:endParaRPr sz="1100"/>
-                    </a:p>
-                  </a:txBody>
-                  <a:tcPr marL="91450" marR="91450" marT="45725" marB="45725"/>
-                </a:tc>
-                <a:tc>
-                  <a:txBody>
-                    <a:bodyPr/>
-                    <a:lstStyle/>
-                    <a:p>
-                      <a:pPr marL="0" marR="0" lvl="0" indent="0" algn="l" rtl="0">
-                        <a:spcBef>
-                          <a:spcPts val="0"/>
-                        </a:spcBef>
-                        <a:spcAft>
-                          <a:spcPts val="0"/>
-                        </a:spcAft>
-                        <a:buNone/>
-                      </a:pPr>
-                      <a:r>
-                        <a:rPr lang="en-GB" sz="1100"/>
-                        <a:t>implement acceptance testing, perhaps using XML for a list of commands to test</a:t>
-                      </a:r>
-                      <a:endParaRPr sz="1100"/>
-                    </a:p>
-                  </a:txBody>
-                  <a:tcPr marL="91450" marR="91450" marT="45725" marB="45725"/>
-                </a:tc>
-                <a:extLst>
-                  <a:ext uri="{0D108BD9-81ED-4DB2-BD59-A6C34878D82A}">
-                    <a16:rowId xmlns:a16="http://schemas.microsoft.com/office/drawing/2014/main" val="10007"/>
-                  </a:ext>
-                </a:extLst>
-              </a:tr>
-              <a:tr h="370850">
-                <a:tc>
-                  <a:txBody>
-                    <a:bodyPr/>
-                    <a:lstStyle/>
-                    <a:p>
-                      <a:pPr marL="0" marR="0" lvl="0" indent="0" algn="l" rtl="0">
-                        <a:spcBef>
-                          <a:spcPts val="0"/>
-                        </a:spcBef>
-                        <a:spcAft>
-                          <a:spcPts val="0"/>
-                        </a:spcAft>
-                        <a:buNone/>
-                      </a:pPr>
-                      <a:r>
-                        <a:rPr lang="en-GB" sz="1100"/>
-                        <a:t>team member struggles with coding</a:t>
-                      </a:r>
-                      <a:endParaRPr sz="1100"/>
-                    </a:p>
-                  </a:txBody>
-                  <a:tcPr marL="91450" marR="91450" marT="45725" marB="45725"/>
-                </a:tc>
-                <a:tc>
-                  <a:txBody>
-                    <a:bodyPr/>
-                    <a:lstStyle/>
-                    <a:p>
-                      <a:pPr marL="0" marR="0" lvl="0" indent="0" algn="l" rtl="0">
-                        <a:spcBef>
-                          <a:spcPts val="0"/>
-                        </a:spcBef>
-                        <a:spcAft>
-                          <a:spcPts val="0"/>
-                        </a:spcAft>
-                        <a:buNone/>
-                      </a:pPr>
-                      <a:r>
-                        <a:rPr lang="en-GB" sz="1100"/>
-                        <a:t>Medium</a:t>
-                      </a:r>
-                      <a:endParaRPr sz="1100"/>
-                    </a:p>
-                  </a:txBody>
-                  <a:tcPr marL="91450" marR="91450" marT="45725" marB="45725">
-                    <a:solidFill>
-                      <a:srgbClr val="F1C232"/>
-                    </a:solidFill>
-                  </a:tcPr>
-                </a:tc>
-                <a:tc>
-                  <a:txBody>
-                    <a:bodyPr/>
-                    <a:lstStyle/>
-                    <a:p>
-                      <a:pPr marL="0" lvl="0" indent="0" algn="l" rtl="0">
-                        <a:spcBef>
-                          <a:spcPts val="0"/>
-                        </a:spcBef>
-                        <a:spcAft>
-                          <a:spcPts val="0"/>
-                        </a:spcAft>
-                        <a:buClr>
-                          <a:schemeClr val="dk1"/>
-                        </a:buClr>
-                        <a:buSzPts val="1100"/>
-                        <a:buFont typeface="Arial"/>
-                        <a:buNone/>
-                      </a:pPr>
-                      <a:r>
-                        <a:rPr lang="en-GB" sz="1100"/>
-                        <a:t>Low Quality End Product/Delay</a:t>
-                      </a:r>
-                      <a:endParaRPr sz="1100"/>
-                    </a:p>
-                  </a:txBody>
-                  <a:tcPr marL="91450" marR="91450" marT="45725" marB="45725"/>
-                </a:tc>
-                <a:tc>
-                  <a:txBody>
-                    <a:bodyPr/>
-                    <a:lstStyle/>
-                    <a:p>
-                      <a:pPr marL="0" marR="0" lvl="0" indent="0" algn="l" rtl="0">
-                        <a:spcBef>
-                          <a:spcPts val="0"/>
-                        </a:spcBef>
-                        <a:spcAft>
-                          <a:spcPts val="0"/>
-                        </a:spcAft>
-                        <a:buNone/>
-                      </a:pPr>
-                      <a:r>
-                        <a:rPr lang="en-GB" sz="1100"/>
-                        <a:t>pair programming to help team members struggling with coding and to reduce bugs</a:t>
-                      </a:r>
-                      <a:endParaRPr sz="1100"/>
-                    </a:p>
-                    <a:p>
-                      <a:pPr marL="0" marR="0" lvl="0" indent="0" algn="l" rtl="0">
-                        <a:spcBef>
-                          <a:spcPts val="0"/>
-                        </a:spcBef>
-                        <a:spcAft>
-                          <a:spcPts val="0"/>
-                        </a:spcAft>
-                        <a:buNone/>
-                      </a:pPr>
-                      <a:endParaRPr sz="1100"/>
-                    </a:p>
-                    <a:p>
-                      <a:pPr marL="0" marR="0" lvl="0" indent="0" algn="l" rtl="0">
-                        <a:spcBef>
-                          <a:spcPts val="0"/>
-                        </a:spcBef>
-                        <a:spcAft>
-                          <a:spcPts val="0"/>
-                        </a:spcAft>
-                        <a:buNone/>
-                      </a:pPr>
-                      <a:r>
-                        <a:rPr lang="en-GB" sz="1100"/>
-                        <a:t>Each part of the system orchestrated by those with greatest area expertise</a:t>
-                      </a:r>
-                      <a:endParaRPr sz="1100"/>
-                    </a:p>
-                    <a:p>
-                      <a:pPr marL="0" marR="0" lvl="0" indent="0" algn="l" rtl="0">
-                        <a:spcBef>
-                          <a:spcPts val="0"/>
-                        </a:spcBef>
-                        <a:spcAft>
-                          <a:spcPts val="0"/>
-                        </a:spcAft>
-                        <a:buNone/>
-                      </a:pPr>
-                      <a:r>
-                        <a:rPr lang="en-GB" sz="1100"/>
-                        <a:t>(I.E Database development directed by person with confidence in databases)</a:t>
-                      </a:r>
-                      <a:endParaRPr sz="1100"/>
-                    </a:p>
-                  </a:txBody>
-                  <a:tcPr marL="91450" marR="91450" marT="45725" marB="45725"/>
-                </a:tc>
-                <a:extLst>
-                  <a:ext uri="{0D108BD9-81ED-4DB2-BD59-A6C34878D82A}">
-                    <a16:rowId xmlns:a16="http://schemas.microsoft.com/office/drawing/2014/main" val="10008"/>
-                  </a:ext>
-                </a:extLst>
-              </a:tr>
-            </a:tbl>
-          </a:graphicData>
-        </a:graphic>
-      </p:graphicFrame>
-      <p:sp>
-        <p:nvSpPr>
-          <p:cNvPr id="85" name="Google Shape;85;p1"/>
-          <p:cNvSpPr/>
+      <p:sp>
+        <p:nvSpPr>
+          <p:cNvPr id="2" name="Title 1">
+            <a:extLst>
+              <a:ext uri="{FF2B5EF4-FFF2-40B4-BE49-F238E27FC236}">
+                <a16:creationId xmlns:a16="http://schemas.microsoft.com/office/drawing/2014/main" id="{2DE6455C-2B87-49DD-B8AB-6F74061EEC7E}"/>
+              </a:ext>
+            </a:extLst>
+          </p:cNvPr>
+          <p:cNvSpPr>
+            <a:spLocks noGrp="1"/>
+          </p:cNvSpPr>
+          <p:nvPr>
+            <p:ph type="title"/>
+          </p:nvPr>
+        </p:nvSpPr>
+        <p:spPr/>
+        <p:txBody>
+          <a:bodyPr/>
+          <a:lstStyle/>
+          <a:p>
+            <a:r>
+              <a:rPr lang="en-GB" dirty="0"/>
+              <a:t>Story Map</a:t>
+            </a:r>
+          </a:p>
+        </p:txBody>
+      </p:sp>
+      <p:sp>
+        <p:nvSpPr>
+          <p:cNvPr id="4" name="TextBox 3">
+            <a:extLst>
+              <a:ext uri="{FF2B5EF4-FFF2-40B4-BE49-F238E27FC236}">
+                <a16:creationId xmlns:a16="http://schemas.microsoft.com/office/drawing/2014/main" id="{4C45B761-431C-4F74-8EAA-32576AA4A03D}"/>
+              </a:ext>
+            </a:extLst>
+          </p:cNvPr>
+          <p:cNvSpPr txBox="1"/>
           <p:nvPr/>
         </p:nvSpPr>
         <p:spPr>
           <a:xfrm>
-            <a:off x="4792488" y="177047"/>
-            <a:ext cx="2860500" cy="556500"/>
+            <a:off x="671120" y="1371599"/>
+            <a:ext cx="1132514" cy="4524315"/>
           </a:xfrm>
-          <a:prstGeom prst="roundRect">
-            <a:avLst>
-              <a:gd name="adj" fmla="val 16667"/>
-            </a:avLst>
+          <a:prstGeom prst="rect">
+            <a:avLst/>
           </a:prstGeom>
-          <a:solidFill>
-            <a:schemeClr val="accent1"/>
-          </a:solidFill>
-          <a:ln w="12700" cap="flat" cmpd="sng">
-            <a:solidFill>
-              <a:srgbClr val="31538F"/>
-            </a:solidFill>
-            <a:prstDash val="solid"/>
-            <a:miter lim="800000"/>
-            <a:headEnd type="none" w="sm" len="sm"/>
-            <a:tailEnd type="none" w="sm" len="sm"/>
-          </a:ln>
+          <a:noFill/>
         </p:spPr>
         <p:txBody>
-          <a:bodyPr spcFirstLastPara="1" wrap="square" lIns="91425" tIns="45700" rIns="91425" bIns="45700" anchor="ctr" anchorCtr="0">
-            <a:noAutofit/>
+          <a:bodyPr wrap="square" rtlCol="0">
+            <a:spAutoFit/>
           </a:bodyPr>
           <a:lstStyle/>
           <a:p>
-            <a:pPr marL="0" marR="0" lvl="0" indent="0" algn="ctr" rtl="0">
-              <a:spcBef>
-                <a:spcPts val="0"/>
-              </a:spcBef>
-              <a:spcAft>
-                <a:spcPts val="0"/>
-              </a:spcAft>
-              <a:buNone/>
-            </a:pPr>
-            <a:r>
-              <a:rPr lang="en-GB" sz="1800" b="0" i="0" u="none" strike="noStrike" cap="none">
+            <a:r>
+              <a:rPr lang="en-GB" dirty="0">
                 <a:solidFill>
-                  <a:schemeClr val="lt1"/>
+                  <a:schemeClr val="bg1"/>
                 </a:solidFill>
-                <a:latin typeface="Calibri"/>
-                <a:ea typeface="Calibri"/>
-                <a:cs typeface="Calibri"/>
-                <a:sym typeface="Calibri"/>
               </a:rPr>
-              <a:t>Risk Assessment - Project</a:t>
-            </a:r>
-            <a:endParaRPr/>
+              <a:t>User activities</a:t>
+            </a:r>
+          </a:p>
+          <a:p>
+            <a:endParaRPr lang="en-GB" dirty="0">
+              <a:solidFill>
+                <a:schemeClr val="bg1"/>
+              </a:solidFill>
+            </a:endParaRPr>
+          </a:p>
+          <a:p>
+            <a:r>
+              <a:rPr lang="en-GB" dirty="0">
+                <a:solidFill>
+                  <a:schemeClr val="bg1"/>
+                </a:solidFill>
+              </a:rPr>
+              <a:t>User tasks</a:t>
+            </a:r>
+          </a:p>
+          <a:p>
+            <a:endParaRPr lang="en-GB" dirty="0">
+              <a:solidFill>
+                <a:schemeClr val="bg1"/>
+              </a:solidFill>
+            </a:endParaRPr>
+          </a:p>
+          <a:p>
+            <a:endParaRPr lang="en-GB" dirty="0">
+              <a:solidFill>
+                <a:schemeClr val="bg1"/>
+              </a:solidFill>
+            </a:endParaRPr>
+          </a:p>
+          <a:p>
+            <a:r>
+              <a:rPr lang="en-GB" dirty="0">
+                <a:solidFill>
+                  <a:schemeClr val="bg1"/>
+                </a:solidFill>
+              </a:rPr>
+              <a:t>User stories</a:t>
+            </a:r>
+          </a:p>
+          <a:p>
+            <a:endParaRPr lang="en-GB" dirty="0">
+              <a:solidFill>
+                <a:schemeClr val="bg1"/>
+              </a:solidFill>
+            </a:endParaRPr>
+          </a:p>
+          <a:p>
+            <a:endParaRPr lang="en-GB" dirty="0">
+              <a:solidFill>
+                <a:schemeClr val="bg1"/>
+              </a:solidFill>
+            </a:endParaRPr>
+          </a:p>
+          <a:p>
+            <a:endParaRPr lang="en-GB" dirty="0">
+              <a:solidFill>
+                <a:schemeClr val="bg1"/>
+              </a:solidFill>
+            </a:endParaRPr>
+          </a:p>
+          <a:p>
+            <a:endParaRPr lang="en-GB" dirty="0">
+              <a:solidFill>
+                <a:schemeClr val="bg1"/>
+              </a:solidFill>
+            </a:endParaRPr>
+          </a:p>
+          <a:p>
+            <a:endParaRPr lang="en-GB" dirty="0">
+              <a:solidFill>
+                <a:schemeClr val="bg1"/>
+              </a:solidFill>
+            </a:endParaRPr>
+          </a:p>
+          <a:p>
+            <a:endParaRPr lang="en-GB" dirty="0">
+              <a:solidFill>
+                <a:schemeClr val="bg1"/>
+              </a:solidFill>
+            </a:endParaRPr>
+          </a:p>
+          <a:p>
+            <a:endParaRPr lang="en-GB" dirty="0">
+              <a:solidFill>
+                <a:schemeClr val="bg1"/>
+              </a:solidFill>
+            </a:endParaRPr>
+          </a:p>
+          <a:p>
+            <a:endParaRPr lang="en-GB" dirty="0">
+              <a:solidFill>
+                <a:schemeClr val="bg1"/>
+              </a:solidFill>
+            </a:endParaRPr>
+          </a:p>
+        </p:txBody>
+      </p:sp>
+      <p:sp>
+        <p:nvSpPr>
+          <p:cNvPr id="5" name="TextBox 4">
+            <a:extLst>
+              <a:ext uri="{FF2B5EF4-FFF2-40B4-BE49-F238E27FC236}">
+                <a16:creationId xmlns:a16="http://schemas.microsoft.com/office/drawing/2014/main" id="{027AD365-E1A6-4BF7-9373-D2F79EB38F9B}"/>
+              </a:ext>
+            </a:extLst>
+          </p:cNvPr>
+          <p:cNvSpPr txBox="1"/>
+          <p:nvPr/>
+        </p:nvSpPr>
+        <p:spPr>
+          <a:xfrm>
+            <a:off x="3302466" y="1413577"/>
+            <a:ext cx="1536582" cy="646331"/>
+          </a:xfrm>
+          <a:prstGeom prst="rect">
+            <a:avLst/>
+          </a:prstGeom>
+          <a:noFill/>
+        </p:spPr>
+        <p:txBody>
+          <a:bodyPr wrap="square" rtlCol="0">
+            <a:spAutoFit/>
+          </a:bodyPr>
+          <a:lstStyle/>
+          <a:p>
+            <a:r>
+              <a:rPr lang="en-GB" dirty="0">
+                <a:solidFill>
+                  <a:schemeClr val="bg1"/>
+                </a:solidFill>
+              </a:rPr>
+              <a:t>Flight management</a:t>
+            </a:r>
+          </a:p>
+        </p:txBody>
+      </p:sp>
+      <p:sp>
+        <p:nvSpPr>
+          <p:cNvPr id="6" name="TextBox 5">
+            <a:extLst>
+              <a:ext uri="{FF2B5EF4-FFF2-40B4-BE49-F238E27FC236}">
+                <a16:creationId xmlns:a16="http://schemas.microsoft.com/office/drawing/2014/main" id="{71038A87-02C1-44AB-8398-20852E0371E1}"/>
+              </a:ext>
+            </a:extLst>
+          </p:cNvPr>
+          <p:cNvSpPr txBox="1"/>
+          <p:nvPr/>
+        </p:nvSpPr>
+        <p:spPr>
+          <a:xfrm>
+            <a:off x="2462171" y="2326290"/>
+            <a:ext cx="3015840" cy="307777"/>
+          </a:xfrm>
+          <a:prstGeom prst="rect">
+            <a:avLst/>
+          </a:prstGeom>
+          <a:noFill/>
+        </p:spPr>
+        <p:txBody>
+          <a:bodyPr wrap="square" rtlCol="0">
+            <a:spAutoFit/>
+          </a:bodyPr>
+          <a:lstStyle/>
+          <a:p>
+            <a:r>
+              <a:rPr lang="en-GB" sz="1400" dirty="0">
+                <a:solidFill>
+                  <a:schemeClr val="bg1"/>
+                </a:solidFill>
+              </a:rPr>
+              <a:t>Search / Book / Cancel / Pay for a flight</a:t>
+            </a:r>
+          </a:p>
+        </p:txBody>
+      </p:sp>
+      <p:sp>
+        <p:nvSpPr>
+          <p:cNvPr id="7" name="TextBox 6">
+            <a:extLst>
+              <a:ext uri="{FF2B5EF4-FFF2-40B4-BE49-F238E27FC236}">
+                <a16:creationId xmlns:a16="http://schemas.microsoft.com/office/drawing/2014/main" id="{E1C6D520-951B-4A8F-89F0-645DBB997D02}"/>
+              </a:ext>
+            </a:extLst>
+          </p:cNvPr>
+          <p:cNvSpPr txBox="1"/>
+          <p:nvPr/>
+        </p:nvSpPr>
+        <p:spPr>
+          <a:xfrm>
+            <a:off x="5568892" y="1371599"/>
+            <a:ext cx="1536582" cy="646331"/>
+          </a:xfrm>
+          <a:prstGeom prst="rect">
+            <a:avLst/>
+          </a:prstGeom>
+          <a:noFill/>
+        </p:spPr>
+        <p:txBody>
+          <a:bodyPr wrap="square" rtlCol="0">
+            <a:spAutoFit/>
+          </a:bodyPr>
+          <a:lstStyle/>
+          <a:p>
+            <a:r>
+              <a:rPr lang="en-GB" dirty="0">
+                <a:solidFill>
+                  <a:schemeClr val="bg1"/>
+                </a:solidFill>
+              </a:rPr>
+              <a:t>Account management</a:t>
+            </a:r>
+          </a:p>
+        </p:txBody>
+      </p:sp>
+      <p:sp>
+        <p:nvSpPr>
+          <p:cNvPr id="8" name="TextBox 7">
+            <a:extLst>
+              <a:ext uri="{FF2B5EF4-FFF2-40B4-BE49-F238E27FC236}">
+                <a16:creationId xmlns:a16="http://schemas.microsoft.com/office/drawing/2014/main" id="{E579A0CC-ADC6-42CE-9875-6227F50BC3D5}"/>
+              </a:ext>
+            </a:extLst>
+          </p:cNvPr>
+          <p:cNvSpPr txBox="1"/>
+          <p:nvPr/>
+        </p:nvSpPr>
+        <p:spPr>
+          <a:xfrm>
+            <a:off x="5652081" y="2316441"/>
+            <a:ext cx="1347135" cy="523220"/>
+          </a:xfrm>
+          <a:prstGeom prst="rect">
+            <a:avLst/>
+          </a:prstGeom>
+          <a:noFill/>
+        </p:spPr>
+        <p:txBody>
+          <a:bodyPr wrap="square" rtlCol="0">
+            <a:spAutoFit/>
+          </a:bodyPr>
+          <a:lstStyle/>
+          <a:p>
+            <a:r>
+              <a:rPr lang="en-GB" sz="1400" dirty="0">
+                <a:solidFill>
+                  <a:schemeClr val="bg1"/>
+                </a:solidFill>
+              </a:rPr>
+              <a:t>Create / Delete account</a:t>
+            </a:r>
+          </a:p>
+        </p:txBody>
+      </p:sp>
+      <p:sp>
+        <p:nvSpPr>
+          <p:cNvPr id="9" name="TextBox 8">
+            <a:extLst>
+              <a:ext uri="{FF2B5EF4-FFF2-40B4-BE49-F238E27FC236}">
+                <a16:creationId xmlns:a16="http://schemas.microsoft.com/office/drawing/2014/main" id="{1C51A210-5C88-44B5-A146-5D35065C9FCC}"/>
+              </a:ext>
+            </a:extLst>
+          </p:cNvPr>
+          <p:cNvSpPr txBox="1"/>
+          <p:nvPr/>
+        </p:nvSpPr>
+        <p:spPr>
+          <a:xfrm>
+            <a:off x="9047527" y="1413577"/>
+            <a:ext cx="914400" cy="369332"/>
+          </a:xfrm>
+          <a:prstGeom prst="rect">
+            <a:avLst/>
+          </a:prstGeom>
+          <a:noFill/>
+        </p:spPr>
+        <p:txBody>
+          <a:bodyPr wrap="square" rtlCol="0">
+            <a:spAutoFit/>
+          </a:bodyPr>
+          <a:lstStyle/>
+          <a:p>
+            <a:r>
+              <a:rPr lang="en-GB" dirty="0">
+                <a:solidFill>
+                  <a:schemeClr val="bg1"/>
+                </a:solidFill>
+              </a:rPr>
+              <a:t>Admin</a:t>
+            </a:r>
+          </a:p>
+        </p:txBody>
+      </p:sp>
+      <p:sp>
+        <p:nvSpPr>
+          <p:cNvPr id="10" name="TextBox 9">
+            <a:extLst>
+              <a:ext uri="{FF2B5EF4-FFF2-40B4-BE49-F238E27FC236}">
+                <a16:creationId xmlns:a16="http://schemas.microsoft.com/office/drawing/2014/main" id="{EA7C2083-BDDC-48A5-923D-3CAF404B512C}"/>
+              </a:ext>
+            </a:extLst>
+          </p:cNvPr>
+          <p:cNvSpPr txBox="1"/>
+          <p:nvPr/>
+        </p:nvSpPr>
+        <p:spPr>
+          <a:xfrm>
+            <a:off x="7835318" y="2281939"/>
+            <a:ext cx="1669409" cy="523220"/>
+          </a:xfrm>
+          <a:prstGeom prst="rect">
+            <a:avLst/>
+          </a:prstGeom>
+          <a:noFill/>
+        </p:spPr>
+        <p:txBody>
+          <a:bodyPr wrap="square" rtlCol="0">
+            <a:spAutoFit/>
+          </a:bodyPr>
+          <a:lstStyle/>
+          <a:p>
+            <a:r>
+              <a:rPr lang="en-GB" sz="1400" dirty="0">
+                <a:solidFill>
+                  <a:schemeClr val="bg1"/>
+                </a:solidFill>
+              </a:rPr>
+              <a:t>Add/remove/check flights</a:t>
+            </a:r>
+          </a:p>
+        </p:txBody>
+      </p:sp>
+      <p:sp>
+        <p:nvSpPr>
+          <p:cNvPr id="11" name="TextBox 10">
+            <a:extLst>
+              <a:ext uri="{FF2B5EF4-FFF2-40B4-BE49-F238E27FC236}">
+                <a16:creationId xmlns:a16="http://schemas.microsoft.com/office/drawing/2014/main" id="{A682DCBD-5B74-4FF6-BD91-1CC17BC4F182}"/>
+              </a:ext>
+            </a:extLst>
+          </p:cNvPr>
+          <p:cNvSpPr txBox="1"/>
+          <p:nvPr/>
+        </p:nvSpPr>
+        <p:spPr>
+          <a:xfrm>
+            <a:off x="9504727" y="2100997"/>
+            <a:ext cx="1449194" cy="738664"/>
+          </a:xfrm>
+          <a:prstGeom prst="rect">
+            <a:avLst/>
+          </a:prstGeom>
+          <a:noFill/>
+        </p:spPr>
+        <p:txBody>
+          <a:bodyPr wrap="square" rtlCol="0">
+            <a:spAutoFit/>
+          </a:bodyPr>
+          <a:lstStyle/>
+          <a:p>
+            <a:r>
+              <a:rPr lang="en-GB" sz="1400" dirty="0">
+                <a:solidFill>
+                  <a:schemeClr val="bg1"/>
+                </a:solidFill>
+              </a:rPr>
+              <a:t>View audit logs / send a secure message</a:t>
+            </a:r>
+          </a:p>
+        </p:txBody>
+      </p:sp>
+      <p:sp>
+        <p:nvSpPr>
+          <p:cNvPr id="12" name="TextBox 11">
+            <a:extLst>
+              <a:ext uri="{FF2B5EF4-FFF2-40B4-BE49-F238E27FC236}">
+                <a16:creationId xmlns:a16="http://schemas.microsoft.com/office/drawing/2014/main" id="{E4AA30FE-4DFD-4E9E-A597-F6272722C2A7}"/>
+              </a:ext>
+            </a:extLst>
+          </p:cNvPr>
+          <p:cNvSpPr txBox="1"/>
+          <p:nvPr/>
+        </p:nvSpPr>
+        <p:spPr>
+          <a:xfrm>
+            <a:off x="3302466" y="3062310"/>
+            <a:ext cx="1132513" cy="830997"/>
+          </a:xfrm>
+          <a:prstGeom prst="rect">
+            <a:avLst/>
+          </a:prstGeom>
+          <a:noFill/>
+        </p:spPr>
+        <p:txBody>
+          <a:bodyPr wrap="square" rtlCol="0">
+            <a:spAutoFit/>
+          </a:bodyPr>
+          <a:lstStyle/>
+          <a:p>
+            <a:r>
+              <a:rPr lang="en-GB" sz="1200" dirty="0">
+                <a:solidFill>
+                  <a:schemeClr val="bg1"/>
+                </a:solidFill>
+              </a:rPr>
+              <a:t>Customer logs in, searches for an then books a flight</a:t>
+            </a:r>
+          </a:p>
+        </p:txBody>
+      </p:sp>
+      <p:sp>
+        <p:nvSpPr>
+          <p:cNvPr id="13" name="TextBox 12">
+            <a:extLst>
+              <a:ext uri="{FF2B5EF4-FFF2-40B4-BE49-F238E27FC236}">
+                <a16:creationId xmlns:a16="http://schemas.microsoft.com/office/drawing/2014/main" id="{77E39B55-6F7C-4725-8F61-82CA3021F724}"/>
+              </a:ext>
+            </a:extLst>
+          </p:cNvPr>
+          <p:cNvSpPr txBox="1"/>
+          <p:nvPr/>
+        </p:nvSpPr>
+        <p:spPr>
+          <a:xfrm>
+            <a:off x="7798268" y="4052842"/>
+            <a:ext cx="1132514" cy="646331"/>
+          </a:xfrm>
+          <a:prstGeom prst="rect">
+            <a:avLst/>
+          </a:prstGeom>
+          <a:noFill/>
+        </p:spPr>
+        <p:txBody>
+          <a:bodyPr wrap="square" rtlCol="0">
+            <a:spAutoFit/>
+          </a:bodyPr>
+          <a:lstStyle/>
+          <a:p>
+            <a:r>
+              <a:rPr lang="en-GB" sz="1200" dirty="0">
+                <a:solidFill>
+                  <a:schemeClr val="bg1"/>
+                </a:solidFill>
+              </a:rPr>
+              <a:t>Administrator adds/removes a flight</a:t>
+            </a:r>
+          </a:p>
+        </p:txBody>
+      </p:sp>
+      <p:sp>
+        <p:nvSpPr>
+          <p:cNvPr id="14" name="TextBox 13">
+            <a:extLst>
+              <a:ext uri="{FF2B5EF4-FFF2-40B4-BE49-F238E27FC236}">
+                <a16:creationId xmlns:a16="http://schemas.microsoft.com/office/drawing/2014/main" id="{9F9F61B0-F24F-4B0F-ADF1-2217B1D931F3}"/>
+              </a:ext>
+            </a:extLst>
+          </p:cNvPr>
+          <p:cNvSpPr txBox="1"/>
+          <p:nvPr/>
+        </p:nvSpPr>
+        <p:spPr>
+          <a:xfrm>
+            <a:off x="3479334" y="4294443"/>
+            <a:ext cx="914400" cy="646331"/>
+          </a:xfrm>
+          <a:prstGeom prst="rect">
+            <a:avLst/>
+          </a:prstGeom>
+          <a:noFill/>
+        </p:spPr>
+        <p:txBody>
+          <a:bodyPr wrap="square" rtlCol="0">
+            <a:spAutoFit/>
+          </a:bodyPr>
+          <a:lstStyle/>
+          <a:p>
+            <a:r>
+              <a:rPr lang="en-GB" sz="1200" dirty="0">
+                <a:solidFill>
+                  <a:schemeClr val="bg1"/>
+                </a:solidFill>
+              </a:rPr>
+              <a:t>Customer pays for a flight</a:t>
+            </a:r>
+          </a:p>
+        </p:txBody>
+      </p:sp>
+      <p:sp>
+        <p:nvSpPr>
+          <p:cNvPr id="15" name="TextBox 14">
+            <a:extLst>
+              <a:ext uri="{FF2B5EF4-FFF2-40B4-BE49-F238E27FC236}">
+                <a16:creationId xmlns:a16="http://schemas.microsoft.com/office/drawing/2014/main" id="{7AF453B2-F118-4DE9-BFF9-6B9BCD77234D}"/>
+              </a:ext>
+            </a:extLst>
+          </p:cNvPr>
+          <p:cNvSpPr txBox="1"/>
+          <p:nvPr/>
+        </p:nvSpPr>
+        <p:spPr>
+          <a:xfrm>
+            <a:off x="4293768" y="4294442"/>
+            <a:ext cx="914400" cy="646331"/>
+          </a:xfrm>
+          <a:prstGeom prst="rect">
+            <a:avLst/>
+          </a:prstGeom>
+          <a:noFill/>
+        </p:spPr>
+        <p:txBody>
+          <a:bodyPr wrap="square" rtlCol="0">
+            <a:spAutoFit/>
+          </a:bodyPr>
+          <a:lstStyle/>
+          <a:p>
+            <a:r>
+              <a:rPr lang="en-GB" sz="1200" dirty="0">
+                <a:solidFill>
+                  <a:schemeClr val="bg1"/>
+                </a:solidFill>
+              </a:rPr>
+              <a:t>Customer cancels a flight</a:t>
+            </a:r>
+          </a:p>
+        </p:txBody>
+      </p:sp>
+      <p:sp>
+        <p:nvSpPr>
+          <p:cNvPr id="16" name="TextBox 15">
+            <a:extLst>
+              <a:ext uri="{FF2B5EF4-FFF2-40B4-BE49-F238E27FC236}">
+                <a16:creationId xmlns:a16="http://schemas.microsoft.com/office/drawing/2014/main" id="{2897D201-5E2B-4ED2-8B35-DF24BD986E7B}"/>
+              </a:ext>
+            </a:extLst>
+          </p:cNvPr>
+          <p:cNvSpPr txBox="1"/>
+          <p:nvPr/>
+        </p:nvSpPr>
+        <p:spPr>
+          <a:xfrm>
+            <a:off x="5626213" y="3033591"/>
+            <a:ext cx="914400" cy="646331"/>
+          </a:xfrm>
+          <a:prstGeom prst="rect">
+            <a:avLst/>
+          </a:prstGeom>
+          <a:noFill/>
+        </p:spPr>
+        <p:txBody>
+          <a:bodyPr wrap="square" rtlCol="0">
+            <a:spAutoFit/>
+          </a:bodyPr>
+          <a:lstStyle/>
+          <a:p>
+            <a:r>
+              <a:rPr lang="en-GB" sz="1200" dirty="0">
+                <a:solidFill>
+                  <a:schemeClr val="bg1"/>
+                </a:solidFill>
+              </a:rPr>
+              <a:t>Customer creates an account</a:t>
+            </a:r>
+          </a:p>
+        </p:txBody>
+      </p:sp>
+      <p:sp>
+        <p:nvSpPr>
+          <p:cNvPr id="17" name="TextBox 16">
+            <a:extLst>
+              <a:ext uri="{FF2B5EF4-FFF2-40B4-BE49-F238E27FC236}">
+                <a16:creationId xmlns:a16="http://schemas.microsoft.com/office/drawing/2014/main" id="{125E644A-7456-47E0-9464-829972F47F9B}"/>
+              </a:ext>
+            </a:extLst>
+          </p:cNvPr>
+          <p:cNvSpPr txBox="1"/>
+          <p:nvPr/>
+        </p:nvSpPr>
+        <p:spPr>
+          <a:xfrm>
+            <a:off x="9168654" y="4083807"/>
+            <a:ext cx="2023145" cy="461665"/>
+          </a:xfrm>
+          <a:prstGeom prst="rect">
+            <a:avLst/>
+          </a:prstGeom>
+          <a:noFill/>
+        </p:spPr>
+        <p:txBody>
+          <a:bodyPr wrap="square" rtlCol="0">
+            <a:spAutoFit/>
+          </a:bodyPr>
+          <a:lstStyle/>
+          <a:p>
+            <a:r>
+              <a:rPr lang="en-GB" sz="1200" dirty="0">
+                <a:solidFill>
+                  <a:schemeClr val="bg1"/>
+                </a:solidFill>
+              </a:rPr>
+              <a:t>Administrator sends a secure message to a customer</a:t>
+            </a:r>
+          </a:p>
+        </p:txBody>
+      </p:sp>
+      <p:sp>
+        <p:nvSpPr>
+          <p:cNvPr id="18" name="TextBox 17">
+            <a:extLst>
+              <a:ext uri="{FF2B5EF4-FFF2-40B4-BE49-F238E27FC236}">
+                <a16:creationId xmlns:a16="http://schemas.microsoft.com/office/drawing/2014/main" id="{FC1A53E5-A29E-49BE-81C7-2397562AF4EE}"/>
+              </a:ext>
+            </a:extLst>
+          </p:cNvPr>
+          <p:cNvSpPr txBox="1"/>
+          <p:nvPr/>
+        </p:nvSpPr>
+        <p:spPr>
+          <a:xfrm>
+            <a:off x="9168654" y="6064605"/>
+            <a:ext cx="1476462" cy="461665"/>
+          </a:xfrm>
+          <a:prstGeom prst="rect">
+            <a:avLst/>
+          </a:prstGeom>
+          <a:noFill/>
+        </p:spPr>
+        <p:txBody>
+          <a:bodyPr wrap="square" rtlCol="0">
+            <a:spAutoFit/>
+          </a:bodyPr>
+          <a:lstStyle/>
+          <a:p>
+            <a:r>
+              <a:rPr lang="en-GB" sz="1200" dirty="0">
+                <a:solidFill>
+                  <a:schemeClr val="bg1"/>
+                </a:solidFill>
+              </a:rPr>
+              <a:t>Administrator looks at security logs</a:t>
+            </a:r>
+          </a:p>
+        </p:txBody>
+      </p:sp>
+      <p:sp>
+        <p:nvSpPr>
+          <p:cNvPr id="19" name="TextBox 18">
+            <a:extLst>
+              <a:ext uri="{FF2B5EF4-FFF2-40B4-BE49-F238E27FC236}">
+                <a16:creationId xmlns:a16="http://schemas.microsoft.com/office/drawing/2014/main" id="{0FDEF6CF-D8EB-4A86-A91D-45E883DCD6F9}"/>
+              </a:ext>
+            </a:extLst>
+          </p:cNvPr>
+          <p:cNvSpPr txBox="1"/>
+          <p:nvPr/>
+        </p:nvSpPr>
+        <p:spPr>
+          <a:xfrm>
+            <a:off x="6254691" y="5434249"/>
+            <a:ext cx="1273032" cy="461665"/>
+          </a:xfrm>
+          <a:prstGeom prst="rect">
+            <a:avLst/>
+          </a:prstGeom>
+          <a:noFill/>
+        </p:spPr>
+        <p:txBody>
+          <a:bodyPr wrap="square" rtlCol="0">
+            <a:spAutoFit/>
+          </a:bodyPr>
+          <a:lstStyle/>
+          <a:p>
+            <a:r>
+              <a:rPr lang="en-GB" sz="1200" dirty="0">
+                <a:solidFill>
+                  <a:schemeClr val="bg1"/>
+                </a:solidFill>
+              </a:rPr>
+              <a:t>Customer deletes account</a:t>
+            </a:r>
+          </a:p>
+        </p:txBody>
+      </p:sp>
+      <p:sp>
+        <p:nvSpPr>
+          <p:cNvPr id="20" name="TextBox 19">
+            <a:extLst>
+              <a:ext uri="{FF2B5EF4-FFF2-40B4-BE49-F238E27FC236}">
+                <a16:creationId xmlns:a16="http://schemas.microsoft.com/office/drawing/2014/main" id="{66E0164A-6D8E-4A81-8847-9B6F6B925DE6}"/>
+              </a:ext>
+            </a:extLst>
+          </p:cNvPr>
+          <p:cNvSpPr txBox="1"/>
+          <p:nvPr/>
+        </p:nvSpPr>
+        <p:spPr>
+          <a:xfrm>
+            <a:off x="9168654" y="5457189"/>
+            <a:ext cx="1897122" cy="276999"/>
+          </a:xfrm>
+          <a:prstGeom prst="rect">
+            <a:avLst/>
+          </a:prstGeom>
+          <a:noFill/>
+        </p:spPr>
+        <p:txBody>
+          <a:bodyPr wrap="none" rtlCol="0">
+            <a:spAutoFit/>
+          </a:bodyPr>
+          <a:lstStyle/>
+          <a:p>
+            <a:r>
+              <a:rPr lang="en-GB" sz="1200" dirty="0">
+                <a:solidFill>
+                  <a:schemeClr val="bg1"/>
+                </a:solidFill>
+              </a:rPr>
+              <a:t>Administrator looks at stats</a:t>
+            </a:r>
+          </a:p>
+        </p:txBody>
+      </p:sp>
+      <p:sp>
+        <p:nvSpPr>
+          <p:cNvPr id="21" name="TextBox 20">
+            <a:extLst>
+              <a:ext uri="{FF2B5EF4-FFF2-40B4-BE49-F238E27FC236}">
+                <a16:creationId xmlns:a16="http://schemas.microsoft.com/office/drawing/2014/main" id="{FDBF4D74-B481-4183-8084-0F6557F5EAA5}"/>
+              </a:ext>
+            </a:extLst>
+          </p:cNvPr>
+          <p:cNvSpPr txBox="1"/>
+          <p:nvPr/>
+        </p:nvSpPr>
+        <p:spPr>
+          <a:xfrm>
+            <a:off x="1621800" y="3172090"/>
+            <a:ext cx="867610" cy="369332"/>
+          </a:xfrm>
+          <a:prstGeom prst="rect">
+            <a:avLst/>
+          </a:prstGeom>
+          <a:noFill/>
+        </p:spPr>
+        <p:txBody>
+          <a:bodyPr wrap="none" rtlCol="0">
+            <a:spAutoFit/>
+          </a:bodyPr>
+          <a:lstStyle/>
+          <a:p>
+            <a:r>
+              <a:rPr lang="en-GB" dirty="0">
+                <a:solidFill>
+                  <a:schemeClr val="bg1"/>
+                </a:solidFill>
+              </a:rPr>
+              <a:t>Stage 1</a:t>
+            </a:r>
+          </a:p>
+        </p:txBody>
+      </p:sp>
+      <p:sp>
+        <p:nvSpPr>
+          <p:cNvPr id="22" name="TextBox 21">
+            <a:extLst>
+              <a:ext uri="{FF2B5EF4-FFF2-40B4-BE49-F238E27FC236}">
+                <a16:creationId xmlns:a16="http://schemas.microsoft.com/office/drawing/2014/main" id="{942FFCE0-02FB-4F64-B78F-34CD4F8CDAC1}"/>
+              </a:ext>
+            </a:extLst>
+          </p:cNvPr>
+          <p:cNvSpPr txBox="1"/>
+          <p:nvPr/>
+        </p:nvSpPr>
+        <p:spPr>
+          <a:xfrm>
+            <a:off x="1608519" y="4360806"/>
+            <a:ext cx="867610" cy="369332"/>
+          </a:xfrm>
+          <a:prstGeom prst="rect">
+            <a:avLst/>
+          </a:prstGeom>
+          <a:noFill/>
+        </p:spPr>
+        <p:txBody>
+          <a:bodyPr wrap="none" rtlCol="0">
+            <a:spAutoFit/>
+          </a:bodyPr>
+          <a:lstStyle/>
+          <a:p>
+            <a:r>
+              <a:rPr lang="en-GB" dirty="0">
+                <a:solidFill>
+                  <a:schemeClr val="bg1"/>
+                </a:solidFill>
+              </a:rPr>
+              <a:t>Stage 2</a:t>
+            </a:r>
+          </a:p>
+        </p:txBody>
+      </p:sp>
+      <p:sp>
+        <p:nvSpPr>
+          <p:cNvPr id="23" name="TextBox 22">
+            <a:extLst>
+              <a:ext uri="{FF2B5EF4-FFF2-40B4-BE49-F238E27FC236}">
+                <a16:creationId xmlns:a16="http://schemas.microsoft.com/office/drawing/2014/main" id="{E738C715-7B4B-411B-8F75-E2EB17DE4074}"/>
+              </a:ext>
+            </a:extLst>
+          </p:cNvPr>
+          <p:cNvSpPr txBox="1"/>
+          <p:nvPr/>
+        </p:nvSpPr>
+        <p:spPr>
+          <a:xfrm>
+            <a:off x="1583352" y="5364856"/>
+            <a:ext cx="867610" cy="369332"/>
+          </a:xfrm>
+          <a:prstGeom prst="rect">
+            <a:avLst/>
+          </a:prstGeom>
+          <a:noFill/>
+        </p:spPr>
+        <p:txBody>
+          <a:bodyPr wrap="none" rtlCol="0">
+            <a:spAutoFit/>
+          </a:bodyPr>
+          <a:lstStyle/>
+          <a:p>
+            <a:r>
+              <a:rPr lang="en-GB" dirty="0">
+                <a:solidFill>
+                  <a:schemeClr val="bg1"/>
+                </a:solidFill>
+              </a:rPr>
+              <a:t>Stage 3</a:t>
+            </a:r>
+          </a:p>
+        </p:txBody>
+      </p:sp>
+      <p:sp>
+        <p:nvSpPr>
+          <p:cNvPr id="24" name="TextBox 23">
+            <a:extLst>
+              <a:ext uri="{FF2B5EF4-FFF2-40B4-BE49-F238E27FC236}">
+                <a16:creationId xmlns:a16="http://schemas.microsoft.com/office/drawing/2014/main" id="{5B276DD6-6306-480C-928E-BB445C59C8F5}"/>
+              </a:ext>
+            </a:extLst>
+          </p:cNvPr>
+          <p:cNvSpPr txBox="1"/>
+          <p:nvPr/>
+        </p:nvSpPr>
+        <p:spPr>
+          <a:xfrm>
+            <a:off x="1621800" y="6295438"/>
+            <a:ext cx="867610" cy="369332"/>
+          </a:xfrm>
+          <a:prstGeom prst="rect">
+            <a:avLst/>
+          </a:prstGeom>
+          <a:noFill/>
+        </p:spPr>
+        <p:txBody>
+          <a:bodyPr wrap="none" rtlCol="0">
+            <a:spAutoFit/>
+          </a:bodyPr>
+          <a:lstStyle/>
+          <a:p>
+            <a:r>
+              <a:rPr lang="en-GB" dirty="0">
+                <a:solidFill>
+                  <a:schemeClr val="bg1"/>
+                </a:solidFill>
+              </a:rPr>
+              <a:t>Stage 4</a:t>
+            </a:r>
           </a:p>
         </p:txBody>
       </p:sp>
     </p:spTree>
+    <p:extLst>
+      <p:ext uri="{BB962C8B-B14F-4D97-AF65-F5344CB8AC3E}">
+        <p14:creationId xmlns:p14="http://schemas.microsoft.com/office/powerpoint/2010/main" val="822419268"/>
+      </p:ext>
+    </p:extLst>
   </p:cSld>
   <p:clrMapOvr>
     <a:masterClrMapping/>
@@ -6147,7 +7192,7 @@
   <p:cSld>
     <p:spTree>
       <p:nvGrpSpPr>
-        <p:cNvPr id="1" name="Shape 89"/>
+        <p:cNvPr id="1" name=""/>
         <p:cNvGrpSpPr/>
         <p:nvPr/>
       </p:nvGrpSpPr>
@@ -6159,11 +7204,1748 @@
           <a:chExt cx="0" cy="0"/>
         </a:xfrm>
       </p:grpSpPr>
+      <p:sp>
+        <p:nvSpPr>
+          <p:cNvPr id="2" name="Title 1">
+            <a:extLst>
+              <a:ext uri="{FF2B5EF4-FFF2-40B4-BE49-F238E27FC236}">
+                <a16:creationId xmlns:a16="http://schemas.microsoft.com/office/drawing/2014/main" id="{EF431E20-CF03-4A3D-9423-7904A2B23333}"/>
+              </a:ext>
+            </a:extLst>
+          </p:cNvPr>
+          <p:cNvSpPr>
+            <a:spLocks noGrp="1"/>
+          </p:cNvSpPr>
+          <p:nvPr>
+            <p:ph type="title"/>
+          </p:nvPr>
+        </p:nvSpPr>
+        <p:spPr/>
+        <p:txBody>
+          <a:bodyPr/>
+          <a:lstStyle/>
+          <a:p>
+            <a:r>
+              <a:rPr lang="en-GB" dirty="0"/>
+              <a:t>Risk Assessment – Project Scope</a:t>
+            </a:r>
+          </a:p>
+        </p:txBody>
+      </p:sp>
       <p:graphicFrame>
         <p:nvGraphicFramePr>
-          <p:cNvPr id="90" name="Google Shape;90;p2"/>
+          <p:cNvPr id="5" name="Google Shape;84;p1">
+            <a:extLst>
+              <a:ext uri="{FF2B5EF4-FFF2-40B4-BE49-F238E27FC236}">
+                <a16:creationId xmlns:a16="http://schemas.microsoft.com/office/drawing/2014/main" id="{2A5E3790-B250-4B65-8097-9B22BA65C854}"/>
+              </a:ext>
+            </a:extLst>
+          </p:cNvPr>
           <p:cNvGraphicFramePr/>
-          <p:nvPr/>
+          <p:nvPr>
+            <p:extLst>
+              <p:ext uri="{D42A27DB-BD31-4B8C-83A1-F6EECF244321}">
+                <p14:modId xmlns:p14="http://schemas.microsoft.com/office/powerpoint/2010/main" val="2206562656"/>
+              </p:ext>
+            </p:extLst>
+          </p:nvPr>
+        </p:nvGraphicFramePr>
+        <p:xfrm>
+          <a:off x="376031" y="1009889"/>
+          <a:ext cx="11439937" cy="5967014"/>
+        </p:xfrm>
+        <a:graphic>
+          <a:graphicData uri="http://schemas.openxmlformats.org/drawingml/2006/table">
+            <a:tbl>
+              <a:tblPr firstRow="1" bandRow="1">
+                <a:noFill/>
+              </a:tblPr>
+              <a:tblGrid>
+                <a:gridCol w="4554558">
+                  <a:extLst>
+                    <a:ext uri="{9D8B030D-6E8A-4147-A177-3AD203B41FA5}">
+                      <a16:colId xmlns:a16="http://schemas.microsoft.com/office/drawing/2014/main" val="20000"/>
+                    </a:ext>
+                  </a:extLst>
+                </a:gridCol>
+                <a:gridCol w="1165423">
+                  <a:extLst>
+                    <a:ext uri="{9D8B030D-6E8A-4147-A177-3AD203B41FA5}">
+                      <a16:colId xmlns:a16="http://schemas.microsoft.com/office/drawing/2014/main" val="20001"/>
+                    </a:ext>
+                  </a:extLst>
+                </a:gridCol>
+                <a:gridCol w="1364792">
+                  <a:extLst>
+                    <a:ext uri="{9D8B030D-6E8A-4147-A177-3AD203B41FA5}">
+                      <a16:colId xmlns:a16="http://schemas.microsoft.com/office/drawing/2014/main" val="20002"/>
+                    </a:ext>
+                  </a:extLst>
+                </a:gridCol>
+                <a:gridCol w="4355164">
+                  <a:extLst>
+                    <a:ext uri="{9D8B030D-6E8A-4147-A177-3AD203B41FA5}">
+                      <a16:colId xmlns:a16="http://schemas.microsoft.com/office/drawing/2014/main" val="20003"/>
+                    </a:ext>
+                  </a:extLst>
+                </a:gridCol>
+              </a:tblGrid>
+              <a:tr h="876186">
+                <a:tc>
+                  <a:txBody>
+                    <a:bodyPr/>
+                    <a:lstStyle/>
+                    <a:p>
+                      <a:pPr marL="0" marR="0" lvl="0" indent="0" algn="l" rtl="0">
+                        <a:spcBef>
+                          <a:spcPts val="0"/>
+                        </a:spcBef>
+                        <a:spcAft>
+                          <a:spcPts val="0"/>
+                        </a:spcAft>
+                        <a:buNone/>
+                      </a:pPr>
+                      <a:r>
+                        <a:rPr lang="en-GB" sz="1400" u="none" strike="noStrike" cap="none" dirty="0">
+                          <a:solidFill>
+                            <a:schemeClr val="bg1"/>
+                          </a:solidFill>
+                        </a:rPr>
+                        <a:t>Risk</a:t>
+                      </a:r>
+                      <a:endParaRPr dirty="0">
+                        <a:solidFill>
+                          <a:schemeClr val="bg1"/>
+                        </a:solidFill>
+                      </a:endParaRPr>
+                    </a:p>
+                  </a:txBody>
+                  <a:tcPr marL="91450" marR="91450" marT="45725" marB="45725">
+                    <a:solidFill>
+                      <a:schemeClr val="accent1">
+                        <a:lumMod val="50000"/>
+                      </a:schemeClr>
+                    </a:solidFill>
+                  </a:tcPr>
+                </a:tc>
+                <a:tc>
+                  <a:txBody>
+                    <a:bodyPr/>
+                    <a:lstStyle/>
+                    <a:p>
+                      <a:pPr marL="0" marR="0" lvl="0" indent="0" algn="l" rtl="0">
+                        <a:spcBef>
+                          <a:spcPts val="0"/>
+                        </a:spcBef>
+                        <a:spcAft>
+                          <a:spcPts val="0"/>
+                        </a:spcAft>
+                        <a:buNone/>
+                      </a:pPr>
+                      <a:r>
+                        <a:rPr lang="en-GB">
+                          <a:solidFill>
+                            <a:schemeClr val="bg1"/>
+                          </a:solidFill>
+                        </a:rPr>
+                        <a:t>Current Risk Chance</a:t>
+                      </a:r>
+                      <a:endParaRPr sz="1400" u="none" strike="noStrike" cap="none">
+                        <a:solidFill>
+                          <a:schemeClr val="bg1"/>
+                        </a:solidFill>
+                      </a:endParaRPr>
+                    </a:p>
+                  </a:txBody>
+                  <a:tcPr marL="91450" marR="91450" marT="45725" marB="45725">
+                    <a:solidFill>
+                      <a:schemeClr val="accent1">
+                        <a:lumMod val="50000"/>
+                      </a:schemeClr>
+                    </a:solidFill>
+                  </a:tcPr>
+                </a:tc>
+                <a:tc>
+                  <a:txBody>
+                    <a:bodyPr/>
+                    <a:lstStyle/>
+                    <a:p>
+                      <a:pPr marL="0" marR="0" lvl="0" indent="0" algn="l" rtl="0">
+                        <a:spcBef>
+                          <a:spcPts val="0"/>
+                        </a:spcBef>
+                        <a:spcAft>
+                          <a:spcPts val="0"/>
+                        </a:spcAft>
+                        <a:buNone/>
+                      </a:pPr>
+                      <a:r>
+                        <a:rPr lang="en-GB">
+                          <a:solidFill>
+                            <a:schemeClr val="bg1"/>
+                          </a:solidFill>
+                        </a:rPr>
+                        <a:t>Risk Effect</a:t>
+                      </a:r>
+                      <a:endParaRPr sz="1400" u="none" strike="noStrike" cap="none">
+                        <a:solidFill>
+                          <a:schemeClr val="bg1"/>
+                        </a:solidFill>
+                      </a:endParaRPr>
+                    </a:p>
+                  </a:txBody>
+                  <a:tcPr marL="91450" marR="91450" marT="45725" marB="45725">
+                    <a:solidFill>
+                      <a:schemeClr val="accent1">
+                        <a:lumMod val="50000"/>
+                      </a:schemeClr>
+                    </a:solidFill>
+                  </a:tcPr>
+                </a:tc>
+                <a:tc>
+                  <a:txBody>
+                    <a:bodyPr/>
+                    <a:lstStyle/>
+                    <a:p>
+                      <a:pPr marL="0" marR="0" lvl="0" indent="0" algn="l" rtl="0">
+                        <a:spcBef>
+                          <a:spcPts val="0"/>
+                        </a:spcBef>
+                        <a:spcAft>
+                          <a:spcPts val="0"/>
+                        </a:spcAft>
+                        <a:buNone/>
+                      </a:pPr>
+                      <a:r>
+                        <a:rPr lang="en-GB" sz="1400" dirty="0">
+                          <a:solidFill>
+                            <a:schemeClr val="bg1"/>
+                          </a:solidFill>
+                        </a:rPr>
+                        <a:t>Mitigation</a:t>
+                      </a:r>
+                      <a:endParaRPr dirty="0">
+                        <a:solidFill>
+                          <a:schemeClr val="bg1"/>
+                        </a:solidFill>
+                      </a:endParaRPr>
+                    </a:p>
+                  </a:txBody>
+                  <a:tcPr marL="91450" marR="91450" marT="45725" marB="45725">
+                    <a:solidFill>
+                      <a:schemeClr val="accent1">
+                        <a:lumMod val="50000"/>
+                      </a:schemeClr>
+                    </a:solidFill>
+                  </a:tcPr>
+                </a:tc>
+                <a:extLst>
+                  <a:ext uri="{0D108BD9-81ED-4DB2-BD59-A6C34878D82A}">
+                    <a16:rowId xmlns:a16="http://schemas.microsoft.com/office/drawing/2014/main" val="10000"/>
+                  </a:ext>
+                </a:extLst>
+              </a:tr>
+              <a:tr h="408892">
+                <a:tc>
+                  <a:txBody>
+                    <a:bodyPr/>
+                    <a:lstStyle/>
+                    <a:p>
+                      <a:pPr marL="0" marR="0" lvl="0" indent="0" algn="l" rtl="0">
+                        <a:lnSpc>
+                          <a:spcPct val="100000"/>
+                        </a:lnSpc>
+                        <a:spcBef>
+                          <a:spcPts val="0"/>
+                        </a:spcBef>
+                        <a:spcAft>
+                          <a:spcPts val="0"/>
+                        </a:spcAft>
+                        <a:buClr>
+                          <a:schemeClr val="dk1"/>
+                        </a:buClr>
+                        <a:buSzPts val="1400"/>
+                        <a:buFont typeface="Calibri"/>
+                        <a:buNone/>
+                      </a:pPr>
+                      <a:r>
+                        <a:rPr lang="en-GB" sz="1050" dirty="0">
+                          <a:solidFill>
+                            <a:schemeClr val="bg1"/>
+                          </a:solidFill>
+                        </a:rPr>
+                        <a:t>not enough time to complete the project</a:t>
+                      </a:r>
+                      <a:endParaRPr sz="1050" dirty="0">
+                        <a:solidFill>
+                          <a:schemeClr val="bg1"/>
+                        </a:solidFill>
+                      </a:endParaRPr>
+                    </a:p>
+                  </a:txBody>
+                  <a:tcPr marL="91450" marR="91450" marT="45725" marB="45725">
+                    <a:solidFill>
+                      <a:schemeClr val="accent1">
+                        <a:lumMod val="75000"/>
+                      </a:schemeClr>
+                    </a:solidFill>
+                  </a:tcPr>
+                </a:tc>
+                <a:tc>
+                  <a:txBody>
+                    <a:bodyPr/>
+                    <a:lstStyle/>
+                    <a:p>
+                      <a:pPr marL="0" marR="0" lvl="0" indent="0" algn="l" rtl="0">
+                        <a:lnSpc>
+                          <a:spcPct val="100000"/>
+                        </a:lnSpc>
+                        <a:spcBef>
+                          <a:spcPts val="0"/>
+                        </a:spcBef>
+                        <a:spcAft>
+                          <a:spcPts val="0"/>
+                        </a:spcAft>
+                        <a:buNone/>
+                      </a:pPr>
+                      <a:r>
+                        <a:rPr lang="en-GB" sz="1050">
+                          <a:solidFill>
+                            <a:schemeClr val="bg1"/>
+                          </a:solidFill>
+                        </a:rPr>
+                        <a:t>Medium-Low</a:t>
+                      </a:r>
+                      <a:endParaRPr sz="1050">
+                        <a:solidFill>
+                          <a:schemeClr val="bg1"/>
+                        </a:solidFill>
+                      </a:endParaRPr>
+                    </a:p>
+                  </a:txBody>
+                  <a:tcPr marL="91450" marR="91450" marT="45725" marB="45725">
+                    <a:solidFill>
+                      <a:srgbClr val="6AA84F"/>
+                    </a:solidFill>
+                  </a:tcPr>
+                </a:tc>
+                <a:tc>
+                  <a:txBody>
+                    <a:bodyPr/>
+                    <a:lstStyle/>
+                    <a:p>
+                      <a:pPr marL="0" marR="0" lvl="0" indent="0" algn="l" rtl="0">
+                        <a:lnSpc>
+                          <a:spcPct val="100000"/>
+                        </a:lnSpc>
+                        <a:spcBef>
+                          <a:spcPts val="0"/>
+                        </a:spcBef>
+                        <a:spcAft>
+                          <a:spcPts val="0"/>
+                        </a:spcAft>
+                        <a:buNone/>
+                      </a:pPr>
+                      <a:r>
+                        <a:rPr lang="en-GB" sz="1050">
+                          <a:solidFill>
+                            <a:schemeClr val="bg1"/>
+                          </a:solidFill>
+                        </a:rPr>
+                        <a:t>Low Quality End Product</a:t>
+                      </a:r>
+                      <a:endParaRPr sz="1050">
+                        <a:solidFill>
+                          <a:schemeClr val="bg1"/>
+                        </a:solidFill>
+                      </a:endParaRPr>
+                    </a:p>
+                  </a:txBody>
+                  <a:tcPr marL="91450" marR="91450" marT="45725" marB="45725">
+                    <a:solidFill>
+                      <a:schemeClr val="accent1">
+                        <a:lumMod val="75000"/>
+                      </a:schemeClr>
+                    </a:solidFill>
+                  </a:tcPr>
+                </a:tc>
+                <a:tc>
+                  <a:txBody>
+                    <a:bodyPr/>
+                    <a:lstStyle/>
+                    <a:p>
+                      <a:pPr marL="0" marR="0" lvl="0" indent="0" algn="l" rtl="0">
+                        <a:spcBef>
+                          <a:spcPts val="0"/>
+                        </a:spcBef>
+                        <a:spcAft>
+                          <a:spcPts val="0"/>
+                        </a:spcAft>
+                        <a:buNone/>
+                      </a:pPr>
+                      <a:r>
+                        <a:rPr lang="en-GB" sz="1050">
+                          <a:solidFill>
+                            <a:schemeClr val="bg1"/>
+                          </a:solidFill>
+                        </a:rPr>
+                        <a:t>stick to MVP, only add extra features if time allows, allow extra time for unseen problems</a:t>
+                      </a:r>
+                      <a:endParaRPr sz="1050">
+                        <a:solidFill>
+                          <a:schemeClr val="bg1"/>
+                        </a:solidFill>
+                      </a:endParaRPr>
+                    </a:p>
+                  </a:txBody>
+                  <a:tcPr marL="91450" marR="91450" marT="45725" marB="45725">
+                    <a:solidFill>
+                      <a:schemeClr val="accent1">
+                        <a:lumMod val="75000"/>
+                      </a:schemeClr>
+                    </a:solidFill>
+                  </a:tcPr>
+                </a:tc>
+                <a:extLst>
+                  <a:ext uri="{0D108BD9-81ED-4DB2-BD59-A6C34878D82A}">
+                    <a16:rowId xmlns:a16="http://schemas.microsoft.com/office/drawing/2014/main" val="10001"/>
+                  </a:ext>
+                </a:extLst>
+              </a:tr>
+              <a:tr h="730157">
+                <a:tc>
+                  <a:txBody>
+                    <a:bodyPr/>
+                    <a:lstStyle/>
+                    <a:p>
+                      <a:pPr marL="0" marR="0" lvl="0" indent="0" algn="l" rtl="0">
+                        <a:spcBef>
+                          <a:spcPts val="0"/>
+                        </a:spcBef>
+                        <a:spcAft>
+                          <a:spcPts val="0"/>
+                        </a:spcAft>
+                        <a:buNone/>
+                      </a:pPr>
+                      <a:r>
+                        <a:rPr lang="en-GB" sz="1050" dirty="0">
+                          <a:solidFill>
+                            <a:schemeClr val="bg1"/>
+                          </a:solidFill>
+                        </a:rPr>
+                        <a:t>team members unwell or personal crisis</a:t>
+                      </a:r>
+                      <a:endParaRPr sz="1050" dirty="0">
+                        <a:solidFill>
+                          <a:schemeClr val="bg1"/>
+                        </a:solidFill>
+                      </a:endParaRPr>
+                    </a:p>
+                  </a:txBody>
+                  <a:tcPr marL="91450" marR="91450" marT="45725" marB="45725">
+                    <a:solidFill>
+                      <a:schemeClr val="accent5">
+                        <a:lumMod val="75000"/>
+                      </a:schemeClr>
+                    </a:solidFill>
+                  </a:tcPr>
+                </a:tc>
+                <a:tc>
+                  <a:txBody>
+                    <a:bodyPr/>
+                    <a:lstStyle/>
+                    <a:p>
+                      <a:pPr marL="0" marR="0" lvl="0" indent="0" algn="l" rtl="0">
+                        <a:spcBef>
+                          <a:spcPts val="0"/>
+                        </a:spcBef>
+                        <a:spcAft>
+                          <a:spcPts val="0"/>
+                        </a:spcAft>
+                        <a:buNone/>
+                      </a:pPr>
+                      <a:r>
+                        <a:rPr lang="en-GB" sz="1050">
+                          <a:solidFill>
+                            <a:schemeClr val="bg1"/>
+                          </a:solidFill>
+                        </a:rPr>
+                        <a:t>Medium-High</a:t>
+                      </a:r>
+                      <a:endParaRPr sz="1050">
+                        <a:solidFill>
+                          <a:schemeClr val="bg1"/>
+                        </a:solidFill>
+                      </a:endParaRPr>
+                    </a:p>
+                  </a:txBody>
+                  <a:tcPr marL="91450" marR="91450" marT="45725" marB="45725">
+                    <a:solidFill>
+                      <a:srgbClr val="E69138"/>
+                    </a:solidFill>
+                  </a:tcPr>
+                </a:tc>
+                <a:tc>
+                  <a:txBody>
+                    <a:bodyPr/>
+                    <a:lstStyle/>
+                    <a:p>
+                      <a:pPr marL="0" marR="0" lvl="0" indent="0" algn="l" rtl="0">
+                        <a:spcBef>
+                          <a:spcPts val="0"/>
+                        </a:spcBef>
+                        <a:spcAft>
+                          <a:spcPts val="0"/>
+                        </a:spcAft>
+                        <a:buNone/>
+                      </a:pPr>
+                      <a:r>
+                        <a:rPr lang="en-GB" sz="1050" dirty="0">
+                          <a:solidFill>
+                            <a:schemeClr val="bg1"/>
+                          </a:solidFill>
+                        </a:rPr>
+                        <a:t>Delay</a:t>
+                      </a:r>
+                      <a:endParaRPr sz="1050" dirty="0">
+                        <a:solidFill>
+                          <a:schemeClr val="bg1"/>
+                        </a:solidFill>
+                      </a:endParaRPr>
+                    </a:p>
+                  </a:txBody>
+                  <a:tcPr marL="91450" marR="91450" marT="45725" marB="45725">
+                    <a:solidFill>
+                      <a:schemeClr val="accent5">
+                        <a:lumMod val="75000"/>
+                      </a:schemeClr>
+                    </a:solidFill>
+                  </a:tcPr>
+                </a:tc>
+                <a:tc>
+                  <a:txBody>
+                    <a:bodyPr/>
+                    <a:lstStyle/>
+                    <a:p>
+                      <a:pPr marL="0" marR="0" lvl="0" indent="0" algn="l" rtl="0">
+                        <a:spcBef>
+                          <a:spcPts val="0"/>
+                        </a:spcBef>
+                        <a:spcAft>
+                          <a:spcPts val="0"/>
+                        </a:spcAft>
+                        <a:buNone/>
+                      </a:pPr>
+                      <a:r>
+                        <a:rPr lang="en-GB" sz="1050" dirty="0">
+                          <a:solidFill>
+                            <a:schemeClr val="bg1"/>
+                          </a:solidFill>
+                        </a:rPr>
+                        <a:t>keep in touch with unwell/absent members via boards and allocate work if appropriate</a:t>
+                      </a:r>
+                      <a:endParaRPr sz="1050" dirty="0">
+                        <a:solidFill>
+                          <a:schemeClr val="bg1"/>
+                        </a:solidFill>
+                      </a:endParaRPr>
+                    </a:p>
+                    <a:p>
+                      <a:pPr marL="0" marR="0" lvl="0" indent="0" algn="l" rtl="0">
+                        <a:spcBef>
+                          <a:spcPts val="0"/>
+                        </a:spcBef>
+                        <a:spcAft>
+                          <a:spcPts val="0"/>
+                        </a:spcAft>
+                        <a:buNone/>
+                      </a:pPr>
+                      <a:endParaRPr sz="1050" dirty="0">
+                        <a:solidFill>
+                          <a:schemeClr val="bg1"/>
+                        </a:solidFill>
+                      </a:endParaRPr>
+                    </a:p>
+                    <a:p>
+                      <a:pPr marL="0" lvl="0" indent="0" algn="l" rtl="0">
+                        <a:spcBef>
+                          <a:spcPts val="0"/>
+                        </a:spcBef>
+                        <a:spcAft>
+                          <a:spcPts val="0"/>
+                        </a:spcAft>
+                        <a:buClr>
+                          <a:schemeClr val="dk1"/>
+                        </a:buClr>
+                        <a:buFont typeface="Arial"/>
+                        <a:buNone/>
+                      </a:pPr>
+                      <a:r>
+                        <a:rPr lang="en-GB" sz="1050" dirty="0">
+                          <a:solidFill>
+                            <a:schemeClr val="bg1"/>
+                          </a:solidFill>
+                        </a:rPr>
+                        <a:t>Regular (near daily)  Sprint Communication</a:t>
+                      </a:r>
+                      <a:endParaRPr sz="1050" dirty="0">
+                        <a:solidFill>
+                          <a:schemeClr val="bg1"/>
+                        </a:solidFill>
+                      </a:endParaRPr>
+                    </a:p>
+                  </a:txBody>
+                  <a:tcPr marL="91450" marR="91450" marT="45725" marB="45725">
+                    <a:solidFill>
+                      <a:schemeClr val="accent5">
+                        <a:lumMod val="75000"/>
+                      </a:schemeClr>
+                    </a:solidFill>
+                  </a:tcPr>
+                </a:tc>
+                <a:extLst>
+                  <a:ext uri="{0D108BD9-81ED-4DB2-BD59-A6C34878D82A}">
+                    <a16:rowId xmlns:a16="http://schemas.microsoft.com/office/drawing/2014/main" val="10002"/>
+                  </a:ext>
+                </a:extLst>
+              </a:tr>
+              <a:tr h="569525">
+                <a:tc>
+                  <a:txBody>
+                    <a:bodyPr/>
+                    <a:lstStyle/>
+                    <a:p>
+                      <a:pPr marL="0" marR="0" lvl="0" indent="0" algn="l" rtl="0">
+                        <a:lnSpc>
+                          <a:spcPct val="100000"/>
+                        </a:lnSpc>
+                        <a:spcBef>
+                          <a:spcPts val="0"/>
+                        </a:spcBef>
+                        <a:spcAft>
+                          <a:spcPts val="0"/>
+                        </a:spcAft>
+                        <a:buClr>
+                          <a:schemeClr val="dk1"/>
+                        </a:buClr>
+                        <a:buSzPts val="1400"/>
+                        <a:buFont typeface="Calibri"/>
+                        <a:buNone/>
+                      </a:pPr>
+                      <a:r>
+                        <a:rPr lang="en-GB" sz="1050">
+                          <a:solidFill>
+                            <a:schemeClr val="bg1"/>
+                          </a:solidFill>
+                        </a:rPr>
+                        <a:t>disagreement on the way forward</a:t>
+                      </a:r>
+                      <a:endParaRPr sz="1050">
+                        <a:solidFill>
+                          <a:schemeClr val="bg1"/>
+                        </a:solidFill>
+                      </a:endParaRPr>
+                    </a:p>
+                  </a:txBody>
+                  <a:tcPr marL="91450" marR="91450" marT="45725" marB="45725">
+                    <a:solidFill>
+                      <a:schemeClr val="accent1">
+                        <a:lumMod val="75000"/>
+                      </a:schemeClr>
+                    </a:solidFill>
+                  </a:tcPr>
+                </a:tc>
+                <a:tc>
+                  <a:txBody>
+                    <a:bodyPr/>
+                    <a:lstStyle/>
+                    <a:p>
+                      <a:pPr marL="0" marR="0" lvl="0" indent="0" algn="l" rtl="0">
+                        <a:lnSpc>
+                          <a:spcPct val="100000"/>
+                        </a:lnSpc>
+                        <a:spcBef>
+                          <a:spcPts val="0"/>
+                        </a:spcBef>
+                        <a:spcAft>
+                          <a:spcPts val="0"/>
+                        </a:spcAft>
+                        <a:buNone/>
+                      </a:pPr>
+                      <a:r>
+                        <a:rPr lang="en-GB" sz="1050">
+                          <a:solidFill>
+                            <a:schemeClr val="bg1"/>
+                          </a:solidFill>
+                        </a:rPr>
+                        <a:t>Medium-Low</a:t>
+                      </a:r>
+                      <a:endParaRPr sz="1050">
+                        <a:solidFill>
+                          <a:schemeClr val="bg1"/>
+                        </a:solidFill>
+                      </a:endParaRPr>
+                    </a:p>
+                  </a:txBody>
+                  <a:tcPr marL="91450" marR="91450" marT="45725" marB="45725">
+                    <a:solidFill>
+                      <a:srgbClr val="6AA84F"/>
+                    </a:solidFill>
+                  </a:tcPr>
+                </a:tc>
+                <a:tc>
+                  <a:txBody>
+                    <a:bodyPr/>
+                    <a:lstStyle/>
+                    <a:p>
+                      <a:pPr marL="0" lvl="0" indent="0" algn="l" rtl="0">
+                        <a:spcBef>
+                          <a:spcPts val="0"/>
+                        </a:spcBef>
+                        <a:spcAft>
+                          <a:spcPts val="0"/>
+                        </a:spcAft>
+                        <a:buClr>
+                          <a:schemeClr val="dk1"/>
+                        </a:buClr>
+                        <a:buSzPts val="1100"/>
+                        <a:buFont typeface="Arial"/>
+                        <a:buNone/>
+                      </a:pPr>
+                      <a:r>
+                        <a:rPr lang="en-GB" sz="1050">
+                          <a:solidFill>
+                            <a:schemeClr val="bg1"/>
+                          </a:solidFill>
+                        </a:rPr>
+                        <a:t>Low Quality End Product/Delay/ Inter personal conflicts</a:t>
+                      </a:r>
+                      <a:endParaRPr sz="1050">
+                        <a:solidFill>
+                          <a:schemeClr val="bg1"/>
+                        </a:solidFill>
+                      </a:endParaRPr>
+                    </a:p>
+                  </a:txBody>
+                  <a:tcPr marL="91450" marR="91450" marT="45725" marB="45725">
+                    <a:solidFill>
+                      <a:schemeClr val="accent1">
+                        <a:lumMod val="75000"/>
+                      </a:schemeClr>
+                    </a:solidFill>
+                  </a:tcPr>
+                </a:tc>
+                <a:tc>
+                  <a:txBody>
+                    <a:bodyPr/>
+                    <a:lstStyle/>
+                    <a:p>
+                      <a:pPr marL="0" marR="0" lvl="0" indent="0" algn="l" rtl="0">
+                        <a:spcBef>
+                          <a:spcPts val="0"/>
+                        </a:spcBef>
+                        <a:spcAft>
+                          <a:spcPts val="0"/>
+                        </a:spcAft>
+                        <a:buNone/>
+                      </a:pPr>
+                      <a:r>
+                        <a:rPr lang="en-GB" sz="1050">
+                          <a:solidFill>
+                            <a:schemeClr val="bg1"/>
+                          </a:solidFill>
+                        </a:rPr>
+                        <a:t>in the case of a disagreement, try reach compromise, otherwise vote or refer to module leader</a:t>
+                      </a:r>
+                      <a:endParaRPr sz="1050">
+                        <a:solidFill>
+                          <a:schemeClr val="bg1"/>
+                        </a:solidFill>
+                      </a:endParaRPr>
+                    </a:p>
+                  </a:txBody>
+                  <a:tcPr marL="91450" marR="91450" marT="45725" marB="45725">
+                    <a:solidFill>
+                      <a:schemeClr val="accent1">
+                        <a:lumMod val="75000"/>
+                      </a:schemeClr>
+                    </a:solidFill>
+                  </a:tcPr>
+                </a:tc>
+                <a:extLst>
+                  <a:ext uri="{0D108BD9-81ED-4DB2-BD59-A6C34878D82A}">
+                    <a16:rowId xmlns:a16="http://schemas.microsoft.com/office/drawing/2014/main" val="10003"/>
+                  </a:ext>
+                </a:extLst>
+              </a:tr>
+              <a:tr h="890789">
+                <a:tc>
+                  <a:txBody>
+                    <a:bodyPr/>
+                    <a:lstStyle/>
+                    <a:p>
+                      <a:pPr marL="0" marR="0" lvl="0" indent="0" algn="l" rtl="0">
+                        <a:spcBef>
+                          <a:spcPts val="0"/>
+                        </a:spcBef>
+                        <a:spcAft>
+                          <a:spcPts val="0"/>
+                        </a:spcAft>
+                        <a:buNone/>
+                      </a:pPr>
+                      <a:r>
+                        <a:rPr lang="en-GB" sz="1050" dirty="0">
+                          <a:solidFill>
+                            <a:schemeClr val="bg1"/>
+                          </a:solidFill>
+                        </a:rPr>
+                        <a:t>over or under estimating work that can be achieved in a sprint</a:t>
+                      </a:r>
+                      <a:endParaRPr sz="1050" dirty="0">
+                        <a:solidFill>
+                          <a:schemeClr val="bg1"/>
+                        </a:solidFill>
+                      </a:endParaRPr>
+                    </a:p>
+                  </a:txBody>
+                  <a:tcPr marL="91450" marR="91450" marT="45725" marB="45725">
+                    <a:solidFill>
+                      <a:schemeClr val="accent5">
+                        <a:lumMod val="75000"/>
+                      </a:schemeClr>
+                    </a:solidFill>
+                  </a:tcPr>
+                </a:tc>
+                <a:tc>
+                  <a:txBody>
+                    <a:bodyPr/>
+                    <a:lstStyle/>
+                    <a:p>
+                      <a:pPr marL="0" marR="0" lvl="0" indent="0" algn="l" rtl="0">
+                        <a:spcBef>
+                          <a:spcPts val="0"/>
+                        </a:spcBef>
+                        <a:spcAft>
+                          <a:spcPts val="0"/>
+                        </a:spcAft>
+                        <a:buNone/>
+                      </a:pPr>
+                      <a:r>
+                        <a:rPr lang="en-GB" sz="1050">
+                          <a:solidFill>
+                            <a:schemeClr val="bg1"/>
+                          </a:solidFill>
+                        </a:rPr>
+                        <a:t>Medium-High</a:t>
+                      </a:r>
+                      <a:endParaRPr sz="1050">
+                        <a:solidFill>
+                          <a:schemeClr val="bg1"/>
+                        </a:solidFill>
+                      </a:endParaRPr>
+                    </a:p>
+                  </a:txBody>
+                  <a:tcPr marL="91450" marR="91450" marT="45725" marB="45725">
+                    <a:solidFill>
+                      <a:srgbClr val="E69138"/>
+                    </a:solidFill>
+                  </a:tcPr>
+                </a:tc>
+                <a:tc>
+                  <a:txBody>
+                    <a:bodyPr/>
+                    <a:lstStyle/>
+                    <a:p>
+                      <a:pPr marL="0" marR="0" lvl="0" indent="0" algn="l" rtl="0">
+                        <a:spcBef>
+                          <a:spcPts val="0"/>
+                        </a:spcBef>
+                        <a:spcAft>
+                          <a:spcPts val="0"/>
+                        </a:spcAft>
+                        <a:buNone/>
+                      </a:pPr>
+                      <a:r>
+                        <a:rPr lang="en-GB" sz="1050" dirty="0">
+                          <a:solidFill>
+                            <a:schemeClr val="bg1"/>
+                          </a:solidFill>
+                        </a:rPr>
+                        <a:t>Delay/Unbalanced workload (being near idle one week and overly busy the next)</a:t>
+                      </a:r>
+                      <a:endParaRPr sz="1050" dirty="0">
+                        <a:solidFill>
+                          <a:schemeClr val="bg1"/>
+                        </a:solidFill>
+                      </a:endParaRPr>
+                    </a:p>
+                  </a:txBody>
+                  <a:tcPr marL="91450" marR="91450" marT="45725" marB="45725">
+                    <a:solidFill>
+                      <a:schemeClr val="accent5">
+                        <a:lumMod val="75000"/>
+                      </a:schemeClr>
+                    </a:solidFill>
+                  </a:tcPr>
+                </a:tc>
+                <a:tc>
+                  <a:txBody>
+                    <a:bodyPr/>
+                    <a:lstStyle/>
+                    <a:p>
+                      <a:pPr marL="0" marR="0" lvl="0" indent="0" algn="l" rtl="0">
+                        <a:spcBef>
+                          <a:spcPts val="0"/>
+                        </a:spcBef>
+                        <a:spcAft>
+                          <a:spcPts val="0"/>
+                        </a:spcAft>
+                        <a:buNone/>
+                      </a:pPr>
+                      <a:r>
+                        <a:rPr lang="en-GB" sz="1050" dirty="0">
+                          <a:solidFill>
+                            <a:schemeClr val="bg1"/>
+                          </a:solidFill>
+                        </a:rPr>
+                        <a:t>allocate points for each functional task, each person can say how many points that can achieve in 2 weeks, then can use that to estimate right amount of work for future sprints</a:t>
+                      </a:r>
+                      <a:endParaRPr sz="1050" dirty="0">
+                        <a:solidFill>
+                          <a:schemeClr val="bg1"/>
+                        </a:solidFill>
+                      </a:endParaRPr>
+                    </a:p>
+                    <a:p>
+                      <a:pPr marL="0" marR="0" lvl="0" indent="0" algn="l" rtl="0">
+                        <a:spcBef>
+                          <a:spcPts val="0"/>
+                        </a:spcBef>
+                        <a:spcAft>
+                          <a:spcPts val="0"/>
+                        </a:spcAft>
+                        <a:buNone/>
+                      </a:pPr>
+                      <a:endParaRPr sz="1050" dirty="0">
+                        <a:solidFill>
+                          <a:schemeClr val="bg1"/>
+                        </a:solidFill>
+                      </a:endParaRPr>
+                    </a:p>
+                    <a:p>
+                      <a:pPr marL="0" marR="0" lvl="0" indent="0" algn="l" rtl="0">
+                        <a:spcBef>
+                          <a:spcPts val="0"/>
+                        </a:spcBef>
+                        <a:spcAft>
+                          <a:spcPts val="0"/>
+                        </a:spcAft>
+                        <a:buNone/>
+                      </a:pPr>
+                      <a:r>
+                        <a:rPr lang="en-GB" sz="1050" dirty="0">
+                          <a:solidFill>
+                            <a:schemeClr val="bg1"/>
+                          </a:solidFill>
+                        </a:rPr>
+                        <a:t>Regular (near daily)  Sprint Communication</a:t>
+                      </a:r>
+                      <a:endParaRPr sz="1050" dirty="0">
+                        <a:solidFill>
+                          <a:schemeClr val="bg1"/>
+                        </a:solidFill>
+                      </a:endParaRPr>
+                    </a:p>
+                  </a:txBody>
+                  <a:tcPr marL="91450" marR="91450" marT="45725" marB="45725">
+                    <a:solidFill>
+                      <a:schemeClr val="accent5">
+                        <a:lumMod val="75000"/>
+                      </a:schemeClr>
+                    </a:solidFill>
+                  </a:tcPr>
+                </a:tc>
+                <a:extLst>
+                  <a:ext uri="{0D108BD9-81ED-4DB2-BD59-A6C34878D82A}">
+                    <a16:rowId xmlns:a16="http://schemas.microsoft.com/office/drawing/2014/main" val="10004"/>
+                  </a:ext>
+                </a:extLst>
+              </a:tr>
+              <a:tr h="408892">
+                <a:tc>
+                  <a:txBody>
+                    <a:bodyPr/>
+                    <a:lstStyle/>
+                    <a:p>
+                      <a:pPr marL="0" marR="0" lvl="0" indent="0" algn="l" rtl="0">
+                        <a:spcBef>
+                          <a:spcPts val="0"/>
+                        </a:spcBef>
+                        <a:spcAft>
+                          <a:spcPts val="0"/>
+                        </a:spcAft>
+                        <a:buNone/>
+                      </a:pPr>
+                      <a:r>
+                        <a:rPr lang="en-GB" sz="1050" dirty="0">
+                          <a:solidFill>
+                            <a:schemeClr val="bg1"/>
+                          </a:solidFill>
+                        </a:rPr>
+                        <a:t>project does not work, lots of bugs</a:t>
+                      </a:r>
+                      <a:endParaRPr sz="1050" dirty="0">
+                        <a:solidFill>
+                          <a:schemeClr val="bg1"/>
+                        </a:solidFill>
+                      </a:endParaRPr>
+                    </a:p>
+                  </a:txBody>
+                  <a:tcPr marL="91450" marR="91450" marT="45725" marB="45725">
+                    <a:solidFill>
+                      <a:schemeClr val="accent1">
+                        <a:lumMod val="75000"/>
+                      </a:schemeClr>
+                    </a:solidFill>
+                  </a:tcPr>
+                </a:tc>
+                <a:tc>
+                  <a:txBody>
+                    <a:bodyPr/>
+                    <a:lstStyle/>
+                    <a:p>
+                      <a:pPr marL="0" marR="0" lvl="0" indent="0" algn="l" rtl="0">
+                        <a:spcBef>
+                          <a:spcPts val="0"/>
+                        </a:spcBef>
+                        <a:spcAft>
+                          <a:spcPts val="0"/>
+                        </a:spcAft>
+                        <a:buNone/>
+                      </a:pPr>
+                      <a:r>
+                        <a:rPr lang="en-GB" sz="1050">
+                          <a:solidFill>
+                            <a:schemeClr val="bg1"/>
+                          </a:solidFill>
+                        </a:rPr>
+                        <a:t>Low</a:t>
+                      </a:r>
+                      <a:endParaRPr sz="1050">
+                        <a:solidFill>
+                          <a:schemeClr val="bg1"/>
+                        </a:solidFill>
+                      </a:endParaRPr>
+                    </a:p>
+                  </a:txBody>
+                  <a:tcPr marL="91450" marR="91450" marT="45725" marB="45725">
+                    <a:solidFill>
+                      <a:srgbClr val="1155CC"/>
+                    </a:solidFill>
+                  </a:tcPr>
+                </a:tc>
+                <a:tc>
+                  <a:txBody>
+                    <a:bodyPr/>
+                    <a:lstStyle/>
+                    <a:p>
+                      <a:pPr marL="0" lvl="0" indent="0" algn="l" rtl="0">
+                        <a:spcBef>
+                          <a:spcPts val="0"/>
+                        </a:spcBef>
+                        <a:spcAft>
+                          <a:spcPts val="0"/>
+                        </a:spcAft>
+                        <a:buClr>
+                          <a:schemeClr val="dk1"/>
+                        </a:buClr>
+                        <a:buSzPts val="1100"/>
+                        <a:buFont typeface="Arial"/>
+                        <a:buNone/>
+                      </a:pPr>
+                      <a:r>
+                        <a:rPr lang="en-GB" sz="1050">
+                          <a:solidFill>
+                            <a:schemeClr val="bg1"/>
+                          </a:solidFill>
+                        </a:rPr>
+                        <a:t>Low Quality End Product</a:t>
+                      </a:r>
+                      <a:endParaRPr sz="1050">
+                        <a:solidFill>
+                          <a:schemeClr val="bg1"/>
+                        </a:solidFill>
+                      </a:endParaRPr>
+                    </a:p>
+                  </a:txBody>
+                  <a:tcPr marL="91450" marR="91450" marT="45725" marB="45725">
+                    <a:solidFill>
+                      <a:schemeClr val="accent1">
+                        <a:lumMod val="75000"/>
+                      </a:schemeClr>
+                    </a:solidFill>
+                  </a:tcPr>
+                </a:tc>
+                <a:tc>
+                  <a:txBody>
+                    <a:bodyPr/>
+                    <a:lstStyle/>
+                    <a:p>
+                      <a:pPr marL="0" marR="0" lvl="0" indent="0" algn="l" rtl="0">
+                        <a:spcBef>
+                          <a:spcPts val="0"/>
+                        </a:spcBef>
+                        <a:spcAft>
+                          <a:spcPts val="0"/>
+                        </a:spcAft>
+                        <a:buNone/>
+                      </a:pPr>
+                      <a:r>
+                        <a:rPr lang="en-GB" sz="1050">
+                          <a:solidFill>
+                            <a:schemeClr val="bg1"/>
+                          </a:solidFill>
+                        </a:rPr>
+                        <a:t>create unit tests at the same time or before creating code</a:t>
+                      </a:r>
+                      <a:endParaRPr sz="1050">
+                        <a:solidFill>
+                          <a:schemeClr val="bg1"/>
+                        </a:solidFill>
+                      </a:endParaRPr>
+                    </a:p>
+                  </a:txBody>
+                  <a:tcPr marL="91450" marR="91450" marT="45725" marB="45725">
+                    <a:solidFill>
+                      <a:schemeClr val="accent1">
+                        <a:lumMod val="75000"/>
+                      </a:schemeClr>
+                    </a:solidFill>
+                  </a:tcPr>
+                </a:tc>
+                <a:extLst>
+                  <a:ext uri="{0D108BD9-81ED-4DB2-BD59-A6C34878D82A}">
+                    <a16:rowId xmlns:a16="http://schemas.microsoft.com/office/drawing/2014/main" val="10005"/>
+                  </a:ext>
+                </a:extLst>
+              </a:tr>
+              <a:tr h="408892">
+                <a:tc>
+                  <a:txBody>
+                    <a:bodyPr/>
+                    <a:lstStyle/>
+                    <a:p>
+                      <a:pPr marL="0" marR="0" lvl="0" indent="0" algn="l" rtl="0">
+                        <a:spcBef>
+                          <a:spcPts val="0"/>
+                        </a:spcBef>
+                        <a:spcAft>
+                          <a:spcPts val="0"/>
+                        </a:spcAft>
+                        <a:buNone/>
+                      </a:pPr>
+                      <a:r>
+                        <a:rPr lang="en-GB" sz="1050" dirty="0">
+                          <a:solidFill>
+                            <a:schemeClr val="bg1"/>
+                          </a:solidFill>
+                        </a:rPr>
+                        <a:t>spending too much time on one task</a:t>
+                      </a:r>
+                      <a:endParaRPr sz="1050" dirty="0">
+                        <a:solidFill>
+                          <a:schemeClr val="bg1"/>
+                        </a:solidFill>
+                      </a:endParaRPr>
+                    </a:p>
+                  </a:txBody>
+                  <a:tcPr marL="91450" marR="91450" marT="45725" marB="45725">
+                    <a:solidFill>
+                      <a:schemeClr val="accent5">
+                        <a:lumMod val="75000"/>
+                      </a:schemeClr>
+                    </a:solidFill>
+                  </a:tcPr>
+                </a:tc>
+                <a:tc>
+                  <a:txBody>
+                    <a:bodyPr/>
+                    <a:lstStyle/>
+                    <a:p>
+                      <a:pPr marL="0" marR="0" lvl="0" indent="0" algn="l" rtl="0">
+                        <a:spcBef>
+                          <a:spcPts val="0"/>
+                        </a:spcBef>
+                        <a:spcAft>
+                          <a:spcPts val="0"/>
+                        </a:spcAft>
+                        <a:buNone/>
+                      </a:pPr>
+                      <a:r>
+                        <a:rPr lang="en-GB" sz="1050">
+                          <a:solidFill>
+                            <a:schemeClr val="bg1"/>
+                          </a:solidFill>
+                        </a:rPr>
+                        <a:t>Medium-Low</a:t>
+                      </a:r>
+                      <a:endParaRPr sz="1050">
+                        <a:solidFill>
+                          <a:schemeClr val="bg1"/>
+                        </a:solidFill>
+                      </a:endParaRPr>
+                    </a:p>
+                  </a:txBody>
+                  <a:tcPr marL="91450" marR="91450" marT="45725" marB="45725">
+                    <a:solidFill>
+                      <a:srgbClr val="6AA84F"/>
+                    </a:solidFill>
+                  </a:tcPr>
+                </a:tc>
+                <a:tc>
+                  <a:txBody>
+                    <a:bodyPr/>
+                    <a:lstStyle/>
+                    <a:p>
+                      <a:pPr marL="0" lvl="0" indent="0" algn="l" rtl="0">
+                        <a:spcBef>
+                          <a:spcPts val="0"/>
+                        </a:spcBef>
+                        <a:spcAft>
+                          <a:spcPts val="0"/>
+                        </a:spcAft>
+                        <a:buClr>
+                          <a:schemeClr val="dk1"/>
+                        </a:buClr>
+                        <a:buSzPts val="1100"/>
+                        <a:buFont typeface="Arial"/>
+                        <a:buNone/>
+                      </a:pPr>
+                      <a:r>
+                        <a:rPr lang="en-GB" sz="1050">
+                          <a:solidFill>
+                            <a:schemeClr val="bg1"/>
+                          </a:solidFill>
+                        </a:rPr>
+                        <a:t>Low Quality End Product/Delay</a:t>
+                      </a:r>
+                      <a:endParaRPr sz="1050">
+                        <a:solidFill>
+                          <a:schemeClr val="bg1"/>
+                        </a:solidFill>
+                      </a:endParaRPr>
+                    </a:p>
+                  </a:txBody>
+                  <a:tcPr marL="91450" marR="91450" marT="45725" marB="45725">
+                    <a:solidFill>
+                      <a:schemeClr val="accent5">
+                        <a:lumMod val="75000"/>
+                      </a:schemeClr>
+                    </a:solidFill>
+                  </a:tcPr>
+                </a:tc>
+                <a:tc>
+                  <a:txBody>
+                    <a:bodyPr/>
+                    <a:lstStyle/>
+                    <a:p>
+                      <a:pPr marL="0" marR="0" lvl="0" indent="0" algn="l" rtl="0">
+                        <a:spcBef>
+                          <a:spcPts val="0"/>
+                        </a:spcBef>
+                        <a:spcAft>
+                          <a:spcPts val="0"/>
+                        </a:spcAft>
+                        <a:buNone/>
+                      </a:pPr>
+                      <a:r>
+                        <a:rPr lang="en-GB" sz="1050" dirty="0">
+                          <a:solidFill>
+                            <a:schemeClr val="bg1"/>
+                          </a:solidFill>
+                        </a:rPr>
+                        <a:t>break down tasks into smaller units</a:t>
+                      </a:r>
+                      <a:endParaRPr sz="1050" dirty="0">
+                        <a:solidFill>
+                          <a:schemeClr val="bg1"/>
+                        </a:solidFill>
+                      </a:endParaRPr>
+                    </a:p>
+                  </a:txBody>
+                  <a:tcPr marL="91450" marR="91450" marT="45725" marB="45725">
+                    <a:solidFill>
+                      <a:schemeClr val="accent5">
+                        <a:lumMod val="75000"/>
+                      </a:schemeClr>
+                    </a:solidFill>
+                  </a:tcPr>
+                </a:tc>
+                <a:extLst>
+                  <a:ext uri="{0D108BD9-81ED-4DB2-BD59-A6C34878D82A}">
+                    <a16:rowId xmlns:a16="http://schemas.microsoft.com/office/drawing/2014/main" val="10006"/>
+                  </a:ext>
+                </a:extLst>
+              </a:tr>
+              <a:tr h="408892">
+                <a:tc>
+                  <a:txBody>
+                    <a:bodyPr/>
+                    <a:lstStyle/>
+                    <a:p>
+                      <a:pPr marL="0" marR="0" lvl="0" indent="0" algn="l" rtl="0">
+                        <a:spcBef>
+                          <a:spcPts val="0"/>
+                        </a:spcBef>
+                        <a:spcAft>
+                          <a:spcPts val="0"/>
+                        </a:spcAft>
+                        <a:buNone/>
+                      </a:pPr>
+                      <a:r>
+                        <a:rPr lang="en-GB" sz="1050">
+                          <a:solidFill>
+                            <a:schemeClr val="bg1"/>
+                          </a:solidFill>
+                        </a:rPr>
+                        <a:t>client unhappy with the result</a:t>
+                      </a:r>
+                      <a:endParaRPr sz="1050">
+                        <a:solidFill>
+                          <a:schemeClr val="bg1"/>
+                        </a:solidFill>
+                      </a:endParaRPr>
+                    </a:p>
+                  </a:txBody>
+                  <a:tcPr marL="91450" marR="91450" marT="45725" marB="45725">
+                    <a:solidFill>
+                      <a:schemeClr val="accent1">
+                        <a:lumMod val="75000"/>
+                      </a:schemeClr>
+                    </a:solidFill>
+                  </a:tcPr>
+                </a:tc>
+                <a:tc>
+                  <a:txBody>
+                    <a:bodyPr/>
+                    <a:lstStyle/>
+                    <a:p>
+                      <a:pPr marL="0" marR="0" lvl="0" indent="0" algn="l" rtl="0">
+                        <a:spcBef>
+                          <a:spcPts val="0"/>
+                        </a:spcBef>
+                        <a:spcAft>
+                          <a:spcPts val="0"/>
+                        </a:spcAft>
+                        <a:buNone/>
+                      </a:pPr>
+                      <a:r>
+                        <a:rPr lang="en-GB" sz="1050">
+                          <a:solidFill>
+                            <a:schemeClr val="bg1"/>
+                          </a:solidFill>
+                        </a:rPr>
+                        <a:t>Low</a:t>
+                      </a:r>
+                      <a:endParaRPr sz="1050">
+                        <a:solidFill>
+                          <a:schemeClr val="bg1"/>
+                        </a:solidFill>
+                      </a:endParaRPr>
+                    </a:p>
+                  </a:txBody>
+                  <a:tcPr marL="91450" marR="91450" marT="45725" marB="45725">
+                    <a:solidFill>
+                      <a:srgbClr val="1155CC"/>
+                    </a:solidFill>
+                  </a:tcPr>
+                </a:tc>
+                <a:tc>
+                  <a:txBody>
+                    <a:bodyPr/>
+                    <a:lstStyle/>
+                    <a:p>
+                      <a:pPr marL="0" lvl="0" indent="0" algn="l" rtl="0">
+                        <a:spcBef>
+                          <a:spcPts val="0"/>
+                        </a:spcBef>
+                        <a:spcAft>
+                          <a:spcPts val="0"/>
+                        </a:spcAft>
+                        <a:buClr>
+                          <a:schemeClr val="dk1"/>
+                        </a:buClr>
+                        <a:buSzPts val="1100"/>
+                        <a:buFont typeface="Arial"/>
+                        <a:buNone/>
+                      </a:pPr>
+                      <a:r>
+                        <a:rPr lang="en-GB" sz="1050">
+                          <a:solidFill>
+                            <a:schemeClr val="bg1"/>
+                          </a:solidFill>
+                        </a:rPr>
+                        <a:t>Low Quality End Product</a:t>
+                      </a:r>
+                      <a:endParaRPr sz="1050">
+                        <a:solidFill>
+                          <a:schemeClr val="bg1"/>
+                        </a:solidFill>
+                      </a:endParaRPr>
+                    </a:p>
+                  </a:txBody>
+                  <a:tcPr marL="91450" marR="91450" marT="45725" marB="45725">
+                    <a:solidFill>
+                      <a:schemeClr val="accent1">
+                        <a:lumMod val="75000"/>
+                      </a:schemeClr>
+                    </a:solidFill>
+                  </a:tcPr>
+                </a:tc>
+                <a:tc>
+                  <a:txBody>
+                    <a:bodyPr/>
+                    <a:lstStyle/>
+                    <a:p>
+                      <a:pPr marL="0" marR="0" lvl="0" indent="0" algn="l" rtl="0">
+                        <a:spcBef>
+                          <a:spcPts val="0"/>
+                        </a:spcBef>
+                        <a:spcAft>
+                          <a:spcPts val="0"/>
+                        </a:spcAft>
+                        <a:buNone/>
+                      </a:pPr>
+                      <a:r>
+                        <a:rPr lang="en-GB" sz="1050">
+                          <a:solidFill>
+                            <a:schemeClr val="bg1"/>
+                          </a:solidFill>
+                        </a:rPr>
+                        <a:t>implement acceptance testing, perhaps using XML for a list of commands to test</a:t>
+                      </a:r>
+                      <a:endParaRPr sz="1050">
+                        <a:solidFill>
+                          <a:schemeClr val="bg1"/>
+                        </a:solidFill>
+                      </a:endParaRPr>
+                    </a:p>
+                  </a:txBody>
+                  <a:tcPr marL="91450" marR="91450" marT="45725" marB="45725">
+                    <a:solidFill>
+                      <a:schemeClr val="accent1">
+                        <a:lumMod val="75000"/>
+                      </a:schemeClr>
+                    </a:solidFill>
+                  </a:tcPr>
+                </a:tc>
+                <a:extLst>
+                  <a:ext uri="{0D108BD9-81ED-4DB2-BD59-A6C34878D82A}">
+                    <a16:rowId xmlns:a16="http://schemas.microsoft.com/office/drawing/2014/main" val="10007"/>
+                  </a:ext>
+                </a:extLst>
+              </a:tr>
+              <a:tr h="1212054">
+                <a:tc>
+                  <a:txBody>
+                    <a:bodyPr/>
+                    <a:lstStyle/>
+                    <a:p>
+                      <a:pPr marL="0" marR="0" lvl="0" indent="0" algn="l" rtl="0">
+                        <a:spcBef>
+                          <a:spcPts val="0"/>
+                        </a:spcBef>
+                        <a:spcAft>
+                          <a:spcPts val="0"/>
+                        </a:spcAft>
+                        <a:buNone/>
+                      </a:pPr>
+                      <a:r>
+                        <a:rPr lang="en-GB" sz="1050" dirty="0">
+                          <a:solidFill>
+                            <a:schemeClr val="bg1"/>
+                          </a:solidFill>
+                        </a:rPr>
+                        <a:t>team member struggles with coding</a:t>
+                      </a:r>
+                      <a:endParaRPr sz="1050" dirty="0">
+                        <a:solidFill>
+                          <a:schemeClr val="bg1"/>
+                        </a:solidFill>
+                      </a:endParaRPr>
+                    </a:p>
+                  </a:txBody>
+                  <a:tcPr marL="91450" marR="91450" marT="45725" marB="45725">
+                    <a:solidFill>
+                      <a:schemeClr val="accent5">
+                        <a:lumMod val="75000"/>
+                      </a:schemeClr>
+                    </a:solidFill>
+                  </a:tcPr>
+                </a:tc>
+                <a:tc>
+                  <a:txBody>
+                    <a:bodyPr/>
+                    <a:lstStyle/>
+                    <a:p>
+                      <a:pPr marL="0" marR="0" lvl="0" indent="0" algn="l" rtl="0">
+                        <a:spcBef>
+                          <a:spcPts val="0"/>
+                        </a:spcBef>
+                        <a:spcAft>
+                          <a:spcPts val="0"/>
+                        </a:spcAft>
+                        <a:buNone/>
+                      </a:pPr>
+                      <a:r>
+                        <a:rPr lang="en-GB" sz="1050">
+                          <a:solidFill>
+                            <a:schemeClr val="bg1"/>
+                          </a:solidFill>
+                        </a:rPr>
+                        <a:t>Medium</a:t>
+                      </a:r>
+                      <a:endParaRPr sz="1050">
+                        <a:solidFill>
+                          <a:schemeClr val="bg1"/>
+                        </a:solidFill>
+                      </a:endParaRPr>
+                    </a:p>
+                  </a:txBody>
+                  <a:tcPr marL="91450" marR="91450" marT="45725" marB="45725">
+                    <a:solidFill>
+                      <a:srgbClr val="F1C232"/>
+                    </a:solidFill>
+                  </a:tcPr>
+                </a:tc>
+                <a:tc>
+                  <a:txBody>
+                    <a:bodyPr/>
+                    <a:lstStyle/>
+                    <a:p>
+                      <a:pPr marL="0" lvl="0" indent="0" algn="l" rtl="0">
+                        <a:spcBef>
+                          <a:spcPts val="0"/>
+                        </a:spcBef>
+                        <a:spcAft>
+                          <a:spcPts val="0"/>
+                        </a:spcAft>
+                        <a:buClr>
+                          <a:schemeClr val="dk1"/>
+                        </a:buClr>
+                        <a:buSzPts val="1100"/>
+                        <a:buFont typeface="Arial"/>
+                        <a:buNone/>
+                      </a:pPr>
+                      <a:r>
+                        <a:rPr lang="en-GB" sz="1050">
+                          <a:solidFill>
+                            <a:schemeClr val="bg1"/>
+                          </a:solidFill>
+                        </a:rPr>
+                        <a:t>Low Quality End Product/Delay</a:t>
+                      </a:r>
+                      <a:endParaRPr sz="1050">
+                        <a:solidFill>
+                          <a:schemeClr val="bg1"/>
+                        </a:solidFill>
+                      </a:endParaRPr>
+                    </a:p>
+                  </a:txBody>
+                  <a:tcPr marL="91450" marR="91450" marT="45725" marB="45725">
+                    <a:solidFill>
+                      <a:schemeClr val="accent5">
+                        <a:lumMod val="75000"/>
+                      </a:schemeClr>
+                    </a:solidFill>
+                  </a:tcPr>
+                </a:tc>
+                <a:tc>
+                  <a:txBody>
+                    <a:bodyPr/>
+                    <a:lstStyle/>
+                    <a:p>
+                      <a:pPr marL="0" marR="0" lvl="0" indent="0" algn="l" rtl="0">
+                        <a:spcBef>
+                          <a:spcPts val="0"/>
+                        </a:spcBef>
+                        <a:spcAft>
+                          <a:spcPts val="0"/>
+                        </a:spcAft>
+                        <a:buNone/>
+                      </a:pPr>
+                      <a:r>
+                        <a:rPr lang="en-GB" sz="1050" dirty="0">
+                          <a:solidFill>
+                            <a:schemeClr val="bg1"/>
+                          </a:solidFill>
+                        </a:rPr>
+                        <a:t>pair programming to help team members struggling with coding and to reduce bugs</a:t>
+                      </a:r>
+                      <a:endParaRPr sz="1050" dirty="0">
+                        <a:solidFill>
+                          <a:schemeClr val="bg1"/>
+                        </a:solidFill>
+                      </a:endParaRPr>
+                    </a:p>
+                    <a:p>
+                      <a:pPr marL="0" marR="0" lvl="0" indent="0" algn="l" rtl="0">
+                        <a:spcBef>
+                          <a:spcPts val="0"/>
+                        </a:spcBef>
+                        <a:spcAft>
+                          <a:spcPts val="0"/>
+                        </a:spcAft>
+                        <a:buNone/>
+                      </a:pPr>
+                      <a:endParaRPr sz="1050" dirty="0">
+                        <a:solidFill>
+                          <a:schemeClr val="bg1"/>
+                        </a:solidFill>
+                      </a:endParaRPr>
+                    </a:p>
+                    <a:p>
+                      <a:pPr marL="0" marR="0" lvl="0" indent="0" algn="l" rtl="0">
+                        <a:spcBef>
+                          <a:spcPts val="0"/>
+                        </a:spcBef>
+                        <a:spcAft>
+                          <a:spcPts val="0"/>
+                        </a:spcAft>
+                        <a:buNone/>
+                      </a:pPr>
+                      <a:r>
+                        <a:rPr lang="en-GB" sz="1050" dirty="0">
+                          <a:solidFill>
+                            <a:schemeClr val="bg1"/>
+                          </a:solidFill>
+                        </a:rPr>
+                        <a:t>Each part of the system orchestrated by those with greatest area expertise</a:t>
+                      </a:r>
+                      <a:endParaRPr sz="1050" dirty="0">
+                        <a:solidFill>
+                          <a:schemeClr val="bg1"/>
+                        </a:solidFill>
+                      </a:endParaRPr>
+                    </a:p>
+                    <a:p>
+                      <a:pPr marL="0" marR="0" lvl="0" indent="0" algn="l" rtl="0">
+                        <a:spcBef>
+                          <a:spcPts val="0"/>
+                        </a:spcBef>
+                        <a:spcAft>
+                          <a:spcPts val="0"/>
+                        </a:spcAft>
+                        <a:buNone/>
+                      </a:pPr>
+                      <a:r>
+                        <a:rPr lang="en-GB" sz="1050" dirty="0">
+                          <a:solidFill>
+                            <a:schemeClr val="bg1"/>
+                          </a:solidFill>
+                        </a:rPr>
+                        <a:t>(I.E Database development directed by person with confidence in databases)</a:t>
+                      </a:r>
+                      <a:endParaRPr sz="1050" dirty="0">
+                        <a:solidFill>
+                          <a:schemeClr val="bg1"/>
+                        </a:solidFill>
+                      </a:endParaRPr>
+                    </a:p>
+                  </a:txBody>
+                  <a:tcPr marL="91450" marR="91450" marT="45725" marB="45725">
+                    <a:solidFill>
+                      <a:schemeClr val="accent5">
+                        <a:lumMod val="75000"/>
+                      </a:schemeClr>
+                    </a:solidFill>
+                  </a:tcPr>
+                </a:tc>
+                <a:extLst>
+                  <a:ext uri="{0D108BD9-81ED-4DB2-BD59-A6C34878D82A}">
+                    <a16:rowId xmlns:a16="http://schemas.microsoft.com/office/drawing/2014/main" val="10008"/>
+                  </a:ext>
+                </a:extLst>
+              </a:tr>
+            </a:tbl>
+          </a:graphicData>
+        </a:graphic>
+      </p:graphicFrame>
+    </p:spTree>
+    <p:extLst>
+      <p:ext uri="{BB962C8B-B14F-4D97-AF65-F5344CB8AC3E}">
+        <p14:creationId xmlns:p14="http://schemas.microsoft.com/office/powerpoint/2010/main" val="3366852053"/>
+      </p:ext>
+    </p:extLst>
+  </p:cSld>
+  <p:clrMapOvr>
+    <a:masterClrMapping/>
+  </p:clrMapOvr>
+</p:sld>
+</file>
+
+<file path=ppt/slides/slide6.xml><?xml version="1.0" encoding="utf-8"?>
+<p:sld xmlns:a="http://schemas.openxmlformats.org/drawingml/2006/main" xmlns:r="http://schemas.openxmlformats.org/officeDocument/2006/relationships" xmlns:p="http://schemas.openxmlformats.org/presentationml/2006/main">
+  <p:cSld>
+    <p:spTree>
+      <p:nvGrpSpPr>
+        <p:cNvPr id="1" name=""/>
+        <p:cNvGrpSpPr/>
+        <p:nvPr/>
+      </p:nvGrpSpPr>
+      <p:grpSpPr>
+        <a:xfrm>
+          <a:off x="0" y="0"/>
+          <a:ext cx="0" cy="0"/>
+          <a:chOff x="0" y="0"/>
+          <a:chExt cx="0" cy="0"/>
+        </a:xfrm>
+      </p:grpSpPr>
+      <p:sp>
+        <p:nvSpPr>
+          <p:cNvPr id="2" name="Title 1">
+            <a:extLst>
+              <a:ext uri="{FF2B5EF4-FFF2-40B4-BE49-F238E27FC236}">
+                <a16:creationId xmlns:a16="http://schemas.microsoft.com/office/drawing/2014/main" id="{EF431E20-CF03-4A3D-9423-7904A2B23333}"/>
+              </a:ext>
+            </a:extLst>
+          </p:cNvPr>
+          <p:cNvSpPr>
+            <a:spLocks noGrp="1"/>
+          </p:cNvSpPr>
+          <p:nvPr>
+            <p:ph type="title"/>
+          </p:nvPr>
+        </p:nvSpPr>
+        <p:spPr/>
+        <p:txBody>
+          <a:bodyPr/>
+          <a:lstStyle/>
+          <a:p>
+            <a:r>
+              <a:rPr lang="en-GB" dirty="0"/>
+              <a:t>Risk Assessment –Security Issues</a:t>
+            </a:r>
+          </a:p>
+        </p:txBody>
+      </p:sp>
+      <p:graphicFrame>
+        <p:nvGraphicFramePr>
+          <p:cNvPr id="4" name="Google Shape;90;p2">
+            <a:extLst>
+              <a:ext uri="{FF2B5EF4-FFF2-40B4-BE49-F238E27FC236}">
+                <a16:creationId xmlns:a16="http://schemas.microsoft.com/office/drawing/2014/main" id="{4AFDF826-8BF7-49AA-BB0B-71931C4CF7D3}"/>
+              </a:ext>
+            </a:extLst>
+          </p:cNvPr>
+          <p:cNvGraphicFramePr/>
+          <p:nvPr>
+            <p:extLst>
+              <p:ext uri="{D42A27DB-BD31-4B8C-83A1-F6EECF244321}">
+                <p14:modId xmlns:p14="http://schemas.microsoft.com/office/powerpoint/2010/main" val="1246705108"/>
+              </p:ext>
+            </p:extLst>
+          </p:nvPr>
         </p:nvGraphicFramePr>
         <p:xfrm>
           <a:off x="2099112" y="1454977"/>
@@ -6207,13 +8989,27 @@
                         <a:buNone/>
                       </a:pPr>
                       <a:r>
-                        <a:rPr lang="en-GB" sz="1800"/>
+                        <a:rPr lang="en-GB" sz="1800">
+                          <a:solidFill>
+                            <a:schemeClr val="bg1"/>
+                          </a:solidFill>
+                        </a:rPr>
                         <a:t>Risk</a:t>
                       </a:r>
-                      <a:endParaRPr/>
+                      <a:endParaRPr>
+                        <a:solidFill>
+                          <a:schemeClr val="bg1"/>
+                        </a:solidFill>
+                      </a:endParaRPr>
                     </a:p>
                   </a:txBody>
-                  <a:tcPr marL="91450" marR="91450" marT="45725" marB="45725"/>
+                  <a:tcPr marL="91450" marR="91450" marT="45725" marB="45725">
+                    <a:solidFill>
+                      <a:schemeClr val="accent1">
+                        <a:lumMod val="50000"/>
+                      </a:schemeClr>
+                    </a:solidFill>
+                  </a:tcPr>
                 </a:tc>
                 <a:tc>
                   <a:txBody>
@@ -6230,13 +9026,27 @@
                         <a:buNone/>
                       </a:pPr>
                       <a:r>
-                        <a:rPr lang="en-GB" sz="1800"/>
+                        <a:rPr lang="en-GB" sz="1800" dirty="0">
+                          <a:solidFill>
+                            <a:schemeClr val="bg1"/>
+                          </a:solidFill>
+                        </a:rPr>
                         <a:t>Mitigation</a:t>
                       </a:r>
-                      <a:endParaRPr/>
+                      <a:endParaRPr dirty="0">
+                        <a:solidFill>
+                          <a:schemeClr val="bg1"/>
+                        </a:solidFill>
+                      </a:endParaRPr>
                     </a:p>
                   </a:txBody>
-                  <a:tcPr marL="91450" marR="91450" marT="45725" marB="45725"/>
+                  <a:tcPr marL="91450" marR="91450" marT="45725" marB="45725">
+                    <a:solidFill>
+                      <a:schemeClr val="accent1">
+                        <a:lumMod val="50000"/>
+                      </a:schemeClr>
+                    </a:solidFill>
+                  </a:tcPr>
                 </a:tc>
                 <a:extLst>
                   <a:ext uri="{0D108BD9-81ED-4DB2-BD59-A6C34878D82A}">
@@ -6268,10 +9078,18 @@
                         <a:buNone/>
                       </a:pPr>
                       <a:r>
-                        <a:rPr lang="en-GB" sz="1800"/>
+                        <a:rPr lang="en-GB" sz="1800">
+                          <a:solidFill>
+                            <a:schemeClr val="bg1"/>
+                          </a:solidFill>
+                        </a:rPr>
                         <a:t>Login security/validation - credential stealing, replay attacks</a:t>
                       </a:r>
-                      <a:endParaRPr/>
+                      <a:endParaRPr>
+                        <a:solidFill>
+                          <a:schemeClr val="bg1"/>
+                        </a:solidFill>
+                      </a:endParaRPr>
                     </a:p>
                     <a:p>
                       <a:pPr marL="0" marR="0" lvl="0" indent="0" algn="l" rtl="0">
@@ -6291,7 +9109,11 @@
                         <a:buFont typeface="Calibri"/>
                         <a:buNone/>
                       </a:pPr>
-                      <a:endParaRPr sz="1800"/>
+                      <a:endParaRPr sz="1800">
+                        <a:solidFill>
+                          <a:schemeClr val="bg1"/>
+                        </a:solidFill>
+                      </a:endParaRPr>
                     </a:p>
                     <a:p>
                       <a:pPr marL="0" marR="0" lvl="0" indent="0" algn="l" rtl="0">
@@ -6303,10 +9125,20 @@
                         </a:spcAft>
                         <a:buNone/>
                       </a:pPr>
-                      <a:endParaRPr sz="1800"/>
+                      <a:endParaRPr sz="1800">
+                        <a:solidFill>
+                          <a:schemeClr val="bg1"/>
+                        </a:solidFill>
+                      </a:endParaRPr>
                     </a:p>
                   </a:txBody>
-                  <a:tcPr marL="91450" marR="91450" marT="45725" marB="45725"/>
+                  <a:tcPr marL="91450" marR="91450" marT="45725" marB="45725">
+                    <a:solidFill>
+                      <a:schemeClr val="accent5">
+                        <a:lumMod val="75000"/>
+                      </a:schemeClr>
+                    </a:solidFill>
+                  </a:tcPr>
                 </a:tc>
                 <a:tc>
                   <a:txBody>
@@ -6323,13 +9155,27 @@
                         <a:buNone/>
                       </a:pPr>
                       <a:r>
-                        <a:rPr lang="en-GB" sz="1800"/>
+                        <a:rPr lang="en-GB" sz="1800" dirty="0">
+                          <a:solidFill>
+                            <a:schemeClr val="bg1"/>
+                          </a:solidFill>
+                        </a:rPr>
                         <a:t>encrypting passwords with salt,, limited user accounts on database for customer users, password policy, minimum length</a:t>
                       </a:r>
-                      <a:endParaRPr/>
+                      <a:endParaRPr dirty="0">
+                        <a:solidFill>
+                          <a:schemeClr val="bg1"/>
+                        </a:solidFill>
+                      </a:endParaRPr>
                     </a:p>
                   </a:txBody>
-                  <a:tcPr marL="91450" marR="91450" marT="45725" marB="45725"/>
+                  <a:tcPr marL="91450" marR="91450" marT="45725" marB="45725">
+                    <a:solidFill>
+                      <a:schemeClr val="accent5">
+                        <a:lumMod val="75000"/>
+                      </a:schemeClr>
+                    </a:solidFill>
+                  </a:tcPr>
                 </a:tc>
                 <a:extLst>
                   <a:ext uri="{0D108BD9-81ED-4DB2-BD59-A6C34878D82A}">
@@ -6353,13 +9199,27 @@
                         <a:buNone/>
                       </a:pPr>
                       <a:r>
-                        <a:rPr lang="en-GB" sz="1800"/>
+                        <a:rPr lang="en-GB" sz="1800" dirty="0">
+                          <a:solidFill>
+                            <a:schemeClr val="bg1"/>
+                          </a:solidFill>
+                        </a:rPr>
                         <a:t>insecure input - SQL injection</a:t>
                       </a:r>
-                      <a:endParaRPr/>
+                      <a:endParaRPr dirty="0">
+                        <a:solidFill>
+                          <a:schemeClr val="bg1"/>
+                        </a:solidFill>
+                      </a:endParaRPr>
                     </a:p>
                   </a:txBody>
-                  <a:tcPr marL="91450" marR="91450" marT="45725" marB="45725"/>
+                  <a:tcPr marL="91450" marR="91450" marT="45725" marB="45725">
+                    <a:solidFill>
+                      <a:schemeClr val="accent1">
+                        <a:lumMod val="75000"/>
+                      </a:schemeClr>
+                    </a:solidFill>
+                  </a:tcPr>
                 </a:tc>
                 <a:tc>
                   <a:txBody>
@@ -6376,13 +9236,27 @@
                         <a:buNone/>
                       </a:pPr>
                       <a:r>
-                        <a:rPr lang="en-GB" sz="1800"/>
+                        <a:rPr lang="en-GB" sz="1800" dirty="0">
+                          <a:solidFill>
+                            <a:schemeClr val="bg1"/>
+                          </a:solidFill>
+                        </a:rPr>
                         <a:t>use binding parameters in SQL procedures, sanitize input</a:t>
                       </a:r>
-                      <a:endParaRPr/>
+                      <a:endParaRPr dirty="0">
+                        <a:solidFill>
+                          <a:schemeClr val="bg1"/>
+                        </a:solidFill>
+                      </a:endParaRPr>
                     </a:p>
                   </a:txBody>
-                  <a:tcPr marL="91450" marR="91450" marT="45725" marB="45725"/>
+                  <a:tcPr marL="91450" marR="91450" marT="45725" marB="45725">
+                    <a:solidFill>
+                      <a:schemeClr val="accent1">
+                        <a:lumMod val="75000"/>
+                      </a:schemeClr>
+                    </a:solidFill>
+                  </a:tcPr>
                 </a:tc>
                 <a:extLst>
                   <a:ext uri="{0D108BD9-81ED-4DB2-BD59-A6C34878D82A}">
@@ -6414,13 +9288,27 @@
                         <a:buNone/>
                       </a:pPr>
                       <a:r>
-                        <a:rPr lang="en-GB" sz="1800"/>
+                        <a:rPr lang="en-GB" sz="1800">
+                          <a:solidFill>
+                            <a:schemeClr val="bg1"/>
+                          </a:solidFill>
+                        </a:rPr>
                         <a:t>denial of service attacks</a:t>
                       </a:r>
-                      <a:endParaRPr/>
+                      <a:endParaRPr>
+                        <a:solidFill>
+                          <a:schemeClr val="bg1"/>
+                        </a:solidFill>
+                      </a:endParaRPr>
                     </a:p>
                   </a:txBody>
-                  <a:tcPr marL="91450" marR="91450" marT="45725" marB="45725"/>
+                  <a:tcPr marL="91450" marR="91450" marT="45725" marB="45725">
+                    <a:solidFill>
+                      <a:schemeClr val="accent5">
+                        <a:lumMod val="75000"/>
+                      </a:schemeClr>
+                    </a:solidFill>
+                  </a:tcPr>
                 </a:tc>
                 <a:tc>
                   <a:txBody>
@@ -6437,13 +9325,27 @@
                         <a:buNone/>
                       </a:pPr>
                       <a:r>
-                        <a:rPr lang="en-GB" sz="1800"/>
+                        <a:rPr lang="en-GB" sz="1800" dirty="0">
+                          <a:solidFill>
+                            <a:schemeClr val="bg1"/>
+                          </a:solidFill>
+                        </a:rPr>
                         <a:t>limit number of failed login attempts, restrict time between ping requests</a:t>
                       </a:r>
-                      <a:endParaRPr/>
+                      <a:endParaRPr dirty="0">
+                        <a:solidFill>
+                          <a:schemeClr val="bg1"/>
+                        </a:solidFill>
+                      </a:endParaRPr>
                     </a:p>
                   </a:txBody>
-                  <a:tcPr marL="91450" marR="91450" marT="45725" marB="45725"/>
+                  <a:tcPr marL="91450" marR="91450" marT="45725" marB="45725">
+                    <a:solidFill>
+                      <a:schemeClr val="accent5">
+                        <a:lumMod val="75000"/>
+                      </a:schemeClr>
+                    </a:solidFill>
+                  </a:tcPr>
                 </a:tc>
                 <a:extLst>
                   <a:ext uri="{0D108BD9-81ED-4DB2-BD59-A6C34878D82A}">
@@ -6467,13 +9369,27 @@
                         <a:buNone/>
                       </a:pPr>
                       <a:r>
-                        <a:rPr lang="en-GB" sz="1800"/>
+                        <a:rPr lang="en-GB" sz="1800">
+                          <a:solidFill>
+                            <a:schemeClr val="bg1"/>
+                          </a:solidFill>
+                        </a:rPr>
                         <a:t>brute force attacks</a:t>
                       </a:r>
-                      <a:endParaRPr/>
+                      <a:endParaRPr>
+                        <a:solidFill>
+                          <a:schemeClr val="bg1"/>
+                        </a:solidFill>
+                      </a:endParaRPr>
                     </a:p>
                   </a:txBody>
-                  <a:tcPr marL="91450" marR="91450" marT="45725" marB="45725"/>
+                  <a:tcPr marL="91450" marR="91450" marT="45725" marB="45725">
+                    <a:solidFill>
+                      <a:schemeClr val="accent1">
+                        <a:lumMod val="75000"/>
+                      </a:schemeClr>
+                    </a:solidFill>
+                  </a:tcPr>
                 </a:tc>
                 <a:tc>
                   <a:txBody>
@@ -6490,13 +9406,27 @@
                         <a:buNone/>
                       </a:pPr>
                       <a:r>
-                        <a:rPr lang="en-GB" sz="1800"/>
+                        <a:rPr lang="en-GB" sz="1800" dirty="0">
+                          <a:solidFill>
+                            <a:schemeClr val="bg1"/>
+                          </a:solidFill>
+                        </a:rPr>
                         <a:t>limit number of failed login attempts</a:t>
                       </a:r>
-                      <a:endParaRPr/>
+                      <a:endParaRPr dirty="0">
+                        <a:solidFill>
+                          <a:schemeClr val="bg1"/>
+                        </a:solidFill>
+                      </a:endParaRPr>
                     </a:p>
                   </a:txBody>
-                  <a:tcPr marL="91450" marR="91450" marT="45725" marB="45725"/>
+                  <a:tcPr marL="91450" marR="91450" marT="45725" marB="45725">
+                    <a:solidFill>
+                      <a:schemeClr val="accent1">
+                        <a:lumMod val="75000"/>
+                      </a:schemeClr>
+                    </a:solidFill>
+                  </a:tcPr>
                 </a:tc>
                 <a:extLst>
                   <a:ext uri="{0D108BD9-81ED-4DB2-BD59-A6C34878D82A}">
@@ -6504,7 +9434,7 @@
                   </a:ext>
                 </a:extLst>
               </a:tr>
-              <a:tr h="370850">
+              <a:tr h="302420">
                 <a:tc>
                   <a:txBody>
                     <a:bodyPr/>
@@ -6520,13 +9450,27 @@
                         <a:buNone/>
                       </a:pPr>
                       <a:r>
-                        <a:rPr lang="en-GB" sz="1800"/>
+                        <a:rPr lang="en-GB" sz="1800">
+                          <a:solidFill>
+                            <a:schemeClr val="bg1"/>
+                          </a:solidFill>
+                        </a:rPr>
                         <a:t>man in the middle attack</a:t>
                       </a:r>
-                      <a:endParaRPr/>
+                      <a:endParaRPr>
+                        <a:solidFill>
+                          <a:schemeClr val="bg1"/>
+                        </a:solidFill>
+                      </a:endParaRPr>
                     </a:p>
                   </a:txBody>
-                  <a:tcPr marL="91450" marR="91450" marT="45725" marB="45725"/>
+                  <a:tcPr marL="91450" marR="91450" marT="45725" marB="45725">
+                    <a:solidFill>
+                      <a:schemeClr val="accent5">
+                        <a:lumMod val="75000"/>
+                      </a:schemeClr>
+                    </a:solidFill>
+                  </a:tcPr>
                 </a:tc>
                 <a:tc>
                   <a:txBody>
@@ -6543,13 +9487,27 @@
                         <a:buNone/>
                       </a:pPr>
                       <a:r>
-                        <a:rPr lang="en-GB" sz="1800"/>
+                        <a:rPr lang="en-GB" sz="1800" dirty="0">
+                          <a:solidFill>
+                            <a:schemeClr val="bg1"/>
+                          </a:solidFill>
+                        </a:rPr>
                         <a:t>token authentication - PHP session variable or token, use of HTTPS if available</a:t>
                       </a:r>
-                      <a:endParaRPr/>
+                      <a:endParaRPr dirty="0">
+                        <a:solidFill>
+                          <a:schemeClr val="bg1"/>
+                        </a:solidFill>
+                      </a:endParaRPr>
                     </a:p>
                   </a:txBody>
-                  <a:tcPr marL="91450" marR="91450" marT="45725" marB="45725"/>
+                  <a:tcPr marL="91450" marR="91450" marT="45725" marB="45725">
+                    <a:solidFill>
+                      <a:schemeClr val="accent5">
+                        <a:lumMod val="75000"/>
+                      </a:schemeClr>
+                    </a:solidFill>
+                  </a:tcPr>
                 </a:tc>
                 <a:extLst>
                   <a:ext uri="{0D108BD9-81ED-4DB2-BD59-A6C34878D82A}">
@@ -6561,169 +9519,10 @@
           </a:graphicData>
         </a:graphic>
       </p:graphicFrame>
-      <p:sp>
-        <p:nvSpPr>
-          <p:cNvPr id="91" name="Google Shape;91;p2"/>
-          <p:cNvSpPr/>
-          <p:nvPr/>
-        </p:nvSpPr>
-        <p:spPr>
-          <a:xfrm>
-            <a:off x="4732789" y="238317"/>
-            <a:ext cx="2860646" cy="914401"/>
-          </a:xfrm>
-          <a:prstGeom prst="roundRect">
-            <a:avLst>
-              <a:gd name="adj" fmla="val 16667"/>
-            </a:avLst>
-          </a:prstGeom>
-          <a:solidFill>
-            <a:schemeClr val="accent1"/>
-          </a:solidFill>
-          <a:ln w="12700" cap="flat" cmpd="sng">
-            <a:solidFill>
-              <a:srgbClr val="31538F"/>
-            </a:solidFill>
-            <a:prstDash val="solid"/>
-            <a:miter lim="800000"/>
-            <a:headEnd type="none" w="sm" len="sm"/>
-            <a:tailEnd type="none" w="sm" len="sm"/>
-          </a:ln>
-        </p:spPr>
-        <p:txBody>
-          <a:bodyPr spcFirstLastPara="1" wrap="square" lIns="91425" tIns="45700" rIns="91425" bIns="45700" anchor="ctr" anchorCtr="0">
-            <a:noAutofit/>
-          </a:bodyPr>
-          <a:lstStyle/>
-          <a:p>
-            <a:pPr marL="0" marR="0" lvl="0" indent="0" algn="ctr" rtl="0">
-              <a:spcBef>
-                <a:spcPts val="0"/>
-              </a:spcBef>
-              <a:spcAft>
-                <a:spcPts val="0"/>
-              </a:spcAft>
-              <a:buNone/>
-            </a:pPr>
-            <a:r>
-              <a:rPr lang="en-GB" sz="1800" b="0" i="0" u="none" strike="noStrike" cap="none">
-                <a:solidFill>
-                  <a:schemeClr val="lt1"/>
-                </a:solidFill>
-                <a:latin typeface="Calibri"/>
-                <a:ea typeface="Calibri"/>
-                <a:cs typeface="Calibri"/>
-                <a:sym typeface="Calibri"/>
-              </a:rPr>
-              <a:t>Risk Assessment - Security</a:t>
-            </a:r>
-            <a:endParaRPr/>
-          </a:p>
-        </p:txBody>
-      </p:sp>
-    </p:spTree>
-  </p:cSld>
-  <p:clrMapOvr>
-    <a:masterClrMapping/>
-  </p:clrMapOvr>
-</p:sld>
-</file>
-
-<file path=ppt/slides/slide6.xml><?xml version="1.0" encoding="utf-8"?>
-<p:sld xmlns:a="http://schemas.openxmlformats.org/drawingml/2006/main" xmlns:r="http://schemas.openxmlformats.org/officeDocument/2006/relationships" xmlns:p="http://schemas.openxmlformats.org/presentationml/2006/main">
-  <p:cSld>
-    <p:spTree>
-      <p:nvGrpSpPr>
-        <p:cNvPr id="1" name=""/>
-        <p:cNvGrpSpPr/>
-        <p:nvPr/>
-      </p:nvGrpSpPr>
-      <p:grpSpPr>
-        <a:xfrm>
-          <a:off x="0" y="0"/>
-          <a:ext cx="0" cy="0"/>
-          <a:chOff x="0" y="0"/>
-          <a:chExt cx="0" cy="0"/>
-        </a:xfrm>
-      </p:grpSpPr>
-      <p:sp>
-        <p:nvSpPr>
-          <p:cNvPr id="2" name="Title 1">
-            <a:extLst>
-              <a:ext uri="{FF2B5EF4-FFF2-40B4-BE49-F238E27FC236}">
-                <a16:creationId xmlns:a16="http://schemas.microsoft.com/office/drawing/2014/main" id="{E186EE41-6B74-40A0-AE7B-E0882D433652}"/>
-              </a:ext>
-            </a:extLst>
-          </p:cNvPr>
-          <p:cNvSpPr>
-            <a:spLocks noGrp="1"/>
-          </p:cNvSpPr>
-          <p:nvPr>
-            <p:ph type="title"/>
-          </p:nvPr>
-        </p:nvSpPr>
-        <p:spPr/>
-        <p:txBody>
-          <a:bodyPr/>
-          <a:lstStyle/>
-          <a:p>
-            <a:r>
-              <a:rPr lang="en-GB" dirty="0"/>
-              <a:t>Computer Science Elements</a:t>
-            </a:r>
-          </a:p>
-        </p:txBody>
-      </p:sp>
-      <p:sp>
-        <p:nvSpPr>
-          <p:cNvPr id="3" name="Content Placeholder 2">
-            <a:extLst>
-              <a:ext uri="{FF2B5EF4-FFF2-40B4-BE49-F238E27FC236}">
-                <a16:creationId xmlns:a16="http://schemas.microsoft.com/office/drawing/2014/main" id="{1F1A997C-0D9F-49B9-AF88-6760B082751F}"/>
-              </a:ext>
-            </a:extLst>
-          </p:cNvPr>
-          <p:cNvSpPr>
-            <a:spLocks noGrp="1"/>
-          </p:cNvSpPr>
-          <p:nvPr>
-            <p:ph idx="1"/>
-          </p:nvPr>
-        </p:nvSpPr>
-        <p:spPr/>
-        <p:txBody>
-          <a:bodyPr/>
-          <a:lstStyle/>
-          <a:p>
-            <a:r>
-              <a:rPr lang="en-GB" dirty="0"/>
-              <a:t>Predict number of flights for a day based on previous data</a:t>
-            </a:r>
-          </a:p>
-          <a:p>
-            <a:r>
-              <a:rPr lang="en-GB" dirty="0"/>
-              <a:t>Determine how much a flight can be overbooked based on cancellations</a:t>
-            </a:r>
-          </a:p>
-          <a:p>
-            <a:r>
-              <a:rPr lang="en-GB" dirty="0"/>
-              <a:t>Determine optimal price for flights based on previous data</a:t>
-            </a:r>
-          </a:p>
-          <a:p>
-            <a:r>
-              <a:rPr lang="en-GB" dirty="0"/>
-              <a:t>Figure out a packing algorithm for 3d space</a:t>
-            </a:r>
-          </a:p>
-        </p:txBody>
-      </p:sp>
     </p:spTree>
     <p:extLst>
       <p:ext uri="{BB962C8B-B14F-4D97-AF65-F5344CB8AC3E}">
-        <p14:creationId xmlns:p14="http://schemas.microsoft.com/office/powerpoint/2010/main" val="3783491452"/>
+        <p14:creationId xmlns:p14="http://schemas.microsoft.com/office/powerpoint/2010/main" val="3161342937"/>
       </p:ext>
     </p:extLst>
   </p:cSld>
@@ -6755,6 +9554,110 @@
           <p:cNvPr id="2" name="Title 1">
             <a:extLst>
               <a:ext uri="{FF2B5EF4-FFF2-40B4-BE49-F238E27FC236}">
+                <a16:creationId xmlns:a16="http://schemas.microsoft.com/office/drawing/2014/main" id="{E186EE41-6B74-40A0-AE7B-E0882D433652}"/>
+              </a:ext>
+            </a:extLst>
+          </p:cNvPr>
+          <p:cNvSpPr>
+            <a:spLocks noGrp="1"/>
+          </p:cNvSpPr>
+          <p:nvPr>
+            <p:ph type="title"/>
+          </p:nvPr>
+        </p:nvSpPr>
+        <p:spPr/>
+        <p:txBody>
+          <a:bodyPr/>
+          <a:lstStyle/>
+          <a:p>
+            <a:r>
+              <a:rPr lang="en-GB" dirty="0"/>
+              <a:t>Computer Science Elements</a:t>
+            </a:r>
+          </a:p>
+        </p:txBody>
+      </p:sp>
+      <p:sp>
+        <p:nvSpPr>
+          <p:cNvPr id="3" name="Content Placeholder 2">
+            <a:extLst>
+              <a:ext uri="{FF2B5EF4-FFF2-40B4-BE49-F238E27FC236}">
+                <a16:creationId xmlns:a16="http://schemas.microsoft.com/office/drawing/2014/main" id="{1F1A997C-0D9F-49B9-AF88-6760B082751F}"/>
+              </a:ext>
+            </a:extLst>
+          </p:cNvPr>
+          <p:cNvSpPr>
+            <a:spLocks noGrp="1"/>
+          </p:cNvSpPr>
+          <p:nvPr>
+            <p:ph idx="1"/>
+          </p:nvPr>
+        </p:nvSpPr>
+        <p:spPr/>
+        <p:txBody>
+          <a:bodyPr/>
+          <a:lstStyle/>
+          <a:p>
+            <a:r>
+              <a:rPr lang="en-GB" dirty="0"/>
+              <a:t>Predict number of flights for a day based on previous data</a:t>
+            </a:r>
+          </a:p>
+          <a:p>
+            <a:r>
+              <a:rPr lang="en-GB" dirty="0"/>
+              <a:t>Determine how much a flight can be overbooked based on cancellations</a:t>
+            </a:r>
+          </a:p>
+          <a:p>
+            <a:r>
+              <a:rPr lang="en-GB" dirty="0"/>
+              <a:t>Determine optimal price for flights based on previous data</a:t>
+            </a:r>
+          </a:p>
+          <a:p>
+            <a:r>
+              <a:rPr lang="en-GB" dirty="0"/>
+              <a:t>Figure out a packing algorithm for 3d space</a:t>
+            </a:r>
+          </a:p>
+        </p:txBody>
+      </p:sp>
+    </p:spTree>
+    <p:extLst>
+      <p:ext uri="{BB962C8B-B14F-4D97-AF65-F5344CB8AC3E}">
+        <p14:creationId xmlns:p14="http://schemas.microsoft.com/office/powerpoint/2010/main" val="3783491452"/>
+      </p:ext>
+    </p:extLst>
+  </p:cSld>
+  <p:clrMapOvr>
+    <a:masterClrMapping/>
+  </p:clrMapOvr>
+</p:sld>
+</file>
+
+<file path=ppt/slides/slide8.xml><?xml version="1.0" encoding="utf-8"?>
+<p:sld xmlns:a="http://schemas.openxmlformats.org/drawingml/2006/main" xmlns:r="http://schemas.openxmlformats.org/officeDocument/2006/relationships" xmlns:p="http://schemas.openxmlformats.org/presentationml/2006/main">
+  <p:cSld>
+    <p:spTree>
+      <p:nvGrpSpPr>
+        <p:cNvPr id="1" name=""/>
+        <p:cNvGrpSpPr/>
+        <p:nvPr/>
+      </p:nvGrpSpPr>
+      <p:grpSpPr>
+        <a:xfrm>
+          <a:off x="0" y="0"/>
+          <a:ext cx="0" cy="0"/>
+          <a:chOff x="0" y="0"/>
+          <a:chExt cx="0" cy="0"/>
+        </a:xfrm>
+      </p:grpSpPr>
+      <p:sp>
+        <p:nvSpPr>
+          <p:cNvPr id="2" name="Title 1">
+            <a:extLst>
+              <a:ext uri="{FF2B5EF4-FFF2-40B4-BE49-F238E27FC236}">
                 <a16:creationId xmlns:a16="http://schemas.microsoft.com/office/drawing/2014/main" id="{3DC76213-A104-49ED-994D-E168FADD581A}"/>
               </a:ext>
             </a:extLst>
@@ -6869,7 +9772,7 @@
 </p:sld>
 </file>
 
-<file path=ppt/slides/slide8.xml><?xml version="1.0" encoding="utf-8"?>
+<file path=ppt/slides/slide9.xml><?xml version="1.0" encoding="utf-8"?>
 <p:sld xmlns:a="http://schemas.openxmlformats.org/drawingml/2006/main" xmlns:r="http://schemas.openxmlformats.org/officeDocument/2006/relationships" xmlns:p="http://schemas.openxmlformats.org/presentationml/2006/main">
   <p:cSld>
     <p:spTree>
